--- a/毕业答辩/毕业答辩.pptx
+++ b/毕业答辩/毕业答辩.pptx
@@ -5,10 +5,10 @@
     <p:sldMasterId id="2147483648" r:id="rId1"/>
   </p:sldMasterIdLst>
   <p:notesMasterIdLst>
-    <p:notesMasterId r:id="rId27"/>
+    <p:notesMasterId r:id="rId32"/>
   </p:notesMasterIdLst>
   <p:handoutMasterIdLst>
-    <p:handoutMasterId r:id="rId28"/>
+    <p:handoutMasterId r:id="rId33"/>
   </p:handoutMasterIdLst>
   <p:sldIdLst>
     <p:sldId id="293" r:id="rId2"/>
@@ -34,54 +34,68 @@
     <p:sldId id="328" r:id="rId22"/>
     <p:sldId id="351" r:id="rId23"/>
     <p:sldId id="352" r:id="rId24"/>
-    <p:sldId id="348" r:id="rId25"/>
-    <p:sldId id="327" r:id="rId26"/>
+    <p:sldId id="357" r:id="rId25"/>
+    <p:sldId id="348" r:id="rId26"/>
+    <p:sldId id="353" r:id="rId27"/>
+    <p:sldId id="354" r:id="rId28"/>
+    <p:sldId id="355" r:id="rId29"/>
+    <p:sldId id="356" r:id="rId30"/>
+    <p:sldId id="327" r:id="rId31"/>
   </p:sldIdLst>
   <p:sldSz cx="12192000" cy="6858000"/>
   <p:notesSz cx="6858000" cy="9144000"/>
   <p:embeddedFontLst>
     <p:embeddedFont>
-      <p:font typeface="Calibri" panose="020F0502020204030204" pitchFamily="34" charset="0"/>
-      <p:regular r:id="rId29"/>
-      <p:bold r:id="rId30"/>
-      <p:italic r:id="rId31"/>
-      <p:boldItalic r:id="rId32"/>
+      <p:font typeface="汉仪菱心体简" panose="02010600030101010101" charset="-122"/>
+      <p:regular r:id="rId34"/>
     </p:embeddedFont>
     <p:embeddedFont>
-      <p:font typeface="Book Antiqua" panose="02040602050305030304" pitchFamily="18" charset="0"/>
-      <p:regular r:id="rId33"/>
-      <p:bold r:id="rId34"/>
-      <p:italic r:id="rId35"/>
-      <p:boldItalic r:id="rId36"/>
+      <p:font typeface="楷体_GB2312" panose="02010600030101010101" charset="-122"/>
+      <p:regular r:id="rId35"/>
+    </p:embeddedFont>
+    <p:embeddedFont>
+      <p:font typeface="Arial Unicode MS" panose="020B0604020202020204" pitchFamily="34" charset="-122"/>
+      <p:regular r:id="rId36"/>
     </p:embeddedFont>
     <p:embeddedFont>
       <p:font typeface="Broadway" panose="04040905080B02020502" pitchFamily="82" charset="0"/>
       <p:regular r:id="rId37"/>
     </p:embeddedFont>
     <p:embeddedFont>
-      <p:font typeface="幼圆" panose="02010509060101010101" pitchFamily="49" charset="-122"/>
+      <p:font typeface="华文楷体" panose="02010600040101010101" pitchFamily="2" charset="-122"/>
       <p:regular r:id="rId38"/>
     </p:embeddedFont>
     <p:embeddedFont>
-      <p:font typeface="汉仪菱心体简" panose="02010600030101010101" charset="-122"/>
+      <p:font typeface="Levenim MT" panose="02010502060101010101" pitchFamily="2" charset="-79"/>
       <p:regular r:id="rId39"/>
+      <p:bold r:id="rId40"/>
+    </p:embeddedFont>
+    <p:embeddedFont>
+      <p:font typeface="Calibri" panose="020F0502020204030204" pitchFamily="34" charset="0"/>
+      <p:regular r:id="rId41"/>
+      <p:bold r:id="rId42"/>
+      <p:italic r:id="rId43"/>
+      <p:boldItalic r:id="rId44"/>
     </p:embeddedFont>
     <p:embeddedFont>
       <p:font typeface="微软雅黑" panose="020B0503020204020204" pitchFamily="34" charset="-122"/>
-      <p:regular r:id="rId40"/>
-      <p:bold r:id="rId41"/>
+      <p:regular r:id="rId45"/>
+      <p:bold r:id="rId46"/>
     </p:embeddedFont>
     <p:embeddedFont>
-      <p:font typeface="华文楷体" panose="02010600040101010101" pitchFamily="2" charset="-122"/>
-      <p:regular r:id="rId42"/>
+      <p:font typeface="Book Antiqua" panose="02040602050305030304" pitchFamily="18" charset="0"/>
+      <p:regular r:id="rId47"/>
+      <p:bold r:id="rId48"/>
+      <p:italic r:id="rId49"/>
+      <p:boldItalic r:id="rId50"/>
     </p:embeddedFont>
     <p:embeddedFont>
-      <p:font typeface="Arial Unicode MS" panose="020B0604020202020204" pitchFamily="34" charset="-122"/>
-      <p:regular r:id="rId43"/>
+      <p:font typeface="幼圆" panose="02010509060101010101" pitchFamily="49" charset="-122"/>
+      <p:regular r:id="rId51"/>
     </p:embeddedFont>
     <p:embeddedFont>
-      <p:font typeface="楷体_GB2312" panose="02010600030101010101" charset="-122"/>
-      <p:regular r:id="rId44"/>
+      <p:font typeface="华文中宋" panose="02010600040101010101" pitchFamily="2" charset="-122"/>
+      <p:regular r:id="rId52"/>
     </p:embeddedFont>
   </p:embeddedFontLst>
   <p:defaultTextStyle>
@@ -13574,6 +13588,395 @@
           </a:extLst>
         </p:spPr>
       </p:pic>
+      <p:graphicFrame>
+        <p:nvGraphicFramePr>
+          <p:cNvPr id="11" name="表格 10"/>
+          <p:cNvGraphicFramePr>
+            <a:graphicFrameLocks noGrp="1"/>
+          </p:cNvGraphicFramePr>
+          <p:nvPr userDrawn="1">
+            <p:extLst/>
+          </p:nvPr>
+        </p:nvGraphicFramePr>
+        <p:xfrm>
+          <a:off x="1901724" y="1476795"/>
+          <a:ext cx="8388552" cy="4386976"/>
+        </p:xfrm>
+        <a:graphic>
+          <a:graphicData uri="http://schemas.openxmlformats.org/drawingml/2006/table">
+            <a:tbl>
+              <a:tblPr firstRow="1" bandRow="1">
+                <a:tableStyleId>{5C22544A-7EE6-4342-B048-85BDC9FD1C3A}</a:tableStyleId>
+              </a:tblPr>
+              <a:tblGrid>
+                <a:gridCol w="8388552"/>
+              </a:tblGrid>
+              <a:tr h="841475">
+                <a:tc>
+                  <a:txBody>
+                    <a:bodyPr/>
+                    <a:lstStyle/>
+                    <a:p>
+                      <a:pPr algn="ctr"/>
+                      <a:r>
+                        <a:rPr lang="zh-CN" altLang="en-US" sz="2400" b="0" dirty="0" smtClean="0">
+                          <a:latin typeface="微软雅黑" panose="020B0503020204020204" pitchFamily="34" charset="-122"/>
+                          <a:ea typeface="微软雅黑" panose="020B0503020204020204" pitchFamily="34" charset="-122"/>
+                        </a:rPr>
+                        <a:t>请输入文本内容</a:t>
+                      </a:r>
+                    </a:p>
+                  </a:txBody>
+                  <a:tcPr anchor="ctr">
+                    <a:lnL w="12700" cmpd="sng">
+                      <a:noFill/>
+                    </a:lnL>
+                    <a:lnR w="12700" cap="flat" cmpd="sng" algn="ctr">
+                      <a:noFill/>
+                      <a:prstDash val="solid"/>
+                      <a:round/>
+                      <a:headEnd type="none" w="med" len="med"/>
+                      <a:tailEnd type="none" w="med" len="med"/>
+                    </a:lnR>
+                    <a:lnT w="12700" cmpd="sng">
+                      <a:noFill/>
+                    </a:lnT>
+                    <a:lnB w="38100" cmpd="sng">
+                      <a:noFill/>
+                    </a:lnB>
+                    <a:lnTlToBr w="12700" cmpd="sng">
+                      <a:noFill/>
+                      <a:prstDash val="solid"/>
+                    </a:lnTlToBr>
+                    <a:lnBlToTr w="12700" cmpd="sng">
+                      <a:noFill/>
+                      <a:prstDash val="solid"/>
+                    </a:lnBlToTr>
+                    <a:solidFill>
+                      <a:srgbClr val="314865"/>
+                    </a:solidFill>
+                  </a:tcPr>
+                </a:tc>
+              </a:tr>
+              <a:tr h="141122">
+                <a:tc>
+                  <a:txBody>
+                    <a:bodyPr/>
+                    <a:lstStyle/>
+                    <a:p>
+                      <a:endParaRPr lang="zh-CN" altLang="en-US" sz="300" dirty="0"/>
+                    </a:p>
+                  </a:txBody>
+                  <a:tcPr>
+                    <a:lnL w="12700" cmpd="sng">
+                      <a:noFill/>
+                    </a:lnL>
+                    <a:lnR w="12700" cap="flat" cmpd="sng" algn="ctr">
+                      <a:noFill/>
+                      <a:prstDash val="solid"/>
+                      <a:round/>
+                      <a:headEnd type="none" w="med" len="med"/>
+                      <a:tailEnd type="none" w="med" len="med"/>
+                    </a:lnR>
+                    <a:lnT w="38100" cmpd="sng">
+                      <a:noFill/>
+                    </a:lnT>
+                    <a:lnB w="12700" cap="flat" cmpd="sng" algn="ctr">
+                      <a:solidFill>
+                        <a:schemeClr val="bg1"/>
+                      </a:solidFill>
+                      <a:prstDash val="solid"/>
+                      <a:round/>
+                      <a:headEnd type="none" w="med" len="med"/>
+                      <a:tailEnd type="none" w="med" len="med"/>
+                    </a:lnB>
+                    <a:lnTlToBr w="12700" cmpd="sng">
+                      <a:noFill/>
+                      <a:prstDash val="solid"/>
+                    </a:lnTlToBr>
+                    <a:lnBlToTr w="12700" cmpd="sng">
+                      <a:noFill/>
+                      <a:prstDash val="solid"/>
+                    </a:lnBlToTr>
+                    <a:solidFill>
+                      <a:srgbClr val="000000"/>
+                    </a:solidFill>
+                  </a:tcPr>
+                </a:tc>
+              </a:tr>
+              <a:tr h="3404379">
+                <a:tc>
+                  <a:txBody>
+                    <a:bodyPr/>
+                    <a:lstStyle/>
+                    <a:p>
+                      <a:pPr algn="ctr">
+                        <a:lnSpc>
+                          <a:spcPct val="200000"/>
+                        </a:lnSpc>
+                      </a:pPr>
+                      <a:r>
+                        <a:rPr lang="zh-CN" altLang="en-US" sz="1800" dirty="0" smtClean="0">
+                          <a:ln>
+                            <a:noFill/>
+                          </a:ln>
+                          <a:solidFill>
+                            <a:schemeClr val="bg1"/>
+                          </a:solidFill>
+                          <a:latin typeface="微软雅黑" panose="020B0503020204020204" pitchFamily="34" charset="-122"/>
+                          <a:ea typeface="微软雅黑" panose="020B0503020204020204" pitchFamily="34" charset="-122"/>
+                        </a:rPr>
+                        <a:t>请输入文本内容</a:t>
+                      </a:r>
+                      <a:endParaRPr lang="en-US" altLang="zh-CN" sz="1800" dirty="0" smtClean="0">
+                        <a:ln>
+                          <a:noFill/>
+                        </a:ln>
+                        <a:solidFill>
+                          <a:schemeClr val="bg1"/>
+                        </a:solidFill>
+                        <a:latin typeface="微软雅黑" panose="020B0503020204020204" pitchFamily="34" charset="-122"/>
+                        <a:ea typeface="微软雅黑" panose="020B0503020204020204" pitchFamily="34" charset="-122"/>
+                      </a:endParaRPr>
+                    </a:p>
+                    <a:p>
+                      <a:pPr marL="0" marR="0" indent="0" algn="ctr" defTabSz="914400" rtl="0" eaLnBrk="1" fontAlgn="auto" latinLnBrk="0" hangingPunct="1">
+                        <a:lnSpc>
+                          <a:spcPct val="200000"/>
+                        </a:lnSpc>
+                        <a:spcBef>
+                          <a:spcPts val="0"/>
+                        </a:spcBef>
+                        <a:spcAft>
+                          <a:spcPts val="0"/>
+                        </a:spcAft>
+                        <a:buClrTx/>
+                        <a:buSzTx/>
+                        <a:buFontTx/>
+                        <a:buNone/>
+                        <a:tabLst/>
+                        <a:defRPr/>
+                      </a:pPr>
+                      <a:r>
+                        <a:rPr lang="zh-CN" altLang="en-US" sz="1800" dirty="0" smtClean="0">
+                          <a:ln>
+                            <a:noFill/>
+                          </a:ln>
+                          <a:solidFill>
+                            <a:schemeClr val="bg1"/>
+                          </a:solidFill>
+                          <a:latin typeface="微软雅黑" panose="020B0503020204020204" pitchFamily="34" charset="-122"/>
+                          <a:ea typeface="微软雅黑" panose="020B0503020204020204" pitchFamily="34" charset="-122"/>
+                        </a:rPr>
+                        <a:t>请输入文本内容</a:t>
+                      </a:r>
+                      <a:endParaRPr lang="en-US" altLang="zh-CN" sz="1800" dirty="0" smtClean="0">
+                        <a:ln>
+                          <a:noFill/>
+                        </a:ln>
+                        <a:solidFill>
+                          <a:schemeClr val="bg1"/>
+                        </a:solidFill>
+                        <a:latin typeface="微软雅黑" panose="020B0503020204020204" pitchFamily="34" charset="-122"/>
+                        <a:ea typeface="微软雅黑" panose="020B0503020204020204" pitchFamily="34" charset="-122"/>
+                      </a:endParaRPr>
+                    </a:p>
+                    <a:p>
+                      <a:pPr marL="0" marR="0" indent="0" algn="ctr" defTabSz="914400" rtl="0" eaLnBrk="1" fontAlgn="auto" latinLnBrk="0" hangingPunct="1">
+                        <a:lnSpc>
+                          <a:spcPct val="200000"/>
+                        </a:lnSpc>
+                        <a:spcBef>
+                          <a:spcPts val="0"/>
+                        </a:spcBef>
+                        <a:spcAft>
+                          <a:spcPts val="0"/>
+                        </a:spcAft>
+                        <a:buClrTx/>
+                        <a:buSzTx/>
+                        <a:buFontTx/>
+                        <a:buNone/>
+                        <a:tabLst/>
+                        <a:defRPr/>
+                      </a:pPr>
+                      <a:r>
+                        <a:rPr lang="zh-CN" altLang="en-US" sz="1800" dirty="0" smtClean="0">
+                          <a:ln>
+                            <a:noFill/>
+                          </a:ln>
+                          <a:solidFill>
+                            <a:schemeClr val="bg1"/>
+                          </a:solidFill>
+                          <a:latin typeface="微软雅黑" panose="020B0503020204020204" pitchFamily="34" charset="-122"/>
+                          <a:ea typeface="微软雅黑" panose="020B0503020204020204" pitchFamily="34" charset="-122"/>
+                        </a:rPr>
+                        <a:t>请输入文本内容</a:t>
+                      </a:r>
+                      <a:endParaRPr lang="en-US" altLang="zh-CN" sz="1800" dirty="0" smtClean="0">
+                        <a:ln>
+                          <a:noFill/>
+                        </a:ln>
+                        <a:solidFill>
+                          <a:schemeClr val="bg1"/>
+                        </a:solidFill>
+                        <a:latin typeface="微软雅黑" panose="020B0503020204020204" pitchFamily="34" charset="-122"/>
+                        <a:ea typeface="微软雅黑" panose="020B0503020204020204" pitchFamily="34" charset="-122"/>
+                      </a:endParaRPr>
+                    </a:p>
+                    <a:p>
+                      <a:pPr marL="0" marR="0" indent="0" algn="ctr" defTabSz="914400" rtl="0" eaLnBrk="1" fontAlgn="auto" latinLnBrk="0" hangingPunct="1">
+                        <a:lnSpc>
+                          <a:spcPct val="200000"/>
+                        </a:lnSpc>
+                        <a:spcBef>
+                          <a:spcPts val="0"/>
+                        </a:spcBef>
+                        <a:spcAft>
+                          <a:spcPts val="0"/>
+                        </a:spcAft>
+                        <a:buClrTx/>
+                        <a:buSzTx/>
+                        <a:buFontTx/>
+                        <a:buNone/>
+                        <a:tabLst/>
+                        <a:defRPr/>
+                      </a:pPr>
+                      <a:r>
+                        <a:rPr lang="zh-CN" altLang="en-US" sz="1800" dirty="0" smtClean="0">
+                          <a:ln>
+                            <a:noFill/>
+                          </a:ln>
+                          <a:solidFill>
+                            <a:schemeClr val="bg1"/>
+                          </a:solidFill>
+                          <a:latin typeface="微软雅黑" panose="020B0503020204020204" pitchFamily="34" charset="-122"/>
+                          <a:ea typeface="微软雅黑" panose="020B0503020204020204" pitchFamily="34" charset="-122"/>
+                        </a:rPr>
+                        <a:t>请输入文本内容</a:t>
+                      </a:r>
+                      <a:endParaRPr lang="en-US" altLang="zh-CN" sz="1800" dirty="0" smtClean="0">
+                        <a:ln>
+                          <a:noFill/>
+                        </a:ln>
+                        <a:solidFill>
+                          <a:schemeClr val="bg1"/>
+                        </a:solidFill>
+                        <a:latin typeface="微软雅黑" panose="020B0503020204020204" pitchFamily="34" charset="-122"/>
+                        <a:ea typeface="微软雅黑" panose="020B0503020204020204" pitchFamily="34" charset="-122"/>
+                      </a:endParaRPr>
+                    </a:p>
+                    <a:p>
+                      <a:pPr marL="0" marR="0" indent="0" algn="ctr" defTabSz="914400" rtl="0" eaLnBrk="1" fontAlgn="auto" latinLnBrk="0" hangingPunct="1">
+                        <a:lnSpc>
+                          <a:spcPct val="200000"/>
+                        </a:lnSpc>
+                        <a:spcBef>
+                          <a:spcPts val="0"/>
+                        </a:spcBef>
+                        <a:spcAft>
+                          <a:spcPts val="0"/>
+                        </a:spcAft>
+                        <a:buClrTx/>
+                        <a:buSzTx/>
+                        <a:buFontTx/>
+                        <a:buNone/>
+                        <a:tabLst/>
+                        <a:defRPr/>
+                      </a:pPr>
+                      <a:r>
+                        <a:rPr lang="zh-CN" altLang="en-US" sz="1800" dirty="0" smtClean="0">
+                          <a:ln>
+                            <a:noFill/>
+                          </a:ln>
+                          <a:solidFill>
+                            <a:schemeClr val="bg1"/>
+                          </a:solidFill>
+                          <a:latin typeface="微软雅黑" panose="020B0503020204020204" pitchFamily="34" charset="-122"/>
+                          <a:ea typeface="微软雅黑" panose="020B0503020204020204" pitchFamily="34" charset="-122"/>
+                        </a:rPr>
+                        <a:t>请输入文本内容</a:t>
+                      </a:r>
+                      <a:endParaRPr lang="en-US" altLang="zh-CN" sz="1800" dirty="0" smtClean="0">
+                        <a:ln>
+                          <a:noFill/>
+                        </a:ln>
+                        <a:solidFill>
+                          <a:schemeClr val="bg1"/>
+                        </a:solidFill>
+                        <a:latin typeface="微软雅黑" panose="020B0503020204020204" pitchFamily="34" charset="-122"/>
+                        <a:ea typeface="微软雅黑" panose="020B0503020204020204" pitchFamily="34" charset="-122"/>
+                      </a:endParaRPr>
+                    </a:p>
+                    <a:p>
+                      <a:pPr algn="ctr"/>
+                      <a:endParaRPr lang="en-US" altLang="zh-CN" sz="1800" dirty="0" smtClean="0">
+                        <a:ln>
+                          <a:noFill/>
+                        </a:ln>
+                        <a:solidFill>
+                          <a:schemeClr val="bg1"/>
+                        </a:solidFill>
+                        <a:latin typeface="微软雅黑" panose="020B0503020204020204" pitchFamily="34" charset="-122"/>
+                        <a:ea typeface="微软雅黑" panose="020B0503020204020204" pitchFamily="34" charset="-122"/>
+                      </a:endParaRPr>
+                    </a:p>
+                  </a:txBody>
+                  <a:tcPr anchor="ctr">
+                    <a:lnL w="12700" cap="flat" cmpd="sng" algn="ctr">
+                      <a:noFill/>
+                      <a:prstDash val="solid"/>
+                      <a:round/>
+                      <a:headEnd type="none" w="med" len="med"/>
+                      <a:tailEnd type="none" w="med" len="med"/>
+                    </a:lnL>
+                    <a:lnR w="12700" cap="flat" cmpd="sng" algn="ctr">
+                      <a:noFill/>
+                      <a:prstDash val="solid"/>
+                      <a:round/>
+                      <a:headEnd type="none" w="med" len="med"/>
+                      <a:tailEnd type="none" w="med" len="med"/>
+                    </a:lnR>
+                    <a:lnT w="12700" cap="flat" cmpd="sng" algn="ctr">
+                      <a:solidFill>
+                        <a:schemeClr val="bg1"/>
+                      </a:solidFill>
+                      <a:prstDash val="solid"/>
+                      <a:round/>
+                      <a:headEnd type="none" w="med" len="med"/>
+                      <a:tailEnd type="none" w="med" len="med"/>
+                    </a:lnT>
+                    <a:lnB w="19050" cap="flat" cmpd="sng" algn="ctr">
+                      <a:solidFill>
+                        <a:schemeClr val="bg1">
+                          <a:lumMod val="85000"/>
+                        </a:schemeClr>
+                      </a:solidFill>
+                      <a:prstDash val="solid"/>
+                      <a:round/>
+                      <a:headEnd type="none" w="med" len="med"/>
+                      <a:tailEnd type="none" w="med" len="med"/>
+                    </a:lnB>
+                    <a:lnTlToBr w="12700" cap="flat" cmpd="sng" algn="ctr">
+                      <a:noFill/>
+                      <a:prstDash val="solid"/>
+                      <a:round/>
+                      <a:headEnd type="none" w="med" len="med"/>
+                      <a:tailEnd type="none" w="med" len="med"/>
+                    </a:lnTlToBr>
+                    <a:lnBlToTr w="12700" cmpd="sng">
+                      <a:noFill/>
+                      <a:prstDash val="solid"/>
+                    </a:lnBlToTr>
+                    <a:solidFill>
+                      <a:srgbClr val="8E8E8E"/>
+                    </a:solidFill>
+                  </a:tcPr>
+                </a:tc>
+              </a:tr>
+            </a:tbl>
+          </a:graphicData>
+        </a:graphic>
+      </p:graphicFrame>
     </p:spTree>
     <p:extLst>
       <p:ext uri="{BB962C8B-B14F-4D97-AF65-F5344CB8AC3E}">
@@ -16190,7 +16593,7 @@
               <a:rPr lang="zh-CN" altLang="en-US" smtClean="0"/>
               <a:t>单击此处编辑母版标题样式</a:t>
             </a:r>
-            <a:endParaRPr lang="zh-CN" altLang="en-US"/>
+            <a:endParaRPr lang="zh-CN" altLang="en-US" dirty="0"/>
           </a:p>
         </p:txBody>
       </p:sp>
@@ -16211,38 +16614,38 @@
           <a:p>
             <a:pPr lvl="0"/>
             <a:r>
-              <a:rPr lang="zh-CN" altLang="en-US" smtClean="0"/>
+              <a:rPr lang="zh-CN" altLang="en-US" dirty="0" smtClean="0"/>
               <a:t>单击此处编辑母版文本样式</a:t>
             </a:r>
           </a:p>
           <a:p>
             <a:pPr lvl="1"/>
             <a:r>
-              <a:rPr lang="zh-CN" altLang="en-US" smtClean="0"/>
+              <a:rPr lang="zh-CN" altLang="en-US" dirty="0" smtClean="0"/>
               <a:t>第二级</a:t>
             </a:r>
           </a:p>
           <a:p>
             <a:pPr lvl="2"/>
             <a:r>
-              <a:rPr lang="zh-CN" altLang="en-US" smtClean="0"/>
+              <a:rPr lang="zh-CN" altLang="en-US" dirty="0" smtClean="0"/>
               <a:t>第三级</a:t>
             </a:r>
           </a:p>
           <a:p>
             <a:pPr lvl="3"/>
             <a:r>
-              <a:rPr lang="zh-CN" altLang="en-US" smtClean="0"/>
+              <a:rPr lang="zh-CN" altLang="en-US" dirty="0" smtClean="0"/>
               <a:t>第四级</a:t>
             </a:r>
           </a:p>
           <a:p>
             <a:pPr lvl="4"/>
             <a:r>
-              <a:rPr lang="zh-CN" altLang="en-US" smtClean="0"/>
+              <a:rPr lang="zh-CN" altLang="en-US" dirty="0" smtClean="0"/>
               <a:t>第五级</a:t>
             </a:r>
-            <a:endParaRPr lang="zh-CN" altLang="en-US"/>
+            <a:endParaRPr lang="zh-CN" altLang="en-US" dirty="0"/>
           </a:p>
         </p:txBody>
       </p:sp>
@@ -27925,7 +28328,7 @@
     <a:masterClrMapping/>
   </p:clrMapOvr>
   <p:transition spd="slow" advTm="21">
-    <p:wipe/>
+    <p:randomBar dir="vert"/>
   </p:transition>
   <p:timing>
     <p:tnLst>
@@ -29158,7 +29561,7 @@
     <a:masterClrMapping/>
   </p:clrMapOvr>
   <p:transition spd="slow">
-    <p:push dir="u"/>
+    <p:randomBar dir="vert"/>
   </p:transition>
   <p:timing>
     <p:tnLst>
@@ -30586,6 +30989,9 @@
   <p:clrMapOvr>
     <a:masterClrMapping/>
   </p:clrMapOvr>
+  <p:transition spd="slow">
+    <p:randomBar dir="vert"/>
+  </p:transition>
   <p:timing>
     <p:tnLst>
       <p:par>
@@ -31902,6 +32308,9 @@
   <p:clrMapOvr>
     <a:masterClrMapping/>
   </p:clrMapOvr>
+  <p:transition spd="slow">
+    <p:randomBar dir="vert"/>
+  </p:transition>
   <p:timing>
     <p:tnLst>
       <p:par>
@@ -33266,6 +33675,9 @@
   <p:clrMapOvr>
     <a:masterClrMapping/>
   </p:clrMapOvr>
+  <p:transition spd="slow">
+    <p:randomBar dir="vert"/>
+  </p:transition>
   <p:timing>
     <p:tnLst>
       <p:par>
@@ -34617,6 +35029,9 @@
   <p:clrMapOvr>
     <a:masterClrMapping/>
   </p:clrMapOvr>
+  <p:transition spd="slow">
+    <p:randomBar dir="vert"/>
+  </p:transition>
   <p:timing>
     <p:tnLst>
       <p:par>
@@ -34834,18 +35249,9 @@
   <p:clrMapOvr>
     <a:overrideClrMapping bg1="lt1" tx1="dk1" bg2="lt2" tx2="dk2" accent1="accent1" accent2="accent2" accent3="accent3" accent4="accent4" accent5="accent5" accent6="accent6" hlink="hlink" folHlink="folHlink"/>
   </p:clrMapOvr>
-  <mc:AlternateContent xmlns:mc="http://schemas.openxmlformats.org/markup-compatibility/2006" xmlns:p14="http://schemas.microsoft.com/office/powerpoint/2010/main">
-    <mc:Choice Requires="p14">
-      <p:transition spd="med" p14:dur="700">
-        <p:fade/>
-      </p:transition>
-    </mc:Choice>
-    <mc:Fallback xmlns="">
-      <p:transition spd="med">
-        <p:fade/>
-      </p:transition>
-    </mc:Fallback>
-  </mc:AlternateContent>
+  <p:transition spd="slow">
+    <p:randomBar dir="vert"/>
+  </p:transition>
   <p:timing>
     <p:tnLst>
       <p:par>
@@ -35083,7 +35489,7 @@
     <a:masterClrMapping/>
   </p:clrMapOvr>
   <p:transition spd="slow">
-    <p:push dir="u"/>
+    <p:randomBar dir="vert"/>
   </p:transition>
   <p:timing>
     <p:tnLst>
@@ -35800,7 +36206,9 @@
   <p:clrMapOvr>
     <a:masterClrMapping/>
   </p:clrMapOvr>
-  <p:transition/>
+  <p:transition spd="slow">
+    <p:randomBar dir="vert"/>
+  </p:transition>
   <p:timing>
     <p:tnLst>
       <p:par>
@@ -36233,6 +36641,9 @@
   <p:clrMapOvr>
     <a:masterClrMapping/>
   </p:clrMapOvr>
+  <p:transition spd="slow">
+    <p:randomBar dir="vert"/>
+  </p:transition>
   <p:timing>
     <p:tnLst>
       <p:par>
@@ -36530,8 +36941,8 @@
   <p:clrMapOvr>
     <a:masterClrMapping/>
   </p:clrMapOvr>
-  <p:transition spd="med">
-    <p:pull/>
+  <p:transition spd="slow">
+    <p:randomBar dir="vert"/>
   </p:transition>
   <p:timing>
     <p:tnLst>
@@ -36703,6 +37114,9 @@
   <p:clrMapOvr>
     <a:masterClrMapping/>
   </p:clrMapOvr>
+  <p:transition spd="slow">
+    <p:randomBar dir="vert"/>
+  </p:transition>
   <p:timing>
     <p:tnLst>
       <p:par>
@@ -37223,18 +37637,9 @@
   <p:clrMapOvr>
     <a:masterClrMapping/>
   </p:clrMapOvr>
-  <mc:AlternateContent xmlns:mc="http://schemas.openxmlformats.org/markup-compatibility/2006" xmlns:p14="http://schemas.microsoft.com/office/powerpoint/2010/main">
-    <mc:Choice Requires="p14">
-      <p:transition spd="slow" p14:dur="1500">
-        <p:split orient="vert"/>
-      </p:transition>
-    </mc:Choice>
-    <mc:Fallback xmlns="">
-      <p:transition spd="slow">
-        <p:split orient="vert"/>
-      </p:transition>
-    </mc:Fallback>
-  </mc:AlternateContent>
+  <p:transition spd="slow">
+    <p:randomBar dir="vert"/>
+  </p:transition>
   <p:timing>
     <p:tnLst>
       <p:par>
@@ -37703,18 +38108,9 @@
   <p:clrMapOvr>
     <a:overrideClrMapping bg1="lt1" tx1="dk1" bg2="lt2" tx2="dk2" accent1="accent1" accent2="accent2" accent3="accent3" accent4="accent4" accent5="accent5" accent6="accent6" hlink="hlink" folHlink="folHlink"/>
   </p:clrMapOvr>
-  <mc:AlternateContent xmlns:mc="http://schemas.openxmlformats.org/markup-compatibility/2006" xmlns:p14="http://schemas.microsoft.com/office/powerpoint/2010/main">
-    <mc:Choice Requires="p14">
-      <p:transition spd="med" p14:dur="700">
-        <p:fade/>
-      </p:transition>
-    </mc:Choice>
-    <mc:Fallback xmlns="">
-      <p:transition spd="med">
-        <p:fade/>
-      </p:transition>
-    </mc:Fallback>
-  </mc:AlternateContent>
+  <p:transition spd="slow">
+    <p:randomBar dir="vert"/>
+  </p:transition>
   <p:timing>
     <p:tnLst>
       <p:par>
@@ -37837,20 +38233,20 @@
           <p:nvPr>
             <p:extLst>
               <p:ext uri="{D42A27DB-BD31-4B8C-83A1-F6EECF244321}">
-                <p14:modId xmlns:p14="http://schemas.microsoft.com/office/powerpoint/2010/main" val="4062713420"/>
+                <p14:modId xmlns:p14="http://schemas.microsoft.com/office/powerpoint/2010/main" val="579651350"/>
               </p:ext>
             </p:extLst>
           </p:nvPr>
         </p:nvGraphicFramePr>
         <p:xfrm>
-          <a:off x="3211285" y="735454"/>
+          <a:off x="3189514" y="1138226"/>
           <a:ext cx="5769429" cy="5333086"/>
         </p:xfrm>
         <a:graphic>
           <a:graphicData uri="http://schemas.openxmlformats.org/presentationml/2006/ole">
             <mc:AlternateContent xmlns:mc="http://schemas.openxmlformats.org/markup-compatibility/2006">
               <mc:Choice xmlns:v="urn:schemas-microsoft-com:vml" Requires="v">
-                <p:oleObj spid="_x0000_s1047" name="Visio" r:id="rId3" imgW="4524353" imgH="4190841" progId="Visio.Drawing.15">
+                <p:oleObj spid="_x0000_s1065" name="Visio" r:id="rId3" imgW="4524353" imgH="4190841" progId="Visio.Drawing.15">
                   <p:embed/>
                 </p:oleObj>
               </mc:Choice>
@@ -37874,7 +38270,7 @@
                     </p:blipFill>
                     <p:spPr bwMode="auto">
                       <a:xfrm>
-                        <a:off x="3211285" y="735454"/>
+                        <a:off x="3189514" y="1138226"/>
                         <a:ext cx="5769429" cy="5333086"/>
                       </a:xfrm>
                       <a:prstGeom prst="rect">
@@ -37899,6 +38295,9 @@
   <p:clrMapOvr>
     <a:masterClrMapping/>
   </p:clrMapOvr>
+  <p:transition spd="slow">
+    <p:randomBar dir="vert"/>
+  </p:transition>
   <p:timing>
     <p:tnLst>
       <p:par>
@@ -37943,79 +38342,36 @@
           <a:p>
             <a:r>
               <a:rPr lang="zh-CN" altLang="en-US" dirty="0" smtClean="0"/>
-              <a:t>推荐模块设计</a:t>
+              <a:t>推荐算法流程图</a:t>
             </a:r>
             <a:endParaRPr lang="zh-CN" altLang="en-US" dirty="0"/>
           </a:p>
         </p:txBody>
       </p:sp>
-      <p:graphicFrame>
-        <p:nvGraphicFramePr>
-          <p:cNvPr id="5" name="对象 4"/>
-          <p:cNvGraphicFramePr>
-            <a:graphicFrameLocks noChangeAspect="1"/>
-          </p:cNvGraphicFramePr>
-          <p:nvPr>
-            <p:extLst>
-              <p:ext uri="{D42A27DB-BD31-4B8C-83A1-F6EECF244321}">
-                <p14:modId xmlns:p14="http://schemas.microsoft.com/office/powerpoint/2010/main" val="649216677"/>
-              </p:ext>
-            </p:extLst>
-          </p:nvPr>
-        </p:nvGraphicFramePr>
-        <p:xfrm>
-          <a:off x="1328057" y="1426028"/>
-          <a:ext cx="8993351" cy="4136572"/>
-        </p:xfrm>
-        <a:graphic>
-          <a:graphicData uri="http://schemas.openxmlformats.org/presentationml/2006/ole">
-            <mc:AlternateContent xmlns:mc="http://schemas.openxmlformats.org/markup-compatibility/2006">
-              <mc:Choice xmlns:v="urn:schemas-microsoft-com:vml" Requires="v">
-                <p:oleObj spid="_x0000_s23573" name="Visio" r:id="rId3" imgW="4629106" imgH="2143125" progId="Visio.Drawing.15">
-                  <p:embed/>
-                </p:oleObj>
-              </mc:Choice>
-              <mc:Fallback>
-                <p:oleObj name="Visio" r:id="rId3" imgW="4629106" imgH="2143125" progId="Visio.Drawing.15">
-                  <p:embed/>
-                  <p:pic>
-                    <p:nvPicPr>
-                      <p:cNvPr id="0" name="Object 1"/>
-                      <p:cNvPicPr>
-                        <a:picLocks noChangeAspect="1" noChangeArrowheads="1"/>
-                      </p:cNvPicPr>
-                      <p:nvPr/>
-                    </p:nvPicPr>
-                    <p:blipFill>
-                      <a:blip r:embed="rId4">
-                        <a:extLst>
-                          <a:ext uri="{28A0092B-C50C-407E-A947-70E740481C1C}">
-                            <a14:useLocalDpi xmlns:a14="http://schemas.microsoft.com/office/drawing/2010/main" val="0"/>
-                          </a:ext>
-                        </a:extLst>
-                      </a:blip>
-                      <a:srcRect/>
-                      <a:stretch>
-                        <a:fillRect/>
-                      </a:stretch>
-                    </p:blipFill>
-                    <p:spPr bwMode="auto">
-                      <a:xfrm>
-                        <a:off x="1328057" y="1426028"/>
-                        <a:ext cx="8993351" cy="4136572"/>
-                      </a:xfrm>
-                      <a:prstGeom prst="rect">
-                        <a:avLst/>
-                      </a:prstGeom>
-                      <a:noFill/>
-                    </p:spPr>
-                  </p:pic>
-                </p:oleObj>
-              </mc:Fallback>
-            </mc:AlternateContent>
-          </a:graphicData>
-        </a:graphic>
-      </p:graphicFrame>
+      <p:pic>
+        <p:nvPicPr>
+          <p:cNvPr id="4" name="图片 3"/>
+          <p:cNvPicPr>
+            <a:picLocks noChangeAspect="1"/>
+          </p:cNvPicPr>
+          <p:nvPr/>
+        </p:nvPicPr>
+        <p:blipFill>
+          <a:blip r:embed="rId2"/>
+          <a:stretch>
+            <a:fillRect/>
+          </a:stretch>
+        </p:blipFill>
+        <p:spPr>
+          <a:xfrm>
+            <a:off x="1617387" y="1615118"/>
+            <a:ext cx="8584889" cy="3827738"/>
+          </a:xfrm>
+          <a:prstGeom prst="rect">
+            <a:avLst/>
+          </a:prstGeom>
+        </p:spPr>
+      </p:pic>
     </p:spTree>
     <p:extLst>
       <p:ext uri="{BB962C8B-B14F-4D97-AF65-F5344CB8AC3E}">
@@ -38026,6 +38382,9 @@
   <p:clrMapOvr>
     <a:masterClrMapping/>
   </p:clrMapOvr>
+  <p:transition spd="slow">
+    <p:randomBar dir="vert"/>
+  </p:transition>
   <p:timing>
     <p:tnLst>
       <p:par>
@@ -38053,10 +38412,99 @@
           <a:chExt cx="0" cy="0"/>
         </a:xfrm>
       </p:grpSpPr>
+      <p:sp>
+        <p:nvSpPr>
+          <p:cNvPr id="2" name="标题 1"/>
+          <p:cNvSpPr>
+            <a:spLocks noGrp="1"/>
+          </p:cNvSpPr>
+          <p:nvPr>
+            <p:ph type="title"/>
+          </p:nvPr>
+        </p:nvSpPr>
+        <p:spPr/>
+        <p:txBody>
+          <a:bodyPr/>
+          <a:lstStyle/>
+          <a:p>
+            <a:r>
+              <a:rPr lang="zh-CN" altLang="en-US" dirty="0" smtClean="0"/>
+              <a:t>运行结果</a:t>
+            </a:r>
+            <a:endParaRPr lang="zh-CN" altLang="en-US" dirty="0"/>
+          </a:p>
+        </p:txBody>
+      </p:sp>
+      <p:pic>
+        <p:nvPicPr>
+          <p:cNvPr id="3" name="图片 2" descr="C:\Users\Administrator\Documents\Tencent Files\260754218\Image\C2C\E@FJJJXV(PT3O4WCVKI1[FY.png"/>
+          <p:cNvPicPr/>
+          <p:nvPr/>
+        </p:nvPicPr>
+        <p:blipFill>
+          <a:blip r:embed="rId2">
+            <a:extLst>
+              <a:ext uri="{28A0092B-C50C-407E-A947-70E740481C1C}">
+                <a14:useLocalDpi xmlns:a14="http://schemas.microsoft.com/office/drawing/2010/main" val="0"/>
+              </a:ext>
+            </a:extLst>
+          </a:blip>
+          <a:srcRect/>
+          <a:stretch>
+            <a:fillRect/>
+          </a:stretch>
+        </p:blipFill>
+        <p:spPr bwMode="auto">
+          <a:xfrm>
+            <a:off x="411525" y="1696085"/>
+            <a:ext cx="5360035" cy="4075430"/>
+          </a:xfrm>
+          <a:prstGeom prst="rect">
+            <a:avLst/>
+          </a:prstGeom>
+          <a:noFill/>
+          <a:ln>
+            <a:noFill/>
+          </a:ln>
+        </p:spPr>
+      </p:pic>
+      <p:pic>
+        <p:nvPicPr>
+          <p:cNvPr id="4" name="图片 3" descr="C:\Users\Administrator\Documents\Tencent Files\260754218\Image\C2C\HLO~VY57FNUZFUBP`MT6ANJ.png"/>
+          <p:cNvPicPr/>
+          <p:nvPr/>
+        </p:nvPicPr>
+        <p:blipFill>
+          <a:blip r:embed="rId3">
+            <a:extLst>
+              <a:ext uri="{28A0092B-C50C-407E-A947-70E740481C1C}">
+                <a14:useLocalDpi xmlns:a14="http://schemas.microsoft.com/office/drawing/2010/main" val="0"/>
+              </a:ext>
+            </a:extLst>
+          </a:blip>
+          <a:srcRect/>
+          <a:stretch>
+            <a:fillRect/>
+          </a:stretch>
+        </p:blipFill>
+        <p:spPr bwMode="auto">
+          <a:xfrm>
+            <a:off x="6071144" y="1696085"/>
+            <a:ext cx="5361940" cy="3995420"/>
+          </a:xfrm>
+          <a:prstGeom prst="rect">
+            <a:avLst/>
+          </a:prstGeom>
+          <a:noFill/>
+          <a:ln>
+            <a:noFill/>
+          </a:ln>
+        </p:spPr>
+      </p:pic>
     </p:spTree>
     <p:extLst>
       <p:ext uri="{BB962C8B-B14F-4D97-AF65-F5344CB8AC3E}">
-        <p14:creationId xmlns:p14="http://schemas.microsoft.com/office/powerpoint/2010/main" val="3358411861"/>
+        <p14:creationId xmlns:p14="http://schemas.microsoft.com/office/powerpoint/2010/main" val="3038222659"/>
       </p:ext>
     </p:extLst>
   </p:cSld>
@@ -38093,25 +38541,4644 @@
     </p:spTree>
     <p:extLst>
       <p:ext uri="{BB962C8B-B14F-4D97-AF65-F5344CB8AC3E}">
-        <p14:creationId xmlns:p14="http://schemas.microsoft.com/office/powerpoint/2010/main" val="2150359311"/>
+        <p14:creationId xmlns:p14="http://schemas.microsoft.com/office/powerpoint/2010/main" val="3358411861"/>
       </p:ext>
     </p:extLst>
   </p:cSld>
   <p:clrMapOvr>
     <a:masterClrMapping/>
   </p:clrMapOvr>
-  <mc:AlternateContent xmlns:mc="http://schemas.openxmlformats.org/markup-compatibility/2006" xmlns:p14="http://schemas.microsoft.com/office/powerpoint/2010/main">
-    <mc:Choice Requires="p14">
-      <p:transition spd="slow" p14:dur="1500">
-        <p:split orient="vert"/>
-      </p:transition>
-    </mc:Choice>
-    <mc:Fallback xmlns="">
-      <p:transition spd="slow">
-        <p:split orient="vert"/>
-      </p:transition>
-    </mc:Fallback>
-  </mc:AlternateContent>
+  <p:transition spd="slow">
+    <p:randomBar dir="vert"/>
+  </p:transition>
+  <p:timing>
+    <p:tnLst>
+      <p:par>
+        <p:cTn id="1" dur="indefinite" restart="never" nodeType="tmRoot"/>
+      </p:par>
+    </p:tnLst>
+  </p:timing>
+</p:sld>
+</file>
+
+<file path=ppt/slides/slide26.xml><?xml version="1.0" encoding="utf-8"?>
+<p:sld xmlns:a="http://schemas.openxmlformats.org/drawingml/2006/main" xmlns:r="http://schemas.openxmlformats.org/officeDocument/2006/relationships" xmlns:p="http://schemas.openxmlformats.org/presentationml/2006/main">
+  <p:cSld>
+    <p:spTree>
+      <p:nvGrpSpPr>
+        <p:cNvPr id="1" name=""/>
+        <p:cNvGrpSpPr/>
+        <p:nvPr/>
+      </p:nvGrpSpPr>
+      <p:grpSpPr>
+        <a:xfrm>
+          <a:off x="0" y="0"/>
+          <a:ext cx="0" cy="0"/>
+          <a:chOff x="0" y="0"/>
+          <a:chExt cx="0" cy="0"/>
+        </a:xfrm>
+      </p:grpSpPr>
+      <p:sp>
+        <p:nvSpPr>
+          <p:cNvPr id="2" name="标题 1"/>
+          <p:cNvSpPr>
+            <a:spLocks noGrp="1"/>
+          </p:cNvSpPr>
+          <p:nvPr>
+            <p:ph type="title"/>
+          </p:nvPr>
+        </p:nvSpPr>
+        <p:spPr>
+          <a:xfrm>
+            <a:off x="1131322" y="268876"/>
+            <a:ext cx="3404316" cy="443069"/>
+          </a:xfrm>
+        </p:spPr>
+        <p:txBody>
+          <a:bodyPr/>
+          <a:lstStyle/>
+          <a:p>
+            <a:r>
+              <a:rPr lang="zh-CN" altLang="en-US" dirty="0" smtClean="0"/>
+              <a:t>论文总结</a:t>
+            </a:r>
+            <a:endParaRPr lang="zh-CN" altLang="en-US" dirty="0"/>
+          </a:p>
+        </p:txBody>
+      </p:sp>
+      <p:sp>
+        <p:nvSpPr>
+          <p:cNvPr id="24" name="矩形 23"/>
+          <p:cNvSpPr/>
+          <p:nvPr/>
+        </p:nvSpPr>
+        <p:spPr>
+          <a:xfrm>
+            <a:off x="893994" y="1663177"/>
+            <a:ext cx="672164" cy="672164"/>
+          </a:xfrm>
+          <a:prstGeom prst="rect">
+            <a:avLst/>
+          </a:prstGeom>
+          <a:solidFill>
+            <a:srgbClr val="287ED3"/>
+          </a:solidFill>
+          <a:ln>
+            <a:noFill/>
+          </a:ln>
+        </p:spPr>
+        <p:style>
+          <a:lnRef idx="2">
+            <a:schemeClr val="accent1">
+              <a:shade val="50000"/>
+            </a:schemeClr>
+          </a:lnRef>
+          <a:fillRef idx="1">
+            <a:schemeClr val="accent1"/>
+          </a:fillRef>
+          <a:effectRef idx="0">
+            <a:schemeClr val="accent1"/>
+          </a:effectRef>
+          <a:fontRef idx="minor">
+            <a:schemeClr val="lt1"/>
+          </a:fontRef>
+        </p:style>
+        <p:txBody>
+          <a:bodyPr rtlCol="0" anchor="ctr"/>
+          <a:lstStyle/>
+          <a:p>
+            <a:pPr algn="ctr"/>
+            <a:r>
+              <a:rPr lang="en-US" altLang="zh-CN" sz="3200" b="1" dirty="0"/>
+              <a:t>1</a:t>
+            </a:r>
+            <a:endParaRPr lang="zh-CN" altLang="en-US" sz="3200" b="1" dirty="0"/>
+          </a:p>
+        </p:txBody>
+      </p:sp>
+      <p:sp>
+        <p:nvSpPr>
+          <p:cNvPr id="25" name="矩形 24"/>
+          <p:cNvSpPr/>
+          <p:nvPr/>
+        </p:nvSpPr>
+        <p:spPr>
+          <a:xfrm>
+            <a:off x="893994" y="2741838"/>
+            <a:ext cx="672164" cy="672164"/>
+          </a:xfrm>
+          <a:prstGeom prst="rect">
+            <a:avLst/>
+          </a:prstGeom>
+          <a:solidFill>
+            <a:srgbClr val="287ED3"/>
+          </a:solidFill>
+          <a:ln>
+            <a:noFill/>
+          </a:ln>
+        </p:spPr>
+        <p:style>
+          <a:lnRef idx="2">
+            <a:schemeClr val="accent1">
+              <a:shade val="50000"/>
+            </a:schemeClr>
+          </a:lnRef>
+          <a:fillRef idx="1">
+            <a:schemeClr val="accent1"/>
+          </a:fillRef>
+          <a:effectRef idx="0">
+            <a:schemeClr val="accent1"/>
+          </a:effectRef>
+          <a:fontRef idx="minor">
+            <a:schemeClr val="lt1"/>
+          </a:fontRef>
+        </p:style>
+        <p:txBody>
+          <a:bodyPr rtlCol="0" anchor="ctr"/>
+          <a:lstStyle/>
+          <a:p>
+            <a:pPr algn="ctr"/>
+            <a:r>
+              <a:rPr lang="en-US" altLang="zh-CN" sz="3200" b="1" dirty="0"/>
+              <a:t>2</a:t>
+            </a:r>
+            <a:endParaRPr lang="zh-CN" altLang="en-US" sz="3200" b="1" dirty="0"/>
+          </a:p>
+        </p:txBody>
+      </p:sp>
+      <p:sp>
+        <p:nvSpPr>
+          <p:cNvPr id="26" name="矩形 25"/>
+          <p:cNvSpPr/>
+          <p:nvPr/>
+        </p:nvSpPr>
+        <p:spPr>
+          <a:xfrm>
+            <a:off x="893994" y="3820500"/>
+            <a:ext cx="672164" cy="672164"/>
+          </a:xfrm>
+          <a:prstGeom prst="rect">
+            <a:avLst/>
+          </a:prstGeom>
+          <a:solidFill>
+            <a:srgbClr val="287ED3"/>
+          </a:solidFill>
+          <a:ln>
+            <a:noFill/>
+          </a:ln>
+        </p:spPr>
+        <p:style>
+          <a:lnRef idx="2">
+            <a:schemeClr val="accent1">
+              <a:shade val="50000"/>
+            </a:schemeClr>
+          </a:lnRef>
+          <a:fillRef idx="1">
+            <a:schemeClr val="accent1"/>
+          </a:fillRef>
+          <a:effectRef idx="0">
+            <a:schemeClr val="accent1"/>
+          </a:effectRef>
+          <a:fontRef idx="minor">
+            <a:schemeClr val="lt1"/>
+          </a:fontRef>
+        </p:style>
+        <p:txBody>
+          <a:bodyPr rtlCol="0" anchor="ctr"/>
+          <a:lstStyle/>
+          <a:p>
+            <a:pPr algn="ctr"/>
+            <a:r>
+              <a:rPr lang="en-US" altLang="zh-CN" sz="3200" b="1" dirty="0"/>
+              <a:t>3</a:t>
+            </a:r>
+            <a:endParaRPr lang="zh-CN" altLang="en-US" sz="3200" b="1" dirty="0"/>
+          </a:p>
+        </p:txBody>
+      </p:sp>
+      <p:sp>
+        <p:nvSpPr>
+          <p:cNvPr id="27" name="文本框 26"/>
+          <p:cNvSpPr txBox="1"/>
+          <p:nvPr/>
+        </p:nvSpPr>
+        <p:spPr>
+          <a:xfrm>
+            <a:off x="1677713" y="1723839"/>
+            <a:ext cx="4602112" cy="646331"/>
+          </a:xfrm>
+          <a:prstGeom prst="rect">
+            <a:avLst/>
+          </a:prstGeom>
+          <a:noFill/>
+        </p:spPr>
+        <p:txBody>
+          <a:bodyPr wrap="square" rtlCol="0">
+            <a:spAutoFit/>
+          </a:bodyPr>
+          <a:lstStyle/>
+          <a:p>
+            <a:pPr>
+              <a:spcBef>
+                <a:spcPct val="0"/>
+              </a:spcBef>
+            </a:pPr>
+            <a:r>
+              <a:rPr lang="zh-CN" altLang="en-US" dirty="0">
+                <a:ea typeface="华文中宋" panose="02010600040101010101" pitchFamily="2" charset="-122"/>
+              </a:rPr>
+              <a:t>针对用户的文本和情感程度词进行好友推荐，提出了</a:t>
+            </a:r>
+            <a:r>
+              <a:rPr lang="en-US" altLang="zh-CN" dirty="0">
+                <a:ea typeface="华文中宋" panose="02010600040101010101" pitchFamily="2" charset="-122"/>
+              </a:rPr>
+              <a:t>SEM</a:t>
+            </a:r>
+            <a:r>
+              <a:rPr lang="zh-CN" altLang="en-US" dirty="0">
+                <a:ea typeface="华文中宋" panose="02010600040101010101" pitchFamily="2" charset="-122"/>
+              </a:rPr>
+              <a:t>模型，进行好友推荐</a:t>
+            </a:r>
+          </a:p>
+        </p:txBody>
+      </p:sp>
+      <p:sp>
+        <p:nvSpPr>
+          <p:cNvPr id="28" name="文本框 27"/>
+          <p:cNvSpPr txBox="1"/>
+          <p:nvPr/>
+        </p:nvSpPr>
+        <p:spPr>
+          <a:xfrm>
+            <a:off x="1677713" y="2720366"/>
+            <a:ext cx="4602112" cy="646331"/>
+          </a:xfrm>
+          <a:prstGeom prst="rect">
+            <a:avLst/>
+          </a:prstGeom>
+          <a:noFill/>
+        </p:spPr>
+        <p:txBody>
+          <a:bodyPr wrap="square" rtlCol="0">
+            <a:spAutoFit/>
+          </a:bodyPr>
+          <a:lstStyle/>
+          <a:p>
+            <a:pPr>
+              <a:spcBef>
+                <a:spcPct val="0"/>
+              </a:spcBef>
+            </a:pPr>
+            <a:r>
+              <a:rPr lang="zh-CN" altLang="en-US" dirty="0">
+                <a:ea typeface="华文中宋" panose="02010600040101010101" pitchFamily="2" charset="-122"/>
+              </a:rPr>
+              <a:t>引入时间因素，采用文本交叉相似度算法和情感词典的方法进行好友推荐方法</a:t>
+            </a:r>
+          </a:p>
+        </p:txBody>
+      </p:sp>
+      <p:sp>
+        <p:nvSpPr>
+          <p:cNvPr id="29" name="文本框 28"/>
+          <p:cNvSpPr txBox="1"/>
+          <p:nvPr/>
+        </p:nvSpPr>
+        <p:spPr>
+          <a:xfrm>
+            <a:off x="1677713" y="3820500"/>
+            <a:ext cx="4602112" cy="646331"/>
+          </a:xfrm>
+          <a:prstGeom prst="rect">
+            <a:avLst/>
+          </a:prstGeom>
+          <a:noFill/>
+        </p:spPr>
+        <p:txBody>
+          <a:bodyPr wrap="square" rtlCol="0">
+            <a:spAutoFit/>
+          </a:bodyPr>
+          <a:lstStyle/>
+          <a:p>
+            <a:pPr>
+              <a:spcBef>
+                <a:spcPct val="0"/>
+              </a:spcBef>
+            </a:pPr>
+            <a:r>
+              <a:rPr lang="zh-CN" altLang="en-US" dirty="0">
+                <a:ea typeface="华文中宋" panose="02010600040101010101" pitchFamily="2" charset="-122"/>
+              </a:rPr>
+              <a:t>对用户的微博文本分析，设计了融合用户文本语义和情感分析的好友推荐系统</a:t>
+            </a:r>
+          </a:p>
+        </p:txBody>
+      </p:sp>
+      <p:sp>
+        <p:nvSpPr>
+          <p:cNvPr id="39" name="任意多边形 38"/>
+          <p:cNvSpPr/>
+          <p:nvPr/>
+        </p:nvSpPr>
+        <p:spPr>
+          <a:xfrm>
+            <a:off x="8416764" y="2753602"/>
+            <a:ext cx="1259243" cy="1259243"/>
+          </a:xfrm>
+          <a:custGeom>
+            <a:avLst/>
+            <a:gdLst>
+              <a:gd name="connsiteX0" fmla="*/ 0 w 1259243"/>
+              <a:gd name="connsiteY0" fmla="*/ 629622 h 1259243"/>
+              <a:gd name="connsiteX1" fmla="*/ 629622 w 1259243"/>
+              <a:gd name="connsiteY1" fmla="*/ 0 h 1259243"/>
+              <a:gd name="connsiteX2" fmla="*/ 1259244 w 1259243"/>
+              <a:gd name="connsiteY2" fmla="*/ 629622 h 1259243"/>
+              <a:gd name="connsiteX3" fmla="*/ 629622 w 1259243"/>
+              <a:gd name="connsiteY3" fmla="*/ 1259244 h 1259243"/>
+              <a:gd name="connsiteX4" fmla="*/ 0 w 1259243"/>
+              <a:gd name="connsiteY4" fmla="*/ 629622 h 1259243"/>
+            </a:gdLst>
+            <a:ahLst/>
+            <a:cxnLst>
+              <a:cxn ang="0">
+                <a:pos x="connsiteX0" y="connsiteY0"/>
+              </a:cxn>
+              <a:cxn ang="0">
+                <a:pos x="connsiteX1" y="connsiteY1"/>
+              </a:cxn>
+              <a:cxn ang="0">
+                <a:pos x="connsiteX2" y="connsiteY2"/>
+              </a:cxn>
+              <a:cxn ang="0">
+                <a:pos x="connsiteX3" y="connsiteY3"/>
+              </a:cxn>
+              <a:cxn ang="0">
+                <a:pos x="connsiteX4" y="connsiteY4"/>
+              </a:cxn>
+            </a:cxnLst>
+            <a:rect l="l" t="t" r="r" b="b"/>
+            <a:pathLst>
+              <a:path w="1259243" h="1259243">
+                <a:moveTo>
+                  <a:pt x="0" y="629622"/>
+                </a:moveTo>
+                <a:cubicBezTo>
+                  <a:pt x="0" y="281891"/>
+                  <a:pt x="281891" y="0"/>
+                  <a:pt x="629622" y="0"/>
+                </a:cubicBezTo>
+                <a:cubicBezTo>
+                  <a:pt x="977353" y="0"/>
+                  <a:pt x="1259244" y="281891"/>
+                  <a:pt x="1259244" y="629622"/>
+                </a:cubicBezTo>
+                <a:cubicBezTo>
+                  <a:pt x="1259244" y="977353"/>
+                  <a:pt x="977353" y="1259244"/>
+                  <a:pt x="629622" y="1259244"/>
+                </a:cubicBezTo>
+                <a:cubicBezTo>
+                  <a:pt x="281891" y="1259244"/>
+                  <a:pt x="0" y="977353"/>
+                  <a:pt x="0" y="629622"/>
+                </a:cubicBezTo>
+                <a:close/>
+              </a:path>
+            </a:pathLst>
+          </a:custGeom>
+          <a:solidFill>
+            <a:srgbClr val="287ED3"/>
+          </a:solidFill>
+        </p:spPr>
+        <p:style>
+          <a:lnRef idx="2">
+            <a:schemeClr val="lt1">
+              <a:hueOff val="0"/>
+              <a:satOff val="0"/>
+              <a:lumOff val="0"/>
+              <a:alphaOff val="0"/>
+            </a:schemeClr>
+          </a:lnRef>
+          <a:fillRef idx="1">
+            <a:scrgbClr r="0" g="0" b="0"/>
+          </a:fillRef>
+          <a:effectRef idx="0">
+            <a:schemeClr val="accent1">
+              <a:hueOff val="0"/>
+              <a:satOff val="0"/>
+              <a:lumOff val="0"/>
+              <a:alphaOff val="0"/>
+            </a:schemeClr>
+          </a:effectRef>
+          <a:fontRef idx="minor">
+            <a:schemeClr val="lt1"/>
+          </a:fontRef>
+        </p:style>
+        <p:txBody>
+          <a:bodyPr spcFirstLastPara="0" vert="horz" wrap="square" lIns="221242" tIns="221242" rIns="221242" bIns="221242" numCol="1" spcCol="1270" anchor="ctr" anchorCtr="0">
+            <a:noAutofit/>
+          </a:bodyPr>
+          <a:lstStyle/>
+          <a:p>
+            <a:pPr algn="ctr" defTabSz="2578100">
+              <a:lnSpc>
+                <a:spcPct val="90000"/>
+              </a:lnSpc>
+              <a:spcBef>
+                <a:spcPct val="0"/>
+              </a:spcBef>
+              <a:spcAft>
+                <a:spcPct val="35000"/>
+              </a:spcAft>
+            </a:pPr>
+            <a:r>
+              <a:rPr lang="zh-CN" altLang="en-US" sz="2400" b="1" dirty="0" smtClean="0">
+                <a:latin typeface="微软雅黑" panose="020B0503020204020204" pitchFamily="34" charset="-122"/>
+                <a:ea typeface="微软雅黑" panose="020B0503020204020204" pitchFamily="34" charset="-122"/>
+              </a:rPr>
+              <a:t>总结</a:t>
+            </a:r>
+            <a:endParaRPr lang="zh-CN" altLang="en-US" sz="2400" b="1" dirty="0">
+              <a:latin typeface="微软雅黑" panose="020B0503020204020204" pitchFamily="34" charset="-122"/>
+              <a:ea typeface="微软雅黑" panose="020B0503020204020204" pitchFamily="34" charset="-122"/>
+            </a:endParaRPr>
+          </a:p>
+        </p:txBody>
+      </p:sp>
+      <p:sp>
+        <p:nvSpPr>
+          <p:cNvPr id="40" name="任意多边形 39"/>
+          <p:cNvSpPr/>
+          <p:nvPr/>
+        </p:nvSpPr>
+        <p:spPr>
+          <a:xfrm rot="16200000">
+            <a:off x="8856003" y="2546693"/>
+            <a:ext cx="380764" cy="33050"/>
+          </a:xfrm>
+          <a:custGeom>
+            <a:avLst/>
+            <a:gdLst>
+              <a:gd name="connsiteX0" fmla="*/ 0 w 380764"/>
+              <a:gd name="connsiteY0" fmla="*/ 16525 h 33050"/>
+              <a:gd name="connsiteX1" fmla="*/ 380764 w 380764"/>
+              <a:gd name="connsiteY1" fmla="*/ 16525 h 33050"/>
+            </a:gdLst>
+            <a:ahLst/>
+            <a:cxnLst>
+              <a:cxn ang="0">
+                <a:pos x="connsiteX0" y="connsiteY0"/>
+              </a:cxn>
+              <a:cxn ang="0">
+                <a:pos x="connsiteX1" y="connsiteY1"/>
+              </a:cxn>
+            </a:cxnLst>
+            <a:rect l="l" t="t" r="r" b="b"/>
+            <a:pathLst>
+              <a:path w="380764" h="33050">
+                <a:moveTo>
+                  <a:pt x="0" y="16525"/>
+                </a:moveTo>
+                <a:lnTo>
+                  <a:pt x="380764" y="16525"/>
+                </a:lnTo>
+              </a:path>
+            </a:pathLst>
+          </a:custGeom>
+          <a:noFill/>
+          <a:ln w="28575">
+            <a:solidFill>
+              <a:srgbClr val="666666"/>
+            </a:solidFill>
+          </a:ln>
+        </p:spPr>
+        <p:style>
+          <a:lnRef idx="2">
+            <a:scrgbClr r="0" g="0" b="0"/>
+          </a:lnRef>
+          <a:fillRef idx="0">
+            <a:scrgbClr r="0" g="0" b="0"/>
+          </a:fillRef>
+          <a:effectRef idx="0">
+            <a:schemeClr val="accent1">
+              <a:hueOff val="0"/>
+              <a:satOff val="0"/>
+              <a:lumOff val="0"/>
+              <a:alphaOff val="0"/>
+            </a:schemeClr>
+          </a:effectRef>
+          <a:fontRef idx="minor">
+            <a:schemeClr val="tx1">
+              <a:hueOff val="0"/>
+              <a:satOff val="0"/>
+              <a:lumOff val="0"/>
+              <a:alphaOff val="0"/>
+            </a:schemeClr>
+          </a:fontRef>
+        </p:style>
+        <p:txBody>
+          <a:bodyPr spcFirstLastPara="0" vert="horz" wrap="square" lIns="193563" tIns="7006" rIns="193562" bIns="7006" numCol="1" spcCol="1270" anchor="ctr" anchorCtr="0">
+            <a:noAutofit/>
+          </a:bodyPr>
+          <a:lstStyle/>
+          <a:p>
+            <a:pPr algn="ctr" defTabSz="222250">
+              <a:lnSpc>
+                <a:spcPct val="90000"/>
+              </a:lnSpc>
+              <a:spcBef>
+                <a:spcPct val="0"/>
+              </a:spcBef>
+              <a:spcAft>
+                <a:spcPct val="35000"/>
+              </a:spcAft>
+            </a:pPr>
+            <a:endParaRPr lang="zh-CN" altLang="en-US" sz="500"/>
+          </a:p>
+        </p:txBody>
+      </p:sp>
+      <p:sp>
+        <p:nvSpPr>
+          <p:cNvPr id="41" name="任意多边形 40"/>
+          <p:cNvSpPr/>
+          <p:nvPr/>
+        </p:nvSpPr>
+        <p:spPr>
+          <a:xfrm>
+            <a:off x="8416764" y="1113594"/>
+            <a:ext cx="1259243" cy="1259243"/>
+          </a:xfrm>
+          <a:custGeom>
+            <a:avLst/>
+            <a:gdLst>
+              <a:gd name="connsiteX0" fmla="*/ 0 w 1259243"/>
+              <a:gd name="connsiteY0" fmla="*/ 629622 h 1259243"/>
+              <a:gd name="connsiteX1" fmla="*/ 629622 w 1259243"/>
+              <a:gd name="connsiteY1" fmla="*/ 0 h 1259243"/>
+              <a:gd name="connsiteX2" fmla="*/ 1259244 w 1259243"/>
+              <a:gd name="connsiteY2" fmla="*/ 629622 h 1259243"/>
+              <a:gd name="connsiteX3" fmla="*/ 629622 w 1259243"/>
+              <a:gd name="connsiteY3" fmla="*/ 1259244 h 1259243"/>
+              <a:gd name="connsiteX4" fmla="*/ 0 w 1259243"/>
+              <a:gd name="connsiteY4" fmla="*/ 629622 h 1259243"/>
+            </a:gdLst>
+            <a:ahLst/>
+            <a:cxnLst>
+              <a:cxn ang="0">
+                <a:pos x="connsiteX0" y="connsiteY0"/>
+              </a:cxn>
+              <a:cxn ang="0">
+                <a:pos x="connsiteX1" y="connsiteY1"/>
+              </a:cxn>
+              <a:cxn ang="0">
+                <a:pos x="connsiteX2" y="connsiteY2"/>
+              </a:cxn>
+              <a:cxn ang="0">
+                <a:pos x="connsiteX3" y="connsiteY3"/>
+              </a:cxn>
+              <a:cxn ang="0">
+                <a:pos x="connsiteX4" y="connsiteY4"/>
+              </a:cxn>
+            </a:cxnLst>
+            <a:rect l="l" t="t" r="r" b="b"/>
+            <a:pathLst>
+              <a:path w="1259243" h="1259243">
+                <a:moveTo>
+                  <a:pt x="0" y="629622"/>
+                </a:moveTo>
+                <a:cubicBezTo>
+                  <a:pt x="0" y="281891"/>
+                  <a:pt x="281891" y="0"/>
+                  <a:pt x="629622" y="0"/>
+                </a:cubicBezTo>
+                <a:cubicBezTo>
+                  <a:pt x="977353" y="0"/>
+                  <a:pt x="1259244" y="281891"/>
+                  <a:pt x="1259244" y="629622"/>
+                </a:cubicBezTo>
+                <a:cubicBezTo>
+                  <a:pt x="1259244" y="977353"/>
+                  <a:pt x="977353" y="1259244"/>
+                  <a:pt x="629622" y="1259244"/>
+                </a:cubicBezTo>
+                <a:cubicBezTo>
+                  <a:pt x="281891" y="1259244"/>
+                  <a:pt x="0" y="977353"/>
+                  <a:pt x="0" y="629622"/>
+                </a:cubicBezTo>
+                <a:close/>
+              </a:path>
+            </a:pathLst>
+          </a:custGeom>
+          <a:solidFill>
+            <a:srgbClr val="BFBFBF"/>
+          </a:solidFill>
+        </p:spPr>
+        <p:style>
+          <a:lnRef idx="2">
+            <a:schemeClr val="lt1">
+              <a:hueOff val="0"/>
+              <a:satOff val="0"/>
+              <a:lumOff val="0"/>
+              <a:alphaOff val="0"/>
+            </a:schemeClr>
+          </a:lnRef>
+          <a:fillRef idx="1">
+            <a:scrgbClr r="0" g="0" b="0"/>
+          </a:fillRef>
+          <a:effectRef idx="0">
+            <a:schemeClr val="accent1">
+              <a:hueOff val="0"/>
+              <a:satOff val="0"/>
+              <a:lumOff val="0"/>
+              <a:alphaOff val="0"/>
+            </a:schemeClr>
+          </a:effectRef>
+          <a:fontRef idx="minor">
+            <a:schemeClr val="lt1"/>
+          </a:fontRef>
+        </p:style>
+        <p:txBody>
+          <a:bodyPr spcFirstLastPara="0" vert="horz" wrap="square" lIns="221242" tIns="221242" rIns="221242" bIns="221242" numCol="1" spcCol="1270" anchor="ctr" anchorCtr="0">
+            <a:noAutofit/>
+          </a:bodyPr>
+          <a:lstStyle/>
+          <a:p>
+            <a:pPr algn="ctr" defTabSz="2578100">
+              <a:lnSpc>
+                <a:spcPct val="90000"/>
+              </a:lnSpc>
+              <a:spcBef>
+                <a:spcPct val="0"/>
+              </a:spcBef>
+              <a:spcAft>
+                <a:spcPct val="35000"/>
+              </a:spcAft>
+            </a:pPr>
+            <a:r>
+              <a:rPr lang="en-US" altLang="zh-CN" sz="5800" dirty="0">
+                <a:solidFill>
+                  <a:srgbClr val="287ED3"/>
+                </a:solidFill>
+              </a:rPr>
+              <a:t>1</a:t>
+            </a:r>
+            <a:endParaRPr lang="zh-CN" altLang="en-US" sz="5800" dirty="0">
+              <a:solidFill>
+                <a:srgbClr val="287ED3"/>
+              </a:solidFill>
+            </a:endParaRPr>
+          </a:p>
+        </p:txBody>
+      </p:sp>
+      <p:sp>
+        <p:nvSpPr>
+          <p:cNvPr id="42" name="任意多边形 41"/>
+          <p:cNvSpPr/>
+          <p:nvPr/>
+        </p:nvSpPr>
+        <p:spPr>
+          <a:xfrm>
+            <a:off x="9676007" y="3366697"/>
+            <a:ext cx="380764" cy="33050"/>
+          </a:xfrm>
+          <a:custGeom>
+            <a:avLst/>
+            <a:gdLst>
+              <a:gd name="connsiteX0" fmla="*/ 0 w 380764"/>
+              <a:gd name="connsiteY0" fmla="*/ 16525 h 33050"/>
+              <a:gd name="connsiteX1" fmla="*/ 380764 w 380764"/>
+              <a:gd name="connsiteY1" fmla="*/ 16525 h 33050"/>
+            </a:gdLst>
+            <a:ahLst/>
+            <a:cxnLst>
+              <a:cxn ang="0">
+                <a:pos x="connsiteX0" y="connsiteY0"/>
+              </a:cxn>
+              <a:cxn ang="0">
+                <a:pos x="connsiteX1" y="connsiteY1"/>
+              </a:cxn>
+            </a:cxnLst>
+            <a:rect l="l" t="t" r="r" b="b"/>
+            <a:pathLst>
+              <a:path w="380764" h="33050">
+                <a:moveTo>
+                  <a:pt x="0" y="16525"/>
+                </a:moveTo>
+                <a:lnTo>
+                  <a:pt x="380764" y="16525"/>
+                </a:lnTo>
+              </a:path>
+            </a:pathLst>
+          </a:custGeom>
+          <a:noFill/>
+          <a:ln w="28575">
+            <a:solidFill>
+              <a:srgbClr val="666666"/>
+            </a:solidFill>
+          </a:ln>
+        </p:spPr>
+        <p:style>
+          <a:lnRef idx="2">
+            <a:scrgbClr r="0" g="0" b="0"/>
+          </a:lnRef>
+          <a:fillRef idx="0">
+            <a:scrgbClr r="0" g="0" b="0"/>
+          </a:fillRef>
+          <a:effectRef idx="0">
+            <a:schemeClr val="accent1">
+              <a:hueOff val="0"/>
+              <a:satOff val="0"/>
+              <a:lumOff val="0"/>
+              <a:alphaOff val="0"/>
+            </a:schemeClr>
+          </a:effectRef>
+          <a:fontRef idx="minor">
+            <a:schemeClr val="tx1">
+              <a:hueOff val="0"/>
+              <a:satOff val="0"/>
+              <a:lumOff val="0"/>
+              <a:alphaOff val="0"/>
+            </a:schemeClr>
+          </a:fontRef>
+        </p:style>
+        <p:txBody>
+          <a:bodyPr spcFirstLastPara="0" vert="horz" wrap="square" lIns="193563" tIns="7006" rIns="193563" bIns="7006" numCol="1" spcCol="1270" anchor="ctr" anchorCtr="0">
+            <a:noAutofit/>
+          </a:bodyPr>
+          <a:lstStyle/>
+          <a:p>
+            <a:pPr algn="ctr" defTabSz="222250">
+              <a:lnSpc>
+                <a:spcPct val="90000"/>
+              </a:lnSpc>
+              <a:spcBef>
+                <a:spcPct val="0"/>
+              </a:spcBef>
+              <a:spcAft>
+                <a:spcPct val="35000"/>
+              </a:spcAft>
+            </a:pPr>
+            <a:endParaRPr lang="zh-CN" altLang="en-US" sz="500"/>
+          </a:p>
+        </p:txBody>
+      </p:sp>
+      <p:sp>
+        <p:nvSpPr>
+          <p:cNvPr id="43" name="任意多边形 42"/>
+          <p:cNvSpPr/>
+          <p:nvPr/>
+        </p:nvSpPr>
+        <p:spPr>
+          <a:xfrm>
+            <a:off x="10056772" y="2753602"/>
+            <a:ext cx="1259243" cy="1259243"/>
+          </a:xfrm>
+          <a:custGeom>
+            <a:avLst/>
+            <a:gdLst>
+              <a:gd name="connsiteX0" fmla="*/ 0 w 1259243"/>
+              <a:gd name="connsiteY0" fmla="*/ 629622 h 1259243"/>
+              <a:gd name="connsiteX1" fmla="*/ 629622 w 1259243"/>
+              <a:gd name="connsiteY1" fmla="*/ 0 h 1259243"/>
+              <a:gd name="connsiteX2" fmla="*/ 1259244 w 1259243"/>
+              <a:gd name="connsiteY2" fmla="*/ 629622 h 1259243"/>
+              <a:gd name="connsiteX3" fmla="*/ 629622 w 1259243"/>
+              <a:gd name="connsiteY3" fmla="*/ 1259244 h 1259243"/>
+              <a:gd name="connsiteX4" fmla="*/ 0 w 1259243"/>
+              <a:gd name="connsiteY4" fmla="*/ 629622 h 1259243"/>
+            </a:gdLst>
+            <a:ahLst/>
+            <a:cxnLst>
+              <a:cxn ang="0">
+                <a:pos x="connsiteX0" y="connsiteY0"/>
+              </a:cxn>
+              <a:cxn ang="0">
+                <a:pos x="connsiteX1" y="connsiteY1"/>
+              </a:cxn>
+              <a:cxn ang="0">
+                <a:pos x="connsiteX2" y="connsiteY2"/>
+              </a:cxn>
+              <a:cxn ang="0">
+                <a:pos x="connsiteX3" y="connsiteY3"/>
+              </a:cxn>
+              <a:cxn ang="0">
+                <a:pos x="connsiteX4" y="connsiteY4"/>
+              </a:cxn>
+            </a:cxnLst>
+            <a:rect l="l" t="t" r="r" b="b"/>
+            <a:pathLst>
+              <a:path w="1259243" h="1259243">
+                <a:moveTo>
+                  <a:pt x="0" y="629622"/>
+                </a:moveTo>
+                <a:cubicBezTo>
+                  <a:pt x="0" y="281891"/>
+                  <a:pt x="281891" y="0"/>
+                  <a:pt x="629622" y="0"/>
+                </a:cubicBezTo>
+                <a:cubicBezTo>
+                  <a:pt x="977353" y="0"/>
+                  <a:pt x="1259244" y="281891"/>
+                  <a:pt x="1259244" y="629622"/>
+                </a:cubicBezTo>
+                <a:cubicBezTo>
+                  <a:pt x="1259244" y="977353"/>
+                  <a:pt x="977353" y="1259244"/>
+                  <a:pt x="629622" y="1259244"/>
+                </a:cubicBezTo>
+                <a:cubicBezTo>
+                  <a:pt x="281891" y="1259244"/>
+                  <a:pt x="0" y="977353"/>
+                  <a:pt x="0" y="629622"/>
+                </a:cubicBezTo>
+                <a:close/>
+              </a:path>
+            </a:pathLst>
+          </a:custGeom>
+          <a:solidFill>
+            <a:srgbClr val="BFBFBF"/>
+          </a:solidFill>
+        </p:spPr>
+        <p:style>
+          <a:lnRef idx="2">
+            <a:schemeClr val="lt1">
+              <a:hueOff val="0"/>
+              <a:satOff val="0"/>
+              <a:lumOff val="0"/>
+              <a:alphaOff val="0"/>
+            </a:schemeClr>
+          </a:lnRef>
+          <a:fillRef idx="1">
+            <a:scrgbClr r="0" g="0" b="0"/>
+          </a:fillRef>
+          <a:effectRef idx="0">
+            <a:schemeClr val="accent1">
+              <a:hueOff val="0"/>
+              <a:satOff val="0"/>
+              <a:lumOff val="0"/>
+              <a:alphaOff val="0"/>
+            </a:schemeClr>
+          </a:effectRef>
+          <a:fontRef idx="minor">
+            <a:schemeClr val="lt1"/>
+          </a:fontRef>
+        </p:style>
+        <p:txBody>
+          <a:bodyPr spcFirstLastPara="0" vert="horz" wrap="square" lIns="221242" tIns="221242" rIns="221242" bIns="221242" numCol="1" spcCol="1270" anchor="ctr" anchorCtr="0">
+            <a:noAutofit/>
+          </a:bodyPr>
+          <a:lstStyle/>
+          <a:p>
+            <a:pPr algn="ctr" defTabSz="2578100">
+              <a:lnSpc>
+                <a:spcPct val="90000"/>
+              </a:lnSpc>
+              <a:spcBef>
+                <a:spcPct val="0"/>
+              </a:spcBef>
+              <a:spcAft>
+                <a:spcPct val="35000"/>
+              </a:spcAft>
+            </a:pPr>
+            <a:r>
+              <a:rPr lang="en-US" altLang="zh-CN" sz="5800" dirty="0">
+                <a:solidFill>
+                  <a:srgbClr val="287ED3"/>
+                </a:solidFill>
+              </a:rPr>
+              <a:t>2</a:t>
+            </a:r>
+            <a:endParaRPr lang="zh-CN" altLang="en-US" sz="5800" dirty="0">
+              <a:solidFill>
+                <a:srgbClr val="287ED3"/>
+              </a:solidFill>
+            </a:endParaRPr>
+          </a:p>
+        </p:txBody>
+      </p:sp>
+      <p:sp>
+        <p:nvSpPr>
+          <p:cNvPr id="44" name="任意多边形 43"/>
+          <p:cNvSpPr/>
+          <p:nvPr/>
+        </p:nvSpPr>
+        <p:spPr>
+          <a:xfrm rot="5400000">
+            <a:off x="8856003" y="4186701"/>
+            <a:ext cx="380764" cy="33050"/>
+          </a:xfrm>
+          <a:custGeom>
+            <a:avLst/>
+            <a:gdLst>
+              <a:gd name="connsiteX0" fmla="*/ 0 w 380764"/>
+              <a:gd name="connsiteY0" fmla="*/ 16525 h 33050"/>
+              <a:gd name="connsiteX1" fmla="*/ 380764 w 380764"/>
+              <a:gd name="connsiteY1" fmla="*/ 16525 h 33050"/>
+            </a:gdLst>
+            <a:ahLst/>
+            <a:cxnLst>
+              <a:cxn ang="0">
+                <a:pos x="connsiteX0" y="connsiteY0"/>
+              </a:cxn>
+              <a:cxn ang="0">
+                <a:pos x="connsiteX1" y="connsiteY1"/>
+              </a:cxn>
+            </a:cxnLst>
+            <a:rect l="l" t="t" r="r" b="b"/>
+            <a:pathLst>
+              <a:path w="380764" h="33050">
+                <a:moveTo>
+                  <a:pt x="0" y="16525"/>
+                </a:moveTo>
+                <a:lnTo>
+                  <a:pt x="380764" y="16525"/>
+                </a:lnTo>
+              </a:path>
+            </a:pathLst>
+          </a:custGeom>
+          <a:noFill/>
+          <a:ln w="28575">
+            <a:solidFill>
+              <a:srgbClr val="666666"/>
+            </a:solidFill>
+          </a:ln>
+        </p:spPr>
+        <p:style>
+          <a:lnRef idx="2">
+            <a:scrgbClr r="0" g="0" b="0"/>
+          </a:lnRef>
+          <a:fillRef idx="0">
+            <a:scrgbClr r="0" g="0" b="0"/>
+          </a:fillRef>
+          <a:effectRef idx="0">
+            <a:schemeClr val="accent1">
+              <a:hueOff val="0"/>
+              <a:satOff val="0"/>
+              <a:lumOff val="0"/>
+              <a:alphaOff val="0"/>
+            </a:schemeClr>
+          </a:effectRef>
+          <a:fontRef idx="minor">
+            <a:schemeClr val="tx1">
+              <a:hueOff val="0"/>
+              <a:satOff val="0"/>
+              <a:lumOff val="0"/>
+              <a:alphaOff val="0"/>
+            </a:schemeClr>
+          </a:fontRef>
+        </p:style>
+        <p:txBody>
+          <a:bodyPr spcFirstLastPara="0" vert="horz" wrap="square" lIns="193563" tIns="7006" rIns="193563" bIns="7006" numCol="1" spcCol="1270" anchor="ctr" anchorCtr="0">
+            <a:noAutofit/>
+          </a:bodyPr>
+          <a:lstStyle/>
+          <a:p>
+            <a:pPr algn="ctr" defTabSz="222250">
+              <a:lnSpc>
+                <a:spcPct val="90000"/>
+              </a:lnSpc>
+              <a:spcBef>
+                <a:spcPct val="0"/>
+              </a:spcBef>
+              <a:spcAft>
+                <a:spcPct val="35000"/>
+              </a:spcAft>
+            </a:pPr>
+            <a:endParaRPr lang="zh-CN" altLang="en-US" sz="500"/>
+          </a:p>
+        </p:txBody>
+      </p:sp>
+      <p:sp>
+        <p:nvSpPr>
+          <p:cNvPr id="45" name="任意多边形 44"/>
+          <p:cNvSpPr/>
+          <p:nvPr/>
+        </p:nvSpPr>
+        <p:spPr>
+          <a:xfrm>
+            <a:off x="8416764" y="4393610"/>
+            <a:ext cx="1259243" cy="1259243"/>
+          </a:xfrm>
+          <a:custGeom>
+            <a:avLst/>
+            <a:gdLst>
+              <a:gd name="connsiteX0" fmla="*/ 0 w 1259243"/>
+              <a:gd name="connsiteY0" fmla="*/ 629622 h 1259243"/>
+              <a:gd name="connsiteX1" fmla="*/ 629622 w 1259243"/>
+              <a:gd name="connsiteY1" fmla="*/ 0 h 1259243"/>
+              <a:gd name="connsiteX2" fmla="*/ 1259244 w 1259243"/>
+              <a:gd name="connsiteY2" fmla="*/ 629622 h 1259243"/>
+              <a:gd name="connsiteX3" fmla="*/ 629622 w 1259243"/>
+              <a:gd name="connsiteY3" fmla="*/ 1259244 h 1259243"/>
+              <a:gd name="connsiteX4" fmla="*/ 0 w 1259243"/>
+              <a:gd name="connsiteY4" fmla="*/ 629622 h 1259243"/>
+            </a:gdLst>
+            <a:ahLst/>
+            <a:cxnLst>
+              <a:cxn ang="0">
+                <a:pos x="connsiteX0" y="connsiteY0"/>
+              </a:cxn>
+              <a:cxn ang="0">
+                <a:pos x="connsiteX1" y="connsiteY1"/>
+              </a:cxn>
+              <a:cxn ang="0">
+                <a:pos x="connsiteX2" y="connsiteY2"/>
+              </a:cxn>
+              <a:cxn ang="0">
+                <a:pos x="connsiteX3" y="connsiteY3"/>
+              </a:cxn>
+              <a:cxn ang="0">
+                <a:pos x="connsiteX4" y="connsiteY4"/>
+              </a:cxn>
+            </a:cxnLst>
+            <a:rect l="l" t="t" r="r" b="b"/>
+            <a:pathLst>
+              <a:path w="1259243" h="1259243">
+                <a:moveTo>
+                  <a:pt x="0" y="629622"/>
+                </a:moveTo>
+                <a:cubicBezTo>
+                  <a:pt x="0" y="281891"/>
+                  <a:pt x="281891" y="0"/>
+                  <a:pt x="629622" y="0"/>
+                </a:cubicBezTo>
+                <a:cubicBezTo>
+                  <a:pt x="977353" y="0"/>
+                  <a:pt x="1259244" y="281891"/>
+                  <a:pt x="1259244" y="629622"/>
+                </a:cubicBezTo>
+                <a:cubicBezTo>
+                  <a:pt x="1259244" y="977353"/>
+                  <a:pt x="977353" y="1259244"/>
+                  <a:pt x="629622" y="1259244"/>
+                </a:cubicBezTo>
+                <a:cubicBezTo>
+                  <a:pt x="281891" y="1259244"/>
+                  <a:pt x="0" y="977353"/>
+                  <a:pt x="0" y="629622"/>
+                </a:cubicBezTo>
+                <a:close/>
+              </a:path>
+            </a:pathLst>
+          </a:custGeom>
+          <a:solidFill>
+            <a:srgbClr val="BFBFBF"/>
+          </a:solidFill>
+        </p:spPr>
+        <p:style>
+          <a:lnRef idx="2">
+            <a:schemeClr val="lt1">
+              <a:hueOff val="0"/>
+              <a:satOff val="0"/>
+              <a:lumOff val="0"/>
+              <a:alphaOff val="0"/>
+            </a:schemeClr>
+          </a:lnRef>
+          <a:fillRef idx="1">
+            <a:scrgbClr r="0" g="0" b="0"/>
+          </a:fillRef>
+          <a:effectRef idx="0">
+            <a:schemeClr val="accent1">
+              <a:hueOff val="0"/>
+              <a:satOff val="0"/>
+              <a:lumOff val="0"/>
+              <a:alphaOff val="0"/>
+            </a:schemeClr>
+          </a:effectRef>
+          <a:fontRef idx="minor">
+            <a:schemeClr val="lt1"/>
+          </a:fontRef>
+        </p:style>
+        <p:txBody>
+          <a:bodyPr spcFirstLastPara="0" vert="horz" wrap="square" lIns="221242" tIns="221242" rIns="221242" bIns="221242" numCol="1" spcCol="1270" anchor="ctr" anchorCtr="0">
+            <a:noAutofit/>
+          </a:bodyPr>
+          <a:lstStyle/>
+          <a:p>
+            <a:pPr algn="ctr" defTabSz="2578100">
+              <a:lnSpc>
+                <a:spcPct val="90000"/>
+              </a:lnSpc>
+              <a:spcBef>
+                <a:spcPct val="0"/>
+              </a:spcBef>
+              <a:spcAft>
+                <a:spcPct val="35000"/>
+              </a:spcAft>
+            </a:pPr>
+            <a:r>
+              <a:rPr lang="en-US" altLang="zh-CN" sz="5800" dirty="0">
+                <a:solidFill>
+                  <a:srgbClr val="287ED3"/>
+                </a:solidFill>
+              </a:rPr>
+              <a:t>3</a:t>
+            </a:r>
+            <a:endParaRPr lang="zh-CN" altLang="en-US" sz="5800" dirty="0">
+              <a:solidFill>
+                <a:srgbClr val="287ED3"/>
+              </a:solidFill>
+            </a:endParaRPr>
+          </a:p>
+        </p:txBody>
+      </p:sp>
+      <p:sp>
+        <p:nvSpPr>
+          <p:cNvPr id="46" name="任意多边形 45"/>
+          <p:cNvSpPr/>
+          <p:nvPr/>
+        </p:nvSpPr>
+        <p:spPr>
+          <a:xfrm>
+            <a:off x="8036000" y="3366697"/>
+            <a:ext cx="380765" cy="33051"/>
+          </a:xfrm>
+          <a:custGeom>
+            <a:avLst/>
+            <a:gdLst>
+              <a:gd name="connsiteX0" fmla="*/ 0 w 380764"/>
+              <a:gd name="connsiteY0" fmla="*/ 16525 h 33050"/>
+              <a:gd name="connsiteX1" fmla="*/ 380764 w 380764"/>
+              <a:gd name="connsiteY1" fmla="*/ 16525 h 33050"/>
+            </a:gdLst>
+            <a:ahLst/>
+            <a:cxnLst>
+              <a:cxn ang="0">
+                <a:pos x="connsiteX0" y="connsiteY0"/>
+              </a:cxn>
+              <a:cxn ang="0">
+                <a:pos x="connsiteX1" y="connsiteY1"/>
+              </a:cxn>
+            </a:cxnLst>
+            <a:rect l="l" t="t" r="r" b="b"/>
+            <a:pathLst>
+              <a:path w="380764" h="33050">
+                <a:moveTo>
+                  <a:pt x="380764" y="16525"/>
+                </a:moveTo>
+                <a:lnTo>
+                  <a:pt x="0" y="16525"/>
+                </a:lnTo>
+              </a:path>
+            </a:pathLst>
+          </a:custGeom>
+          <a:noFill/>
+          <a:ln w="28575">
+            <a:solidFill>
+              <a:srgbClr val="666666"/>
+            </a:solidFill>
+          </a:ln>
+        </p:spPr>
+        <p:style>
+          <a:lnRef idx="2">
+            <a:scrgbClr r="0" g="0" b="0"/>
+          </a:lnRef>
+          <a:fillRef idx="0">
+            <a:scrgbClr r="0" g="0" b="0"/>
+          </a:fillRef>
+          <a:effectRef idx="0">
+            <a:schemeClr val="accent1">
+              <a:hueOff val="0"/>
+              <a:satOff val="0"/>
+              <a:lumOff val="0"/>
+              <a:alphaOff val="0"/>
+            </a:schemeClr>
+          </a:effectRef>
+          <a:fontRef idx="minor">
+            <a:schemeClr val="tx1">
+              <a:hueOff val="0"/>
+              <a:satOff val="0"/>
+              <a:lumOff val="0"/>
+              <a:alphaOff val="0"/>
+            </a:schemeClr>
+          </a:fontRef>
+        </p:style>
+        <p:txBody>
+          <a:bodyPr spcFirstLastPara="0" vert="horz" wrap="square" lIns="193563" tIns="7007" rIns="193564" bIns="7006" numCol="1" spcCol="1270" anchor="ctr" anchorCtr="0">
+            <a:noAutofit/>
+          </a:bodyPr>
+          <a:lstStyle/>
+          <a:p>
+            <a:pPr algn="ctr" defTabSz="222250">
+              <a:lnSpc>
+                <a:spcPct val="90000"/>
+              </a:lnSpc>
+              <a:spcBef>
+                <a:spcPct val="0"/>
+              </a:spcBef>
+              <a:spcAft>
+                <a:spcPct val="35000"/>
+              </a:spcAft>
+            </a:pPr>
+            <a:endParaRPr lang="zh-CN" altLang="en-US" sz="500"/>
+          </a:p>
+        </p:txBody>
+      </p:sp>
+      <p:sp>
+        <p:nvSpPr>
+          <p:cNvPr id="47" name="任意多边形 46"/>
+          <p:cNvSpPr/>
+          <p:nvPr/>
+        </p:nvSpPr>
+        <p:spPr>
+          <a:xfrm>
+            <a:off x="6776756" y="2753602"/>
+            <a:ext cx="1259243" cy="1259243"/>
+          </a:xfrm>
+          <a:custGeom>
+            <a:avLst/>
+            <a:gdLst>
+              <a:gd name="connsiteX0" fmla="*/ 0 w 1259243"/>
+              <a:gd name="connsiteY0" fmla="*/ 629622 h 1259243"/>
+              <a:gd name="connsiteX1" fmla="*/ 629622 w 1259243"/>
+              <a:gd name="connsiteY1" fmla="*/ 0 h 1259243"/>
+              <a:gd name="connsiteX2" fmla="*/ 1259244 w 1259243"/>
+              <a:gd name="connsiteY2" fmla="*/ 629622 h 1259243"/>
+              <a:gd name="connsiteX3" fmla="*/ 629622 w 1259243"/>
+              <a:gd name="connsiteY3" fmla="*/ 1259244 h 1259243"/>
+              <a:gd name="connsiteX4" fmla="*/ 0 w 1259243"/>
+              <a:gd name="connsiteY4" fmla="*/ 629622 h 1259243"/>
+            </a:gdLst>
+            <a:ahLst/>
+            <a:cxnLst>
+              <a:cxn ang="0">
+                <a:pos x="connsiteX0" y="connsiteY0"/>
+              </a:cxn>
+              <a:cxn ang="0">
+                <a:pos x="connsiteX1" y="connsiteY1"/>
+              </a:cxn>
+              <a:cxn ang="0">
+                <a:pos x="connsiteX2" y="connsiteY2"/>
+              </a:cxn>
+              <a:cxn ang="0">
+                <a:pos x="connsiteX3" y="connsiteY3"/>
+              </a:cxn>
+              <a:cxn ang="0">
+                <a:pos x="connsiteX4" y="connsiteY4"/>
+              </a:cxn>
+            </a:cxnLst>
+            <a:rect l="l" t="t" r="r" b="b"/>
+            <a:pathLst>
+              <a:path w="1259243" h="1259243">
+                <a:moveTo>
+                  <a:pt x="0" y="629622"/>
+                </a:moveTo>
+                <a:cubicBezTo>
+                  <a:pt x="0" y="281891"/>
+                  <a:pt x="281891" y="0"/>
+                  <a:pt x="629622" y="0"/>
+                </a:cubicBezTo>
+                <a:cubicBezTo>
+                  <a:pt x="977353" y="0"/>
+                  <a:pt x="1259244" y="281891"/>
+                  <a:pt x="1259244" y="629622"/>
+                </a:cubicBezTo>
+                <a:cubicBezTo>
+                  <a:pt x="1259244" y="977353"/>
+                  <a:pt x="977353" y="1259244"/>
+                  <a:pt x="629622" y="1259244"/>
+                </a:cubicBezTo>
+                <a:cubicBezTo>
+                  <a:pt x="281891" y="1259244"/>
+                  <a:pt x="0" y="977353"/>
+                  <a:pt x="0" y="629622"/>
+                </a:cubicBezTo>
+                <a:close/>
+              </a:path>
+            </a:pathLst>
+          </a:custGeom>
+          <a:solidFill>
+            <a:srgbClr val="BFBFBF"/>
+          </a:solidFill>
+        </p:spPr>
+        <p:style>
+          <a:lnRef idx="2">
+            <a:schemeClr val="lt1">
+              <a:hueOff val="0"/>
+              <a:satOff val="0"/>
+              <a:lumOff val="0"/>
+              <a:alphaOff val="0"/>
+            </a:schemeClr>
+          </a:lnRef>
+          <a:fillRef idx="1">
+            <a:scrgbClr r="0" g="0" b="0"/>
+          </a:fillRef>
+          <a:effectRef idx="0">
+            <a:schemeClr val="accent1">
+              <a:hueOff val="0"/>
+              <a:satOff val="0"/>
+              <a:lumOff val="0"/>
+              <a:alphaOff val="0"/>
+            </a:schemeClr>
+          </a:effectRef>
+          <a:fontRef idx="minor">
+            <a:schemeClr val="lt1"/>
+          </a:fontRef>
+        </p:style>
+        <p:txBody>
+          <a:bodyPr spcFirstLastPara="0" vert="horz" wrap="square" lIns="221242" tIns="221242" rIns="221242" bIns="221242" numCol="1" spcCol="1270" anchor="ctr" anchorCtr="0">
+            <a:noAutofit/>
+          </a:bodyPr>
+          <a:lstStyle/>
+          <a:p>
+            <a:pPr algn="ctr" defTabSz="2578100">
+              <a:lnSpc>
+                <a:spcPct val="90000"/>
+              </a:lnSpc>
+              <a:spcBef>
+                <a:spcPct val="0"/>
+              </a:spcBef>
+              <a:spcAft>
+                <a:spcPct val="35000"/>
+              </a:spcAft>
+            </a:pPr>
+            <a:r>
+              <a:rPr lang="en-US" altLang="zh-CN" sz="5800" dirty="0">
+                <a:solidFill>
+                  <a:srgbClr val="287ED3"/>
+                </a:solidFill>
+              </a:rPr>
+              <a:t>4</a:t>
+            </a:r>
+            <a:endParaRPr lang="zh-CN" altLang="en-US" sz="5800" dirty="0">
+              <a:solidFill>
+                <a:srgbClr val="287ED3"/>
+              </a:solidFill>
+            </a:endParaRPr>
+          </a:p>
+        </p:txBody>
+      </p:sp>
+      <p:sp>
+        <p:nvSpPr>
+          <p:cNvPr id="48" name="矩形 47"/>
+          <p:cNvSpPr/>
+          <p:nvPr/>
+        </p:nvSpPr>
+        <p:spPr>
+          <a:xfrm>
+            <a:off x="893994" y="4899162"/>
+            <a:ext cx="672164" cy="672164"/>
+          </a:xfrm>
+          <a:prstGeom prst="rect">
+            <a:avLst/>
+          </a:prstGeom>
+          <a:solidFill>
+            <a:srgbClr val="287ED3"/>
+          </a:solidFill>
+          <a:ln>
+            <a:noFill/>
+          </a:ln>
+        </p:spPr>
+        <p:style>
+          <a:lnRef idx="2">
+            <a:schemeClr val="accent1">
+              <a:shade val="50000"/>
+            </a:schemeClr>
+          </a:lnRef>
+          <a:fillRef idx="1">
+            <a:schemeClr val="accent1"/>
+          </a:fillRef>
+          <a:effectRef idx="0">
+            <a:schemeClr val="accent1"/>
+          </a:effectRef>
+          <a:fontRef idx="minor">
+            <a:schemeClr val="lt1"/>
+          </a:fontRef>
+        </p:style>
+        <p:txBody>
+          <a:bodyPr rtlCol="0" anchor="ctr"/>
+          <a:lstStyle/>
+          <a:p>
+            <a:pPr algn="ctr"/>
+            <a:r>
+              <a:rPr lang="en-US" altLang="zh-CN" sz="3200" b="1" dirty="0" smtClean="0"/>
+              <a:t>4</a:t>
+            </a:r>
+            <a:endParaRPr lang="zh-CN" altLang="en-US" sz="3200" b="1" dirty="0"/>
+          </a:p>
+        </p:txBody>
+      </p:sp>
+      <p:sp>
+        <p:nvSpPr>
+          <p:cNvPr id="49" name="文本框 48"/>
+          <p:cNvSpPr txBox="1"/>
+          <p:nvPr/>
+        </p:nvSpPr>
+        <p:spPr>
+          <a:xfrm>
+            <a:off x="1677713" y="4899162"/>
+            <a:ext cx="4602112" cy="1200329"/>
+          </a:xfrm>
+          <a:prstGeom prst="rect">
+            <a:avLst/>
+          </a:prstGeom>
+          <a:noFill/>
+        </p:spPr>
+        <p:txBody>
+          <a:bodyPr wrap="square" rtlCol="0">
+            <a:spAutoFit/>
+          </a:bodyPr>
+          <a:lstStyle/>
+          <a:p>
+            <a:pPr>
+              <a:spcBef>
+                <a:spcPct val="0"/>
+              </a:spcBef>
+            </a:pPr>
+            <a:r>
+              <a:rPr lang="zh-CN" altLang="en-US" dirty="0">
+                <a:ea typeface="华文中宋" panose="02010600040101010101" pitchFamily="2" charset="-122"/>
+              </a:rPr>
+              <a:t>本文</a:t>
+            </a:r>
+            <a:r>
+              <a:rPr lang="zh-CN" altLang="en-US" dirty="0" smtClean="0">
+                <a:ea typeface="华文中宋" panose="02010600040101010101" pitchFamily="2" charset="-122"/>
+              </a:rPr>
+              <a:t>通过采用自行编写的爬虫程序对新</a:t>
+            </a:r>
+            <a:r>
+              <a:rPr lang="zh-CN" altLang="en-US" dirty="0">
+                <a:ea typeface="华文中宋" panose="02010600040101010101" pitchFamily="2" charset="-122"/>
+              </a:rPr>
+              <a:t>浪微</a:t>
+            </a:r>
+            <a:r>
+              <a:rPr lang="zh-CN" altLang="en-US" dirty="0" smtClean="0">
+                <a:ea typeface="华文中宋" panose="02010600040101010101" pitchFamily="2" charset="-122"/>
+              </a:rPr>
+              <a:t>博数据进行爬取。</a:t>
+            </a:r>
+            <a:r>
+              <a:rPr lang="zh-CN" altLang="en-US" dirty="0">
+                <a:ea typeface="华文中宋" panose="02010600040101010101" pitchFamily="2" charset="-122"/>
+              </a:rPr>
+              <a:t>对转发用户行为进行分析，发现用户的度和微博数部分均满足幂律分析，具有无标度特性，验证了数据的真实性。</a:t>
+            </a:r>
+          </a:p>
+        </p:txBody>
+      </p:sp>
+    </p:spTree>
+    <p:extLst>
+      <p:ext uri="{BB962C8B-B14F-4D97-AF65-F5344CB8AC3E}">
+        <p14:creationId xmlns:p14="http://schemas.microsoft.com/office/powerpoint/2010/main" val="1705704763"/>
+      </p:ext>
+    </p:extLst>
+  </p:cSld>
+  <p:clrMapOvr>
+    <a:masterClrMapping/>
+  </p:clrMapOvr>
+  <p:transition spd="slow">
+    <p:randomBar dir="vert"/>
+  </p:transition>
+  <p:timing>
+    <p:tnLst>
+      <p:par>
+        <p:cTn id="1" dur="indefinite" restart="never" nodeType="tmRoot">
+          <p:childTnLst>
+            <p:seq concurrent="1" nextAc="seek">
+              <p:cTn id="2" dur="indefinite" nodeType="mainSeq">
+                <p:childTnLst>
+                  <p:par>
+                    <p:cTn id="3" fill="hold">
+                      <p:stCondLst>
+                        <p:cond delay="indefinite"/>
+                      </p:stCondLst>
+                      <p:childTnLst>
+                        <p:par>
+                          <p:cTn id="4" fill="hold">
+                            <p:stCondLst>
+                              <p:cond delay="0"/>
+                            </p:stCondLst>
+                            <p:childTnLst>
+                              <p:par>
+                                <p:cTn id="5" presetID="16" presetClass="entr" presetSubtype="21" fill="hold" grpId="0" nodeType="clickEffect">
+                                  <p:stCondLst>
+                                    <p:cond delay="0"/>
+                                  </p:stCondLst>
+                                  <p:childTnLst>
+                                    <p:set>
+                                      <p:cBhvr>
+                                        <p:cTn id="6" dur="1" fill="hold">
+                                          <p:stCondLst>
+                                            <p:cond delay="0"/>
+                                          </p:stCondLst>
+                                        </p:cTn>
+                                        <p:tgtEl>
+                                          <p:spTgt spid="39"/>
+                                        </p:tgtEl>
+                                        <p:attrNameLst>
+                                          <p:attrName>style.visibility</p:attrName>
+                                        </p:attrNameLst>
+                                      </p:cBhvr>
+                                      <p:to>
+                                        <p:strVal val="visible"/>
+                                      </p:to>
+                                    </p:set>
+                                    <p:animEffect transition="in" filter="barn(inVertical)">
+                                      <p:cBhvr>
+                                        <p:cTn id="7" dur="500"/>
+                                        <p:tgtEl>
+                                          <p:spTgt spid="39"/>
+                                        </p:tgtEl>
+                                      </p:cBhvr>
+                                    </p:animEffect>
+                                  </p:childTnLst>
+                                </p:cTn>
+                              </p:par>
+                            </p:childTnLst>
+                          </p:cTn>
+                        </p:par>
+                      </p:childTnLst>
+                    </p:cTn>
+                  </p:par>
+                  <p:par>
+                    <p:cTn id="8" fill="hold">
+                      <p:stCondLst>
+                        <p:cond delay="indefinite"/>
+                      </p:stCondLst>
+                      <p:childTnLst>
+                        <p:par>
+                          <p:cTn id="9" fill="hold">
+                            <p:stCondLst>
+                              <p:cond delay="0"/>
+                            </p:stCondLst>
+                            <p:childTnLst>
+                              <p:par>
+                                <p:cTn id="10" presetID="1" presetClass="entr" presetSubtype="0" fill="hold" grpId="0" nodeType="clickEffect">
+                                  <p:stCondLst>
+                                    <p:cond delay="0"/>
+                                  </p:stCondLst>
+                                  <p:childTnLst>
+                                    <p:set>
+                                      <p:cBhvr>
+                                        <p:cTn id="11" dur="1" fill="hold">
+                                          <p:stCondLst>
+                                            <p:cond delay="0"/>
+                                          </p:stCondLst>
+                                        </p:cTn>
+                                        <p:tgtEl>
+                                          <p:spTgt spid="41"/>
+                                        </p:tgtEl>
+                                        <p:attrNameLst>
+                                          <p:attrName>style.visibility</p:attrName>
+                                        </p:attrNameLst>
+                                      </p:cBhvr>
+                                      <p:to>
+                                        <p:strVal val="visible"/>
+                                      </p:to>
+                                    </p:set>
+                                  </p:childTnLst>
+                                </p:cTn>
+                              </p:par>
+                              <p:par>
+                                <p:cTn id="12" presetID="1" presetClass="entr" presetSubtype="0" fill="hold" grpId="0" nodeType="withEffect">
+                                  <p:stCondLst>
+                                    <p:cond delay="0"/>
+                                  </p:stCondLst>
+                                  <p:childTnLst>
+                                    <p:set>
+                                      <p:cBhvr>
+                                        <p:cTn id="13" dur="1" fill="hold">
+                                          <p:stCondLst>
+                                            <p:cond delay="0"/>
+                                          </p:stCondLst>
+                                        </p:cTn>
+                                        <p:tgtEl>
+                                          <p:spTgt spid="24"/>
+                                        </p:tgtEl>
+                                        <p:attrNameLst>
+                                          <p:attrName>style.visibility</p:attrName>
+                                        </p:attrNameLst>
+                                      </p:cBhvr>
+                                      <p:to>
+                                        <p:strVal val="visible"/>
+                                      </p:to>
+                                    </p:set>
+                                  </p:childTnLst>
+                                </p:cTn>
+                              </p:par>
+                              <p:par>
+                                <p:cTn id="14" presetID="16" presetClass="entr" presetSubtype="21" fill="hold" grpId="0" nodeType="withEffect">
+                                  <p:stCondLst>
+                                    <p:cond delay="0"/>
+                                  </p:stCondLst>
+                                  <p:childTnLst>
+                                    <p:set>
+                                      <p:cBhvr>
+                                        <p:cTn id="15" dur="1" fill="hold">
+                                          <p:stCondLst>
+                                            <p:cond delay="0"/>
+                                          </p:stCondLst>
+                                        </p:cTn>
+                                        <p:tgtEl>
+                                          <p:spTgt spid="40"/>
+                                        </p:tgtEl>
+                                        <p:attrNameLst>
+                                          <p:attrName>style.visibility</p:attrName>
+                                        </p:attrNameLst>
+                                      </p:cBhvr>
+                                      <p:to>
+                                        <p:strVal val="visible"/>
+                                      </p:to>
+                                    </p:set>
+                                    <p:animEffect transition="in" filter="barn(inVertical)">
+                                      <p:cBhvr>
+                                        <p:cTn id="16" dur="500"/>
+                                        <p:tgtEl>
+                                          <p:spTgt spid="40"/>
+                                        </p:tgtEl>
+                                      </p:cBhvr>
+                                    </p:animEffect>
+                                  </p:childTnLst>
+                                </p:cTn>
+                              </p:par>
+                              <p:par>
+                                <p:cTn id="17" presetID="42" presetClass="entr" presetSubtype="0" fill="hold" grpId="0" nodeType="withEffect">
+                                  <p:stCondLst>
+                                    <p:cond delay="0"/>
+                                  </p:stCondLst>
+                                  <p:childTnLst>
+                                    <p:set>
+                                      <p:cBhvr>
+                                        <p:cTn id="18" dur="1" fill="hold">
+                                          <p:stCondLst>
+                                            <p:cond delay="0"/>
+                                          </p:stCondLst>
+                                        </p:cTn>
+                                        <p:tgtEl>
+                                          <p:spTgt spid="27"/>
+                                        </p:tgtEl>
+                                        <p:attrNameLst>
+                                          <p:attrName>style.visibility</p:attrName>
+                                        </p:attrNameLst>
+                                      </p:cBhvr>
+                                      <p:to>
+                                        <p:strVal val="visible"/>
+                                      </p:to>
+                                    </p:set>
+                                    <p:animEffect transition="in" filter="fade">
+                                      <p:cBhvr>
+                                        <p:cTn id="19" dur="1000"/>
+                                        <p:tgtEl>
+                                          <p:spTgt spid="27"/>
+                                        </p:tgtEl>
+                                      </p:cBhvr>
+                                    </p:animEffect>
+                                    <p:anim calcmode="lin" valueType="num">
+                                      <p:cBhvr>
+                                        <p:cTn id="20" dur="1000" fill="hold"/>
+                                        <p:tgtEl>
+                                          <p:spTgt spid="27"/>
+                                        </p:tgtEl>
+                                        <p:attrNameLst>
+                                          <p:attrName>ppt_x</p:attrName>
+                                        </p:attrNameLst>
+                                      </p:cBhvr>
+                                      <p:tavLst>
+                                        <p:tav tm="0">
+                                          <p:val>
+                                            <p:strVal val="#ppt_x"/>
+                                          </p:val>
+                                        </p:tav>
+                                        <p:tav tm="100000">
+                                          <p:val>
+                                            <p:strVal val="#ppt_x"/>
+                                          </p:val>
+                                        </p:tav>
+                                      </p:tavLst>
+                                    </p:anim>
+                                    <p:anim calcmode="lin" valueType="num">
+                                      <p:cBhvr>
+                                        <p:cTn id="21" dur="1000" fill="hold"/>
+                                        <p:tgtEl>
+                                          <p:spTgt spid="27"/>
+                                        </p:tgtEl>
+                                        <p:attrNameLst>
+                                          <p:attrName>ppt_y</p:attrName>
+                                        </p:attrNameLst>
+                                      </p:cBhvr>
+                                      <p:tavLst>
+                                        <p:tav tm="0">
+                                          <p:val>
+                                            <p:strVal val="#ppt_y+.1"/>
+                                          </p:val>
+                                        </p:tav>
+                                        <p:tav tm="100000">
+                                          <p:val>
+                                            <p:strVal val="#ppt_y"/>
+                                          </p:val>
+                                        </p:tav>
+                                      </p:tavLst>
+                                    </p:anim>
+                                  </p:childTnLst>
+                                </p:cTn>
+                              </p:par>
+                            </p:childTnLst>
+                          </p:cTn>
+                        </p:par>
+                      </p:childTnLst>
+                    </p:cTn>
+                  </p:par>
+                  <p:par>
+                    <p:cTn id="22" fill="hold">
+                      <p:stCondLst>
+                        <p:cond delay="indefinite"/>
+                      </p:stCondLst>
+                      <p:childTnLst>
+                        <p:par>
+                          <p:cTn id="23" fill="hold">
+                            <p:stCondLst>
+                              <p:cond delay="0"/>
+                            </p:stCondLst>
+                            <p:childTnLst>
+                              <p:par>
+                                <p:cTn id="24" presetID="42" presetClass="entr" presetSubtype="0" fill="hold" grpId="0" nodeType="clickEffect">
+                                  <p:stCondLst>
+                                    <p:cond delay="0"/>
+                                  </p:stCondLst>
+                                  <p:childTnLst>
+                                    <p:set>
+                                      <p:cBhvr>
+                                        <p:cTn id="25" dur="1" fill="hold">
+                                          <p:stCondLst>
+                                            <p:cond delay="0"/>
+                                          </p:stCondLst>
+                                        </p:cTn>
+                                        <p:tgtEl>
+                                          <p:spTgt spid="28"/>
+                                        </p:tgtEl>
+                                        <p:attrNameLst>
+                                          <p:attrName>style.visibility</p:attrName>
+                                        </p:attrNameLst>
+                                      </p:cBhvr>
+                                      <p:to>
+                                        <p:strVal val="visible"/>
+                                      </p:to>
+                                    </p:set>
+                                    <p:animEffect transition="in" filter="fade">
+                                      <p:cBhvr>
+                                        <p:cTn id="26" dur="1000"/>
+                                        <p:tgtEl>
+                                          <p:spTgt spid="28"/>
+                                        </p:tgtEl>
+                                      </p:cBhvr>
+                                    </p:animEffect>
+                                    <p:anim calcmode="lin" valueType="num">
+                                      <p:cBhvr>
+                                        <p:cTn id="27" dur="1000" fill="hold"/>
+                                        <p:tgtEl>
+                                          <p:spTgt spid="28"/>
+                                        </p:tgtEl>
+                                        <p:attrNameLst>
+                                          <p:attrName>ppt_x</p:attrName>
+                                        </p:attrNameLst>
+                                      </p:cBhvr>
+                                      <p:tavLst>
+                                        <p:tav tm="0">
+                                          <p:val>
+                                            <p:strVal val="#ppt_x"/>
+                                          </p:val>
+                                        </p:tav>
+                                        <p:tav tm="100000">
+                                          <p:val>
+                                            <p:strVal val="#ppt_x"/>
+                                          </p:val>
+                                        </p:tav>
+                                      </p:tavLst>
+                                    </p:anim>
+                                    <p:anim calcmode="lin" valueType="num">
+                                      <p:cBhvr>
+                                        <p:cTn id="28" dur="1000" fill="hold"/>
+                                        <p:tgtEl>
+                                          <p:spTgt spid="28"/>
+                                        </p:tgtEl>
+                                        <p:attrNameLst>
+                                          <p:attrName>ppt_y</p:attrName>
+                                        </p:attrNameLst>
+                                      </p:cBhvr>
+                                      <p:tavLst>
+                                        <p:tav tm="0">
+                                          <p:val>
+                                            <p:strVal val="#ppt_y+.1"/>
+                                          </p:val>
+                                        </p:tav>
+                                        <p:tav tm="100000">
+                                          <p:val>
+                                            <p:strVal val="#ppt_y"/>
+                                          </p:val>
+                                        </p:tav>
+                                      </p:tavLst>
+                                    </p:anim>
+                                  </p:childTnLst>
+                                </p:cTn>
+                              </p:par>
+                              <p:par>
+                                <p:cTn id="29" presetID="1" presetClass="entr" presetSubtype="0" fill="hold" grpId="0" nodeType="withEffect">
+                                  <p:stCondLst>
+                                    <p:cond delay="0"/>
+                                  </p:stCondLst>
+                                  <p:childTnLst>
+                                    <p:set>
+                                      <p:cBhvr>
+                                        <p:cTn id="30" dur="1" fill="hold">
+                                          <p:stCondLst>
+                                            <p:cond delay="0"/>
+                                          </p:stCondLst>
+                                        </p:cTn>
+                                        <p:tgtEl>
+                                          <p:spTgt spid="25"/>
+                                        </p:tgtEl>
+                                        <p:attrNameLst>
+                                          <p:attrName>style.visibility</p:attrName>
+                                        </p:attrNameLst>
+                                      </p:cBhvr>
+                                      <p:to>
+                                        <p:strVal val="visible"/>
+                                      </p:to>
+                                    </p:set>
+                                  </p:childTnLst>
+                                </p:cTn>
+                              </p:par>
+                              <p:par>
+                                <p:cTn id="31" presetID="1" presetClass="entr" presetSubtype="0" fill="hold" grpId="0" nodeType="withEffect">
+                                  <p:stCondLst>
+                                    <p:cond delay="0"/>
+                                  </p:stCondLst>
+                                  <p:childTnLst>
+                                    <p:set>
+                                      <p:cBhvr>
+                                        <p:cTn id="32" dur="1" fill="hold">
+                                          <p:stCondLst>
+                                            <p:cond delay="0"/>
+                                          </p:stCondLst>
+                                        </p:cTn>
+                                        <p:tgtEl>
+                                          <p:spTgt spid="43"/>
+                                        </p:tgtEl>
+                                        <p:attrNameLst>
+                                          <p:attrName>style.visibility</p:attrName>
+                                        </p:attrNameLst>
+                                      </p:cBhvr>
+                                      <p:to>
+                                        <p:strVal val="visible"/>
+                                      </p:to>
+                                    </p:set>
+                                  </p:childTnLst>
+                                </p:cTn>
+                              </p:par>
+                              <p:par>
+                                <p:cTn id="33" presetID="16" presetClass="entr" presetSubtype="21" fill="hold" grpId="0" nodeType="withEffect">
+                                  <p:stCondLst>
+                                    <p:cond delay="0"/>
+                                  </p:stCondLst>
+                                  <p:childTnLst>
+                                    <p:set>
+                                      <p:cBhvr>
+                                        <p:cTn id="34" dur="1" fill="hold">
+                                          <p:stCondLst>
+                                            <p:cond delay="0"/>
+                                          </p:stCondLst>
+                                        </p:cTn>
+                                        <p:tgtEl>
+                                          <p:spTgt spid="42"/>
+                                        </p:tgtEl>
+                                        <p:attrNameLst>
+                                          <p:attrName>style.visibility</p:attrName>
+                                        </p:attrNameLst>
+                                      </p:cBhvr>
+                                      <p:to>
+                                        <p:strVal val="visible"/>
+                                      </p:to>
+                                    </p:set>
+                                    <p:animEffect transition="in" filter="barn(inVertical)">
+                                      <p:cBhvr>
+                                        <p:cTn id="35" dur="500"/>
+                                        <p:tgtEl>
+                                          <p:spTgt spid="42"/>
+                                        </p:tgtEl>
+                                      </p:cBhvr>
+                                    </p:animEffect>
+                                  </p:childTnLst>
+                                </p:cTn>
+                              </p:par>
+                            </p:childTnLst>
+                          </p:cTn>
+                        </p:par>
+                      </p:childTnLst>
+                    </p:cTn>
+                  </p:par>
+                  <p:par>
+                    <p:cTn id="36" fill="hold">
+                      <p:stCondLst>
+                        <p:cond delay="indefinite"/>
+                      </p:stCondLst>
+                      <p:childTnLst>
+                        <p:par>
+                          <p:cTn id="37" fill="hold">
+                            <p:stCondLst>
+                              <p:cond delay="0"/>
+                            </p:stCondLst>
+                            <p:childTnLst>
+                              <p:par>
+                                <p:cTn id="38" presetID="42" presetClass="entr" presetSubtype="0" fill="hold" grpId="0" nodeType="clickEffect">
+                                  <p:stCondLst>
+                                    <p:cond delay="0"/>
+                                  </p:stCondLst>
+                                  <p:childTnLst>
+                                    <p:set>
+                                      <p:cBhvr>
+                                        <p:cTn id="39" dur="1" fill="hold">
+                                          <p:stCondLst>
+                                            <p:cond delay="0"/>
+                                          </p:stCondLst>
+                                        </p:cTn>
+                                        <p:tgtEl>
+                                          <p:spTgt spid="29"/>
+                                        </p:tgtEl>
+                                        <p:attrNameLst>
+                                          <p:attrName>style.visibility</p:attrName>
+                                        </p:attrNameLst>
+                                      </p:cBhvr>
+                                      <p:to>
+                                        <p:strVal val="visible"/>
+                                      </p:to>
+                                    </p:set>
+                                    <p:animEffect transition="in" filter="fade">
+                                      <p:cBhvr>
+                                        <p:cTn id="40" dur="1000"/>
+                                        <p:tgtEl>
+                                          <p:spTgt spid="29"/>
+                                        </p:tgtEl>
+                                      </p:cBhvr>
+                                    </p:animEffect>
+                                    <p:anim calcmode="lin" valueType="num">
+                                      <p:cBhvr>
+                                        <p:cTn id="41" dur="1000" fill="hold"/>
+                                        <p:tgtEl>
+                                          <p:spTgt spid="29"/>
+                                        </p:tgtEl>
+                                        <p:attrNameLst>
+                                          <p:attrName>ppt_x</p:attrName>
+                                        </p:attrNameLst>
+                                      </p:cBhvr>
+                                      <p:tavLst>
+                                        <p:tav tm="0">
+                                          <p:val>
+                                            <p:strVal val="#ppt_x"/>
+                                          </p:val>
+                                        </p:tav>
+                                        <p:tav tm="100000">
+                                          <p:val>
+                                            <p:strVal val="#ppt_x"/>
+                                          </p:val>
+                                        </p:tav>
+                                      </p:tavLst>
+                                    </p:anim>
+                                    <p:anim calcmode="lin" valueType="num">
+                                      <p:cBhvr>
+                                        <p:cTn id="42" dur="1000" fill="hold"/>
+                                        <p:tgtEl>
+                                          <p:spTgt spid="29"/>
+                                        </p:tgtEl>
+                                        <p:attrNameLst>
+                                          <p:attrName>ppt_y</p:attrName>
+                                        </p:attrNameLst>
+                                      </p:cBhvr>
+                                      <p:tavLst>
+                                        <p:tav tm="0">
+                                          <p:val>
+                                            <p:strVal val="#ppt_y+.1"/>
+                                          </p:val>
+                                        </p:tav>
+                                        <p:tav tm="100000">
+                                          <p:val>
+                                            <p:strVal val="#ppt_y"/>
+                                          </p:val>
+                                        </p:tav>
+                                      </p:tavLst>
+                                    </p:anim>
+                                  </p:childTnLst>
+                                </p:cTn>
+                              </p:par>
+                              <p:par>
+                                <p:cTn id="43" presetID="16" presetClass="entr" presetSubtype="21" fill="hold" grpId="0" nodeType="withEffect">
+                                  <p:stCondLst>
+                                    <p:cond delay="0"/>
+                                  </p:stCondLst>
+                                  <p:childTnLst>
+                                    <p:set>
+                                      <p:cBhvr>
+                                        <p:cTn id="44" dur="1" fill="hold">
+                                          <p:stCondLst>
+                                            <p:cond delay="0"/>
+                                          </p:stCondLst>
+                                        </p:cTn>
+                                        <p:tgtEl>
+                                          <p:spTgt spid="44"/>
+                                        </p:tgtEl>
+                                        <p:attrNameLst>
+                                          <p:attrName>style.visibility</p:attrName>
+                                        </p:attrNameLst>
+                                      </p:cBhvr>
+                                      <p:to>
+                                        <p:strVal val="visible"/>
+                                      </p:to>
+                                    </p:set>
+                                    <p:animEffect transition="in" filter="barn(inVertical)">
+                                      <p:cBhvr>
+                                        <p:cTn id="45" dur="500"/>
+                                        <p:tgtEl>
+                                          <p:spTgt spid="44"/>
+                                        </p:tgtEl>
+                                      </p:cBhvr>
+                                    </p:animEffect>
+                                  </p:childTnLst>
+                                </p:cTn>
+                              </p:par>
+                              <p:par>
+                                <p:cTn id="46" presetID="1" presetClass="entr" presetSubtype="0" fill="hold" grpId="0" nodeType="withEffect">
+                                  <p:stCondLst>
+                                    <p:cond delay="0"/>
+                                  </p:stCondLst>
+                                  <p:childTnLst>
+                                    <p:set>
+                                      <p:cBhvr>
+                                        <p:cTn id="47" dur="1" fill="hold">
+                                          <p:stCondLst>
+                                            <p:cond delay="0"/>
+                                          </p:stCondLst>
+                                        </p:cTn>
+                                        <p:tgtEl>
+                                          <p:spTgt spid="26"/>
+                                        </p:tgtEl>
+                                        <p:attrNameLst>
+                                          <p:attrName>style.visibility</p:attrName>
+                                        </p:attrNameLst>
+                                      </p:cBhvr>
+                                      <p:to>
+                                        <p:strVal val="visible"/>
+                                      </p:to>
+                                    </p:set>
+                                  </p:childTnLst>
+                                </p:cTn>
+                              </p:par>
+                              <p:par>
+                                <p:cTn id="48" presetID="1" presetClass="entr" presetSubtype="0" fill="hold" grpId="0" nodeType="withEffect">
+                                  <p:stCondLst>
+                                    <p:cond delay="0"/>
+                                  </p:stCondLst>
+                                  <p:childTnLst>
+                                    <p:set>
+                                      <p:cBhvr>
+                                        <p:cTn id="49" dur="1" fill="hold">
+                                          <p:stCondLst>
+                                            <p:cond delay="0"/>
+                                          </p:stCondLst>
+                                        </p:cTn>
+                                        <p:tgtEl>
+                                          <p:spTgt spid="45"/>
+                                        </p:tgtEl>
+                                        <p:attrNameLst>
+                                          <p:attrName>style.visibility</p:attrName>
+                                        </p:attrNameLst>
+                                      </p:cBhvr>
+                                      <p:to>
+                                        <p:strVal val="visible"/>
+                                      </p:to>
+                                    </p:set>
+                                  </p:childTnLst>
+                                </p:cTn>
+                              </p:par>
+                            </p:childTnLst>
+                          </p:cTn>
+                        </p:par>
+                      </p:childTnLst>
+                    </p:cTn>
+                  </p:par>
+                  <p:par>
+                    <p:cTn id="50" fill="hold">
+                      <p:stCondLst>
+                        <p:cond delay="indefinite"/>
+                      </p:stCondLst>
+                      <p:childTnLst>
+                        <p:par>
+                          <p:cTn id="51" fill="hold">
+                            <p:stCondLst>
+                              <p:cond delay="0"/>
+                            </p:stCondLst>
+                            <p:childTnLst>
+                              <p:par>
+                                <p:cTn id="52" presetID="1" presetClass="entr" presetSubtype="0" fill="hold" grpId="0" nodeType="clickEffect">
+                                  <p:stCondLst>
+                                    <p:cond delay="0"/>
+                                  </p:stCondLst>
+                                  <p:childTnLst>
+                                    <p:set>
+                                      <p:cBhvr>
+                                        <p:cTn id="53" dur="1" fill="hold">
+                                          <p:stCondLst>
+                                            <p:cond delay="0"/>
+                                          </p:stCondLst>
+                                        </p:cTn>
+                                        <p:tgtEl>
+                                          <p:spTgt spid="48"/>
+                                        </p:tgtEl>
+                                        <p:attrNameLst>
+                                          <p:attrName>style.visibility</p:attrName>
+                                        </p:attrNameLst>
+                                      </p:cBhvr>
+                                      <p:to>
+                                        <p:strVal val="visible"/>
+                                      </p:to>
+                                    </p:set>
+                                  </p:childTnLst>
+                                </p:cTn>
+                              </p:par>
+                              <p:par>
+                                <p:cTn id="54" presetID="16" presetClass="entr" presetSubtype="21" fill="hold" grpId="0" nodeType="withEffect">
+                                  <p:stCondLst>
+                                    <p:cond delay="0"/>
+                                  </p:stCondLst>
+                                  <p:childTnLst>
+                                    <p:set>
+                                      <p:cBhvr>
+                                        <p:cTn id="55" dur="1" fill="hold">
+                                          <p:stCondLst>
+                                            <p:cond delay="0"/>
+                                          </p:stCondLst>
+                                        </p:cTn>
+                                        <p:tgtEl>
+                                          <p:spTgt spid="46"/>
+                                        </p:tgtEl>
+                                        <p:attrNameLst>
+                                          <p:attrName>style.visibility</p:attrName>
+                                        </p:attrNameLst>
+                                      </p:cBhvr>
+                                      <p:to>
+                                        <p:strVal val="visible"/>
+                                      </p:to>
+                                    </p:set>
+                                    <p:animEffect transition="in" filter="barn(inVertical)">
+                                      <p:cBhvr>
+                                        <p:cTn id="56" dur="500"/>
+                                        <p:tgtEl>
+                                          <p:spTgt spid="46"/>
+                                        </p:tgtEl>
+                                      </p:cBhvr>
+                                    </p:animEffect>
+                                  </p:childTnLst>
+                                </p:cTn>
+                              </p:par>
+                              <p:par>
+                                <p:cTn id="57" presetID="42" presetClass="entr" presetSubtype="0" fill="hold" grpId="0" nodeType="withEffect">
+                                  <p:stCondLst>
+                                    <p:cond delay="0"/>
+                                  </p:stCondLst>
+                                  <p:childTnLst>
+                                    <p:set>
+                                      <p:cBhvr>
+                                        <p:cTn id="58" dur="1" fill="hold">
+                                          <p:stCondLst>
+                                            <p:cond delay="0"/>
+                                          </p:stCondLst>
+                                        </p:cTn>
+                                        <p:tgtEl>
+                                          <p:spTgt spid="49"/>
+                                        </p:tgtEl>
+                                        <p:attrNameLst>
+                                          <p:attrName>style.visibility</p:attrName>
+                                        </p:attrNameLst>
+                                      </p:cBhvr>
+                                      <p:to>
+                                        <p:strVal val="visible"/>
+                                      </p:to>
+                                    </p:set>
+                                    <p:animEffect transition="in" filter="fade">
+                                      <p:cBhvr>
+                                        <p:cTn id="59" dur="1000"/>
+                                        <p:tgtEl>
+                                          <p:spTgt spid="49"/>
+                                        </p:tgtEl>
+                                      </p:cBhvr>
+                                    </p:animEffect>
+                                    <p:anim calcmode="lin" valueType="num">
+                                      <p:cBhvr>
+                                        <p:cTn id="60" dur="1000" fill="hold"/>
+                                        <p:tgtEl>
+                                          <p:spTgt spid="49"/>
+                                        </p:tgtEl>
+                                        <p:attrNameLst>
+                                          <p:attrName>ppt_x</p:attrName>
+                                        </p:attrNameLst>
+                                      </p:cBhvr>
+                                      <p:tavLst>
+                                        <p:tav tm="0">
+                                          <p:val>
+                                            <p:strVal val="#ppt_x"/>
+                                          </p:val>
+                                        </p:tav>
+                                        <p:tav tm="100000">
+                                          <p:val>
+                                            <p:strVal val="#ppt_x"/>
+                                          </p:val>
+                                        </p:tav>
+                                      </p:tavLst>
+                                    </p:anim>
+                                    <p:anim calcmode="lin" valueType="num">
+                                      <p:cBhvr>
+                                        <p:cTn id="61" dur="1000" fill="hold"/>
+                                        <p:tgtEl>
+                                          <p:spTgt spid="49"/>
+                                        </p:tgtEl>
+                                        <p:attrNameLst>
+                                          <p:attrName>ppt_y</p:attrName>
+                                        </p:attrNameLst>
+                                      </p:cBhvr>
+                                      <p:tavLst>
+                                        <p:tav tm="0">
+                                          <p:val>
+                                            <p:strVal val="#ppt_y+.1"/>
+                                          </p:val>
+                                        </p:tav>
+                                        <p:tav tm="100000">
+                                          <p:val>
+                                            <p:strVal val="#ppt_y"/>
+                                          </p:val>
+                                        </p:tav>
+                                      </p:tavLst>
+                                    </p:anim>
+                                  </p:childTnLst>
+                                </p:cTn>
+                              </p:par>
+                              <p:par>
+                                <p:cTn id="62" presetID="1" presetClass="entr" presetSubtype="0" fill="hold" grpId="0" nodeType="withEffect">
+                                  <p:stCondLst>
+                                    <p:cond delay="0"/>
+                                  </p:stCondLst>
+                                  <p:childTnLst>
+                                    <p:set>
+                                      <p:cBhvr>
+                                        <p:cTn id="63" dur="1" fill="hold">
+                                          <p:stCondLst>
+                                            <p:cond delay="0"/>
+                                          </p:stCondLst>
+                                        </p:cTn>
+                                        <p:tgtEl>
+                                          <p:spTgt spid="47"/>
+                                        </p:tgtEl>
+                                        <p:attrNameLst>
+                                          <p:attrName>style.visibility</p:attrName>
+                                        </p:attrNameLst>
+                                      </p:cBhvr>
+                                      <p:to>
+                                        <p:strVal val="visible"/>
+                                      </p:to>
+                                    </p:set>
+                                  </p:childTnLst>
+                                </p:cTn>
+                              </p:par>
+                            </p:childTnLst>
+                          </p:cTn>
+                        </p:par>
+                      </p:childTnLst>
+                    </p:cTn>
+                  </p:par>
+                </p:childTnLst>
+              </p:cTn>
+              <p:prevCondLst>
+                <p:cond evt="onPrev" delay="0">
+                  <p:tgtEl>
+                    <p:sldTgt/>
+                  </p:tgtEl>
+                </p:cond>
+              </p:prevCondLst>
+              <p:nextCondLst>
+                <p:cond evt="onNext" delay="0">
+                  <p:tgtEl>
+                    <p:sldTgt/>
+                  </p:tgtEl>
+                </p:cond>
+              </p:nextCondLst>
+            </p:seq>
+          </p:childTnLst>
+        </p:cTn>
+      </p:par>
+    </p:tnLst>
+    <p:bldLst>
+      <p:bldP spid="24" grpId="0" animBg="1"/>
+      <p:bldP spid="25" grpId="0" animBg="1"/>
+      <p:bldP spid="26" grpId="0" animBg="1"/>
+      <p:bldP spid="27" grpId="0"/>
+      <p:bldP spid="28" grpId="0"/>
+      <p:bldP spid="29" grpId="0"/>
+      <p:bldP spid="39" grpId="0" animBg="1"/>
+      <p:bldP spid="40" grpId="0" animBg="1"/>
+      <p:bldP spid="41" grpId="0" animBg="1"/>
+      <p:bldP spid="42" grpId="0" animBg="1"/>
+      <p:bldP spid="43" grpId="0" animBg="1"/>
+      <p:bldP spid="44" grpId="0" animBg="1"/>
+      <p:bldP spid="45" grpId="0" animBg="1"/>
+      <p:bldP spid="46" grpId="0" animBg="1"/>
+      <p:bldP spid="47" grpId="0" animBg="1"/>
+      <p:bldP spid="48" grpId="0" animBg="1"/>
+      <p:bldP spid="49" grpId="0"/>
+    </p:bldLst>
+  </p:timing>
+</p:sld>
+</file>
+
+<file path=ppt/slides/slide27.xml><?xml version="1.0" encoding="utf-8"?>
+<p:sld xmlns:a="http://schemas.openxmlformats.org/drawingml/2006/main" xmlns:r="http://schemas.openxmlformats.org/officeDocument/2006/relationships" xmlns:p="http://schemas.openxmlformats.org/presentationml/2006/main">
+  <p:cSld>
+    <p:spTree>
+      <p:nvGrpSpPr>
+        <p:cNvPr id="1" name=""/>
+        <p:cNvGrpSpPr/>
+        <p:nvPr/>
+      </p:nvGrpSpPr>
+      <p:grpSpPr>
+        <a:xfrm>
+          <a:off x="0" y="0"/>
+          <a:ext cx="0" cy="0"/>
+          <a:chOff x="0" y="0"/>
+          <a:chExt cx="0" cy="0"/>
+        </a:xfrm>
+      </p:grpSpPr>
+      <p:sp>
+        <p:nvSpPr>
+          <p:cNvPr id="2" name="标题 1"/>
+          <p:cNvSpPr>
+            <a:spLocks noGrp="1"/>
+          </p:cNvSpPr>
+          <p:nvPr>
+            <p:ph type="title"/>
+          </p:nvPr>
+        </p:nvSpPr>
+        <p:spPr/>
+        <p:txBody>
+          <a:bodyPr/>
+          <a:lstStyle/>
+          <a:p>
+            <a:r>
+              <a:rPr lang="zh-CN" altLang="en-US" dirty="0" smtClean="0"/>
+              <a:t>未来工作</a:t>
+            </a:r>
+            <a:endParaRPr lang="zh-CN" altLang="en-US" dirty="0"/>
+          </a:p>
+        </p:txBody>
+      </p:sp>
+      <p:grpSp>
+        <p:nvGrpSpPr>
+          <p:cNvPr id="10" name="组合 9"/>
+          <p:cNvGrpSpPr>
+            <a:grpSpLocks/>
+          </p:cNvGrpSpPr>
+          <p:nvPr/>
+        </p:nvGrpSpPr>
+        <p:grpSpPr bwMode="auto">
+          <a:xfrm>
+            <a:off x="1022573" y="1853701"/>
+            <a:ext cx="2074862" cy="832168"/>
+            <a:chOff x="765101" y="962314"/>
+            <a:chExt cx="1296144" cy="576064"/>
+          </a:xfrm>
+          <a:solidFill>
+            <a:srgbClr val="287ED3"/>
+          </a:solidFill>
+        </p:grpSpPr>
+        <p:sp>
+          <p:nvSpPr>
+            <p:cNvPr id="11" name="五边形 10"/>
+            <p:cNvSpPr/>
+            <p:nvPr/>
+          </p:nvSpPr>
+          <p:spPr>
+            <a:xfrm>
+              <a:off x="765101" y="962314"/>
+              <a:ext cx="1296144" cy="576064"/>
+            </a:xfrm>
+            <a:prstGeom prst="homePlate">
+              <a:avLst/>
+            </a:prstGeom>
+            <a:grpFill/>
+            <a:ln>
+              <a:noFill/>
+            </a:ln>
+          </p:spPr>
+          <p:style>
+            <a:lnRef idx="2">
+              <a:schemeClr val="accent1">
+                <a:shade val="50000"/>
+              </a:schemeClr>
+            </a:lnRef>
+            <a:fillRef idx="1">
+              <a:schemeClr val="accent1"/>
+            </a:fillRef>
+            <a:effectRef idx="0">
+              <a:schemeClr val="accent1"/>
+            </a:effectRef>
+            <a:fontRef idx="minor">
+              <a:schemeClr val="lt1"/>
+            </a:fontRef>
+          </p:style>
+          <p:txBody>
+            <a:bodyPr anchor="ctr"/>
+            <a:lstStyle/>
+            <a:p>
+              <a:pPr algn="ctr">
+                <a:defRPr/>
+              </a:pPr>
+              <a:endParaRPr lang="zh-CN" altLang="en-US" sz="3200">
+                <a:solidFill>
+                  <a:srgbClr val="287ED3"/>
+                </a:solidFill>
+              </a:endParaRPr>
+            </a:p>
+          </p:txBody>
+        </p:sp>
+        <p:sp>
+          <p:nvSpPr>
+            <p:cNvPr id="12" name="TextBox 19"/>
+            <p:cNvSpPr txBox="1">
+              <a:spLocks noChangeArrowheads="1"/>
+            </p:cNvSpPr>
+            <p:nvPr/>
+          </p:nvSpPr>
+          <p:spPr bwMode="auto">
+            <a:xfrm>
+              <a:off x="1265214" y="1053288"/>
+              <a:ext cx="259557" cy="447419"/>
+            </a:xfrm>
+            <a:prstGeom prst="rect">
+              <a:avLst/>
+            </a:prstGeom>
+            <a:noFill/>
+            <a:ln w="9525">
+              <a:noFill/>
+              <a:miter lim="800000"/>
+              <a:headEnd/>
+              <a:tailEnd/>
+            </a:ln>
+          </p:spPr>
+          <p:txBody>
+            <a:bodyPr wrap="none">
+              <a:spAutoFit/>
+            </a:bodyPr>
+            <a:lstStyle>
+              <a:lvl1pPr eaLnBrk="0" hangingPunct="0">
+                <a:defRPr>
+                  <a:solidFill>
+                    <a:schemeClr val="tx1"/>
+                  </a:solidFill>
+                  <a:latin typeface="Verdana" panose="020B0604030504040204" pitchFamily="34" charset="0"/>
+                  <a:ea typeface="宋体" panose="02010600030101010101" pitchFamily="2" charset="-122"/>
+                </a:defRPr>
+              </a:lvl1pPr>
+              <a:lvl2pPr marL="742950" indent="-285750" eaLnBrk="0" hangingPunct="0">
+                <a:defRPr>
+                  <a:solidFill>
+                    <a:schemeClr val="tx1"/>
+                  </a:solidFill>
+                  <a:latin typeface="Verdana" panose="020B0604030504040204" pitchFamily="34" charset="0"/>
+                  <a:ea typeface="宋体" panose="02010600030101010101" pitchFamily="2" charset="-122"/>
+                </a:defRPr>
+              </a:lvl2pPr>
+              <a:lvl3pPr marL="1143000" indent="-228600" eaLnBrk="0" hangingPunct="0">
+                <a:defRPr>
+                  <a:solidFill>
+                    <a:schemeClr val="tx1"/>
+                  </a:solidFill>
+                  <a:latin typeface="Verdana" panose="020B0604030504040204" pitchFamily="34" charset="0"/>
+                  <a:ea typeface="宋体" panose="02010600030101010101" pitchFamily="2" charset="-122"/>
+                </a:defRPr>
+              </a:lvl3pPr>
+              <a:lvl4pPr marL="1600200" indent="-228600" eaLnBrk="0" hangingPunct="0">
+                <a:defRPr>
+                  <a:solidFill>
+                    <a:schemeClr val="tx1"/>
+                  </a:solidFill>
+                  <a:latin typeface="Verdana" panose="020B0604030504040204" pitchFamily="34" charset="0"/>
+                  <a:ea typeface="宋体" panose="02010600030101010101" pitchFamily="2" charset="-122"/>
+                </a:defRPr>
+              </a:lvl4pPr>
+              <a:lvl5pPr marL="2057400" indent="-228600" eaLnBrk="0" hangingPunct="0">
+                <a:defRPr>
+                  <a:solidFill>
+                    <a:schemeClr val="tx1"/>
+                  </a:solidFill>
+                  <a:latin typeface="Verdana" panose="020B0604030504040204" pitchFamily="34" charset="0"/>
+                  <a:ea typeface="宋体" panose="02010600030101010101" pitchFamily="2" charset="-122"/>
+                </a:defRPr>
+              </a:lvl5pPr>
+              <a:lvl6pPr marL="2514600" indent="-228600" eaLnBrk="0" fontAlgn="base" hangingPunct="0">
+                <a:spcBef>
+                  <a:spcPct val="0"/>
+                </a:spcBef>
+                <a:spcAft>
+                  <a:spcPct val="0"/>
+                </a:spcAft>
+                <a:defRPr>
+                  <a:solidFill>
+                    <a:schemeClr val="tx1"/>
+                  </a:solidFill>
+                  <a:latin typeface="Verdana" panose="020B0604030504040204" pitchFamily="34" charset="0"/>
+                  <a:ea typeface="宋体" panose="02010600030101010101" pitchFamily="2" charset="-122"/>
+                </a:defRPr>
+              </a:lvl6pPr>
+              <a:lvl7pPr marL="2971800" indent="-228600" eaLnBrk="0" fontAlgn="base" hangingPunct="0">
+                <a:spcBef>
+                  <a:spcPct val="0"/>
+                </a:spcBef>
+                <a:spcAft>
+                  <a:spcPct val="0"/>
+                </a:spcAft>
+                <a:defRPr>
+                  <a:solidFill>
+                    <a:schemeClr val="tx1"/>
+                  </a:solidFill>
+                  <a:latin typeface="Verdana" panose="020B0604030504040204" pitchFamily="34" charset="0"/>
+                  <a:ea typeface="宋体" panose="02010600030101010101" pitchFamily="2" charset="-122"/>
+                </a:defRPr>
+              </a:lvl7pPr>
+              <a:lvl8pPr marL="3429000" indent="-228600" eaLnBrk="0" fontAlgn="base" hangingPunct="0">
+                <a:spcBef>
+                  <a:spcPct val="0"/>
+                </a:spcBef>
+                <a:spcAft>
+                  <a:spcPct val="0"/>
+                </a:spcAft>
+                <a:defRPr>
+                  <a:solidFill>
+                    <a:schemeClr val="tx1"/>
+                  </a:solidFill>
+                  <a:latin typeface="Verdana" panose="020B0604030504040204" pitchFamily="34" charset="0"/>
+                  <a:ea typeface="宋体" panose="02010600030101010101" pitchFamily="2" charset="-122"/>
+                </a:defRPr>
+              </a:lvl8pPr>
+              <a:lvl9pPr marL="3886200" indent="-228600" eaLnBrk="0" fontAlgn="base" hangingPunct="0">
+                <a:spcBef>
+                  <a:spcPct val="0"/>
+                </a:spcBef>
+                <a:spcAft>
+                  <a:spcPct val="0"/>
+                </a:spcAft>
+                <a:defRPr>
+                  <a:solidFill>
+                    <a:schemeClr val="tx1"/>
+                  </a:solidFill>
+                  <a:latin typeface="Verdana" panose="020B0604030504040204" pitchFamily="34" charset="0"/>
+                  <a:ea typeface="宋体" panose="02010600030101010101" pitchFamily="2" charset="-122"/>
+                </a:defRPr>
+              </a:lvl9pPr>
+            </a:lstStyle>
+            <a:p>
+              <a:pPr eaLnBrk="1" hangingPunct="1"/>
+              <a:r>
+                <a:rPr lang="en-US" altLang="zh-CN" sz="3600" b="1" dirty="0">
+                  <a:solidFill>
+                    <a:schemeClr val="bg1"/>
+                  </a:solidFill>
+                  <a:latin typeface="+mj-lt"/>
+                  <a:ea typeface="微软雅黑" panose="020B0503020204020204" pitchFamily="34" charset="-122"/>
+                </a:rPr>
+                <a:t>1</a:t>
+              </a:r>
+              <a:endParaRPr lang="zh-CN" altLang="en-US" sz="3600" b="1" dirty="0">
+                <a:solidFill>
+                  <a:schemeClr val="bg1"/>
+                </a:solidFill>
+                <a:latin typeface="+mj-lt"/>
+                <a:ea typeface="微软雅黑" panose="020B0503020204020204" pitchFamily="34" charset="-122"/>
+              </a:endParaRPr>
+            </a:p>
+          </p:txBody>
+        </p:sp>
+      </p:grpSp>
+      <p:grpSp>
+        <p:nvGrpSpPr>
+          <p:cNvPr id="13" name="组合 12"/>
+          <p:cNvGrpSpPr>
+            <a:grpSpLocks/>
+          </p:cNvGrpSpPr>
+          <p:nvPr/>
+        </p:nvGrpSpPr>
+        <p:grpSpPr bwMode="auto">
+          <a:xfrm>
+            <a:off x="1022573" y="3198313"/>
+            <a:ext cx="2074862" cy="832168"/>
+            <a:chOff x="765101" y="2306083"/>
+            <a:chExt cx="1296144" cy="576064"/>
+          </a:xfrm>
+          <a:solidFill>
+            <a:srgbClr val="287ED3"/>
+          </a:solidFill>
+        </p:grpSpPr>
+        <p:sp>
+          <p:nvSpPr>
+            <p:cNvPr id="14" name="五边形 13"/>
+            <p:cNvSpPr/>
+            <p:nvPr/>
+          </p:nvSpPr>
+          <p:spPr>
+            <a:xfrm>
+              <a:off x="765101" y="2306083"/>
+              <a:ext cx="1296144" cy="576064"/>
+            </a:xfrm>
+            <a:prstGeom prst="homePlate">
+              <a:avLst/>
+            </a:prstGeom>
+            <a:grpFill/>
+            <a:ln>
+              <a:noFill/>
+            </a:ln>
+          </p:spPr>
+          <p:style>
+            <a:lnRef idx="2">
+              <a:schemeClr val="accent1">
+                <a:shade val="50000"/>
+              </a:schemeClr>
+            </a:lnRef>
+            <a:fillRef idx="1">
+              <a:schemeClr val="accent1"/>
+            </a:fillRef>
+            <a:effectRef idx="0">
+              <a:schemeClr val="accent1"/>
+            </a:effectRef>
+            <a:fontRef idx="minor">
+              <a:schemeClr val="lt1"/>
+            </a:fontRef>
+          </p:style>
+          <p:txBody>
+            <a:bodyPr anchor="ctr"/>
+            <a:lstStyle/>
+            <a:p>
+              <a:pPr algn="ctr">
+                <a:defRPr/>
+              </a:pPr>
+              <a:endParaRPr lang="zh-CN" altLang="en-US" sz="3200">
+                <a:solidFill>
+                  <a:srgbClr val="287ED3"/>
+                </a:solidFill>
+              </a:endParaRPr>
+            </a:p>
+          </p:txBody>
+        </p:sp>
+        <p:sp>
+          <p:nvSpPr>
+            <p:cNvPr id="15" name="TextBox 20"/>
+            <p:cNvSpPr txBox="1">
+              <a:spLocks noChangeArrowheads="1"/>
+            </p:cNvSpPr>
+            <p:nvPr/>
+          </p:nvSpPr>
+          <p:spPr bwMode="auto">
+            <a:xfrm>
+              <a:off x="1271948" y="2409975"/>
+              <a:ext cx="260559" cy="447419"/>
+            </a:xfrm>
+            <a:prstGeom prst="rect">
+              <a:avLst/>
+            </a:prstGeom>
+            <a:noFill/>
+            <a:ln w="9525">
+              <a:noFill/>
+              <a:miter lim="800000"/>
+              <a:headEnd/>
+              <a:tailEnd/>
+            </a:ln>
+          </p:spPr>
+          <p:txBody>
+            <a:bodyPr wrap="none">
+              <a:spAutoFit/>
+            </a:bodyPr>
+            <a:lstStyle>
+              <a:lvl1pPr eaLnBrk="0" hangingPunct="0">
+                <a:defRPr>
+                  <a:solidFill>
+                    <a:schemeClr val="tx1"/>
+                  </a:solidFill>
+                  <a:latin typeface="Verdana" panose="020B0604030504040204" pitchFamily="34" charset="0"/>
+                  <a:ea typeface="宋体" panose="02010600030101010101" pitchFamily="2" charset="-122"/>
+                </a:defRPr>
+              </a:lvl1pPr>
+              <a:lvl2pPr marL="742950" indent="-285750" eaLnBrk="0" hangingPunct="0">
+                <a:defRPr>
+                  <a:solidFill>
+                    <a:schemeClr val="tx1"/>
+                  </a:solidFill>
+                  <a:latin typeface="Verdana" panose="020B0604030504040204" pitchFamily="34" charset="0"/>
+                  <a:ea typeface="宋体" panose="02010600030101010101" pitchFamily="2" charset="-122"/>
+                </a:defRPr>
+              </a:lvl2pPr>
+              <a:lvl3pPr marL="1143000" indent="-228600" eaLnBrk="0" hangingPunct="0">
+                <a:defRPr>
+                  <a:solidFill>
+                    <a:schemeClr val="tx1"/>
+                  </a:solidFill>
+                  <a:latin typeface="Verdana" panose="020B0604030504040204" pitchFamily="34" charset="0"/>
+                  <a:ea typeface="宋体" panose="02010600030101010101" pitchFamily="2" charset="-122"/>
+                </a:defRPr>
+              </a:lvl3pPr>
+              <a:lvl4pPr marL="1600200" indent="-228600" eaLnBrk="0" hangingPunct="0">
+                <a:defRPr>
+                  <a:solidFill>
+                    <a:schemeClr val="tx1"/>
+                  </a:solidFill>
+                  <a:latin typeface="Verdana" panose="020B0604030504040204" pitchFamily="34" charset="0"/>
+                  <a:ea typeface="宋体" panose="02010600030101010101" pitchFamily="2" charset="-122"/>
+                </a:defRPr>
+              </a:lvl4pPr>
+              <a:lvl5pPr marL="2057400" indent="-228600" eaLnBrk="0" hangingPunct="0">
+                <a:defRPr>
+                  <a:solidFill>
+                    <a:schemeClr val="tx1"/>
+                  </a:solidFill>
+                  <a:latin typeface="Verdana" panose="020B0604030504040204" pitchFamily="34" charset="0"/>
+                  <a:ea typeface="宋体" panose="02010600030101010101" pitchFamily="2" charset="-122"/>
+                </a:defRPr>
+              </a:lvl5pPr>
+              <a:lvl6pPr marL="2514600" indent="-228600" eaLnBrk="0" fontAlgn="base" hangingPunct="0">
+                <a:spcBef>
+                  <a:spcPct val="0"/>
+                </a:spcBef>
+                <a:spcAft>
+                  <a:spcPct val="0"/>
+                </a:spcAft>
+                <a:defRPr>
+                  <a:solidFill>
+                    <a:schemeClr val="tx1"/>
+                  </a:solidFill>
+                  <a:latin typeface="Verdana" panose="020B0604030504040204" pitchFamily="34" charset="0"/>
+                  <a:ea typeface="宋体" panose="02010600030101010101" pitchFamily="2" charset="-122"/>
+                </a:defRPr>
+              </a:lvl6pPr>
+              <a:lvl7pPr marL="2971800" indent="-228600" eaLnBrk="0" fontAlgn="base" hangingPunct="0">
+                <a:spcBef>
+                  <a:spcPct val="0"/>
+                </a:spcBef>
+                <a:spcAft>
+                  <a:spcPct val="0"/>
+                </a:spcAft>
+                <a:defRPr>
+                  <a:solidFill>
+                    <a:schemeClr val="tx1"/>
+                  </a:solidFill>
+                  <a:latin typeface="Verdana" panose="020B0604030504040204" pitchFamily="34" charset="0"/>
+                  <a:ea typeface="宋体" panose="02010600030101010101" pitchFamily="2" charset="-122"/>
+                </a:defRPr>
+              </a:lvl7pPr>
+              <a:lvl8pPr marL="3429000" indent="-228600" eaLnBrk="0" fontAlgn="base" hangingPunct="0">
+                <a:spcBef>
+                  <a:spcPct val="0"/>
+                </a:spcBef>
+                <a:spcAft>
+                  <a:spcPct val="0"/>
+                </a:spcAft>
+                <a:defRPr>
+                  <a:solidFill>
+                    <a:schemeClr val="tx1"/>
+                  </a:solidFill>
+                  <a:latin typeface="Verdana" panose="020B0604030504040204" pitchFamily="34" charset="0"/>
+                  <a:ea typeface="宋体" panose="02010600030101010101" pitchFamily="2" charset="-122"/>
+                </a:defRPr>
+              </a:lvl8pPr>
+              <a:lvl9pPr marL="3886200" indent="-228600" eaLnBrk="0" fontAlgn="base" hangingPunct="0">
+                <a:spcBef>
+                  <a:spcPct val="0"/>
+                </a:spcBef>
+                <a:spcAft>
+                  <a:spcPct val="0"/>
+                </a:spcAft>
+                <a:defRPr>
+                  <a:solidFill>
+                    <a:schemeClr val="tx1"/>
+                  </a:solidFill>
+                  <a:latin typeface="Verdana" panose="020B0604030504040204" pitchFamily="34" charset="0"/>
+                  <a:ea typeface="宋体" panose="02010600030101010101" pitchFamily="2" charset="-122"/>
+                </a:defRPr>
+              </a:lvl9pPr>
+            </a:lstStyle>
+            <a:p>
+              <a:pPr eaLnBrk="1" hangingPunct="1"/>
+              <a:r>
+                <a:rPr lang="en-US" altLang="zh-CN" sz="3600" b="1" dirty="0">
+                  <a:solidFill>
+                    <a:schemeClr val="bg1"/>
+                  </a:solidFill>
+                  <a:latin typeface="+mj-lt"/>
+                  <a:ea typeface="微软雅黑" panose="020B0503020204020204" pitchFamily="34" charset="-122"/>
+                </a:rPr>
+                <a:t>2</a:t>
+              </a:r>
+              <a:endParaRPr lang="zh-CN" altLang="en-US" sz="3600" b="1" dirty="0">
+                <a:solidFill>
+                  <a:schemeClr val="bg1"/>
+                </a:solidFill>
+                <a:latin typeface="+mj-lt"/>
+                <a:ea typeface="微软雅黑" panose="020B0503020204020204" pitchFamily="34" charset="-122"/>
+              </a:endParaRPr>
+            </a:p>
+          </p:txBody>
+        </p:sp>
+      </p:grpSp>
+      <p:grpSp>
+        <p:nvGrpSpPr>
+          <p:cNvPr id="16" name="组合 15"/>
+          <p:cNvGrpSpPr>
+            <a:grpSpLocks/>
+          </p:cNvGrpSpPr>
+          <p:nvPr/>
+        </p:nvGrpSpPr>
+        <p:grpSpPr bwMode="auto">
+          <a:xfrm>
+            <a:off x="1022573" y="4540901"/>
+            <a:ext cx="2074862" cy="832168"/>
+            <a:chOff x="765101" y="3649852"/>
+            <a:chExt cx="1296144" cy="576064"/>
+          </a:xfrm>
+          <a:solidFill>
+            <a:srgbClr val="287ED3"/>
+          </a:solidFill>
+        </p:grpSpPr>
+        <p:sp>
+          <p:nvSpPr>
+            <p:cNvPr id="17" name="五边形 16"/>
+            <p:cNvSpPr/>
+            <p:nvPr/>
+          </p:nvSpPr>
+          <p:spPr>
+            <a:xfrm>
+              <a:off x="765101" y="3649852"/>
+              <a:ext cx="1296144" cy="576064"/>
+            </a:xfrm>
+            <a:prstGeom prst="homePlate">
+              <a:avLst/>
+            </a:prstGeom>
+            <a:grpFill/>
+            <a:ln>
+              <a:noFill/>
+            </a:ln>
+          </p:spPr>
+          <p:style>
+            <a:lnRef idx="2">
+              <a:schemeClr val="accent1">
+                <a:shade val="50000"/>
+              </a:schemeClr>
+            </a:lnRef>
+            <a:fillRef idx="1">
+              <a:schemeClr val="accent1"/>
+            </a:fillRef>
+            <a:effectRef idx="0">
+              <a:schemeClr val="accent1"/>
+            </a:effectRef>
+            <a:fontRef idx="minor">
+              <a:schemeClr val="lt1"/>
+            </a:fontRef>
+          </p:style>
+          <p:txBody>
+            <a:bodyPr anchor="ctr"/>
+            <a:lstStyle/>
+            <a:p>
+              <a:pPr algn="ctr">
+                <a:defRPr/>
+              </a:pPr>
+              <a:endParaRPr lang="zh-CN" altLang="en-US" sz="3200">
+                <a:solidFill>
+                  <a:srgbClr val="287ED3"/>
+                </a:solidFill>
+              </a:endParaRPr>
+            </a:p>
+          </p:txBody>
+        </p:sp>
+        <p:sp>
+          <p:nvSpPr>
+            <p:cNvPr id="18" name="TextBox 21"/>
+            <p:cNvSpPr txBox="1">
+              <a:spLocks noChangeArrowheads="1"/>
+            </p:cNvSpPr>
+            <p:nvPr/>
+          </p:nvSpPr>
+          <p:spPr bwMode="auto">
+            <a:xfrm>
+              <a:off x="1271948" y="3766404"/>
+              <a:ext cx="268570" cy="447419"/>
+            </a:xfrm>
+            <a:prstGeom prst="rect">
+              <a:avLst/>
+            </a:prstGeom>
+            <a:noFill/>
+            <a:ln w="9525">
+              <a:noFill/>
+              <a:miter lim="800000"/>
+              <a:headEnd/>
+              <a:tailEnd/>
+            </a:ln>
+          </p:spPr>
+          <p:txBody>
+            <a:bodyPr wrap="none">
+              <a:spAutoFit/>
+            </a:bodyPr>
+            <a:lstStyle>
+              <a:lvl1pPr eaLnBrk="0" hangingPunct="0">
+                <a:defRPr>
+                  <a:solidFill>
+                    <a:schemeClr val="tx1"/>
+                  </a:solidFill>
+                  <a:latin typeface="Verdana" panose="020B0604030504040204" pitchFamily="34" charset="0"/>
+                  <a:ea typeface="宋体" panose="02010600030101010101" pitchFamily="2" charset="-122"/>
+                </a:defRPr>
+              </a:lvl1pPr>
+              <a:lvl2pPr marL="742950" indent="-285750" eaLnBrk="0" hangingPunct="0">
+                <a:defRPr>
+                  <a:solidFill>
+                    <a:schemeClr val="tx1"/>
+                  </a:solidFill>
+                  <a:latin typeface="Verdana" panose="020B0604030504040204" pitchFamily="34" charset="0"/>
+                  <a:ea typeface="宋体" panose="02010600030101010101" pitchFamily="2" charset="-122"/>
+                </a:defRPr>
+              </a:lvl2pPr>
+              <a:lvl3pPr marL="1143000" indent="-228600" eaLnBrk="0" hangingPunct="0">
+                <a:defRPr>
+                  <a:solidFill>
+                    <a:schemeClr val="tx1"/>
+                  </a:solidFill>
+                  <a:latin typeface="Verdana" panose="020B0604030504040204" pitchFamily="34" charset="0"/>
+                  <a:ea typeface="宋体" panose="02010600030101010101" pitchFamily="2" charset="-122"/>
+                </a:defRPr>
+              </a:lvl3pPr>
+              <a:lvl4pPr marL="1600200" indent="-228600" eaLnBrk="0" hangingPunct="0">
+                <a:defRPr>
+                  <a:solidFill>
+                    <a:schemeClr val="tx1"/>
+                  </a:solidFill>
+                  <a:latin typeface="Verdana" panose="020B0604030504040204" pitchFamily="34" charset="0"/>
+                  <a:ea typeface="宋体" panose="02010600030101010101" pitchFamily="2" charset="-122"/>
+                </a:defRPr>
+              </a:lvl4pPr>
+              <a:lvl5pPr marL="2057400" indent="-228600" eaLnBrk="0" hangingPunct="0">
+                <a:defRPr>
+                  <a:solidFill>
+                    <a:schemeClr val="tx1"/>
+                  </a:solidFill>
+                  <a:latin typeface="Verdana" panose="020B0604030504040204" pitchFamily="34" charset="0"/>
+                  <a:ea typeface="宋体" panose="02010600030101010101" pitchFamily="2" charset="-122"/>
+                </a:defRPr>
+              </a:lvl5pPr>
+              <a:lvl6pPr marL="2514600" indent="-228600" eaLnBrk="0" fontAlgn="base" hangingPunct="0">
+                <a:spcBef>
+                  <a:spcPct val="0"/>
+                </a:spcBef>
+                <a:spcAft>
+                  <a:spcPct val="0"/>
+                </a:spcAft>
+                <a:defRPr>
+                  <a:solidFill>
+                    <a:schemeClr val="tx1"/>
+                  </a:solidFill>
+                  <a:latin typeface="Verdana" panose="020B0604030504040204" pitchFamily="34" charset="0"/>
+                  <a:ea typeface="宋体" panose="02010600030101010101" pitchFamily="2" charset="-122"/>
+                </a:defRPr>
+              </a:lvl6pPr>
+              <a:lvl7pPr marL="2971800" indent="-228600" eaLnBrk="0" fontAlgn="base" hangingPunct="0">
+                <a:spcBef>
+                  <a:spcPct val="0"/>
+                </a:spcBef>
+                <a:spcAft>
+                  <a:spcPct val="0"/>
+                </a:spcAft>
+                <a:defRPr>
+                  <a:solidFill>
+                    <a:schemeClr val="tx1"/>
+                  </a:solidFill>
+                  <a:latin typeface="Verdana" panose="020B0604030504040204" pitchFamily="34" charset="0"/>
+                  <a:ea typeface="宋体" panose="02010600030101010101" pitchFamily="2" charset="-122"/>
+                </a:defRPr>
+              </a:lvl7pPr>
+              <a:lvl8pPr marL="3429000" indent="-228600" eaLnBrk="0" fontAlgn="base" hangingPunct="0">
+                <a:spcBef>
+                  <a:spcPct val="0"/>
+                </a:spcBef>
+                <a:spcAft>
+                  <a:spcPct val="0"/>
+                </a:spcAft>
+                <a:defRPr>
+                  <a:solidFill>
+                    <a:schemeClr val="tx1"/>
+                  </a:solidFill>
+                  <a:latin typeface="Verdana" panose="020B0604030504040204" pitchFamily="34" charset="0"/>
+                  <a:ea typeface="宋体" panose="02010600030101010101" pitchFamily="2" charset="-122"/>
+                </a:defRPr>
+              </a:lvl8pPr>
+              <a:lvl9pPr marL="3886200" indent="-228600" eaLnBrk="0" fontAlgn="base" hangingPunct="0">
+                <a:spcBef>
+                  <a:spcPct val="0"/>
+                </a:spcBef>
+                <a:spcAft>
+                  <a:spcPct val="0"/>
+                </a:spcAft>
+                <a:defRPr>
+                  <a:solidFill>
+                    <a:schemeClr val="tx1"/>
+                  </a:solidFill>
+                  <a:latin typeface="Verdana" panose="020B0604030504040204" pitchFamily="34" charset="0"/>
+                  <a:ea typeface="宋体" panose="02010600030101010101" pitchFamily="2" charset="-122"/>
+                </a:defRPr>
+              </a:lvl9pPr>
+            </a:lstStyle>
+            <a:p>
+              <a:pPr eaLnBrk="1" hangingPunct="1"/>
+              <a:r>
+                <a:rPr lang="en-US" altLang="zh-CN" sz="3600" b="1" dirty="0">
+                  <a:solidFill>
+                    <a:schemeClr val="bg1"/>
+                  </a:solidFill>
+                  <a:latin typeface="+mj-lt"/>
+                  <a:ea typeface="微软雅黑" panose="020B0503020204020204" pitchFamily="34" charset="-122"/>
+                </a:rPr>
+                <a:t>3</a:t>
+              </a:r>
+              <a:endParaRPr lang="zh-CN" altLang="en-US" sz="3600" b="1" dirty="0">
+                <a:solidFill>
+                  <a:schemeClr val="bg1"/>
+                </a:solidFill>
+                <a:latin typeface="+mj-lt"/>
+                <a:ea typeface="微软雅黑" panose="020B0503020204020204" pitchFamily="34" charset="-122"/>
+              </a:endParaRPr>
+            </a:p>
+          </p:txBody>
+        </p:sp>
+      </p:grpSp>
+      <p:cxnSp>
+        <p:nvCxnSpPr>
+          <p:cNvPr id="19" name="直接连接符 18"/>
+          <p:cNvCxnSpPr/>
+          <p:nvPr/>
+        </p:nvCxnSpPr>
+        <p:spPr>
+          <a:xfrm>
+            <a:off x="3088592" y="2254994"/>
+            <a:ext cx="3563937" cy="0"/>
+          </a:xfrm>
+          <a:prstGeom prst="line">
+            <a:avLst/>
+          </a:prstGeom>
+          <a:ln>
+            <a:solidFill>
+              <a:srgbClr val="287ED3"/>
+            </a:solidFill>
+            <a:tailEnd type="oval"/>
+          </a:ln>
+        </p:spPr>
+        <p:style>
+          <a:lnRef idx="1">
+            <a:schemeClr val="accent1"/>
+          </a:lnRef>
+          <a:fillRef idx="0">
+            <a:schemeClr val="accent1"/>
+          </a:fillRef>
+          <a:effectRef idx="0">
+            <a:schemeClr val="accent1"/>
+          </a:effectRef>
+          <a:fontRef idx="minor">
+            <a:schemeClr val="tx1"/>
+          </a:fontRef>
+        </p:style>
+      </p:cxnSp>
+      <p:cxnSp>
+        <p:nvCxnSpPr>
+          <p:cNvPr id="20" name="直接连接符 19"/>
+          <p:cNvCxnSpPr/>
+          <p:nvPr/>
+        </p:nvCxnSpPr>
+        <p:spPr>
+          <a:xfrm>
+            <a:off x="3088592" y="3598019"/>
+            <a:ext cx="3563937" cy="0"/>
+          </a:xfrm>
+          <a:prstGeom prst="line">
+            <a:avLst/>
+          </a:prstGeom>
+          <a:ln>
+            <a:solidFill>
+              <a:srgbClr val="287ED3"/>
+            </a:solidFill>
+            <a:tailEnd type="oval"/>
+          </a:ln>
+        </p:spPr>
+        <p:style>
+          <a:lnRef idx="1">
+            <a:schemeClr val="accent1"/>
+          </a:lnRef>
+          <a:fillRef idx="0">
+            <a:schemeClr val="accent1"/>
+          </a:fillRef>
+          <a:effectRef idx="0">
+            <a:schemeClr val="accent1"/>
+          </a:effectRef>
+          <a:fontRef idx="minor">
+            <a:schemeClr val="tx1"/>
+          </a:fontRef>
+        </p:style>
+      </p:cxnSp>
+      <p:cxnSp>
+        <p:nvCxnSpPr>
+          <p:cNvPr id="21" name="直接连接符 20"/>
+          <p:cNvCxnSpPr/>
+          <p:nvPr/>
+        </p:nvCxnSpPr>
+        <p:spPr>
+          <a:xfrm>
+            <a:off x="3091767" y="4942632"/>
+            <a:ext cx="3563937" cy="0"/>
+          </a:xfrm>
+          <a:prstGeom prst="line">
+            <a:avLst/>
+          </a:prstGeom>
+          <a:ln>
+            <a:solidFill>
+              <a:srgbClr val="287ED3"/>
+            </a:solidFill>
+            <a:tailEnd type="oval"/>
+          </a:ln>
+        </p:spPr>
+        <p:style>
+          <a:lnRef idx="1">
+            <a:schemeClr val="accent1"/>
+          </a:lnRef>
+          <a:fillRef idx="0">
+            <a:schemeClr val="accent1"/>
+          </a:fillRef>
+          <a:effectRef idx="0">
+            <a:schemeClr val="accent1"/>
+          </a:effectRef>
+          <a:fontRef idx="minor">
+            <a:schemeClr val="tx1"/>
+          </a:fontRef>
+        </p:style>
+      </p:cxnSp>
+      <p:sp>
+        <p:nvSpPr>
+          <p:cNvPr id="40" name="TextBox 47"/>
+          <p:cNvSpPr txBox="1"/>
+          <p:nvPr/>
+        </p:nvSpPr>
+        <p:spPr bwMode="auto">
+          <a:xfrm>
+            <a:off x="3088592" y="1853701"/>
+            <a:ext cx="8027764" cy="338554"/>
+          </a:xfrm>
+          <a:prstGeom prst="rect">
+            <a:avLst/>
+          </a:prstGeom>
+          <a:noFill/>
+        </p:spPr>
+        <p:txBody>
+          <a:bodyPr wrap="square">
+            <a:spAutoFit/>
+          </a:bodyPr>
+          <a:lstStyle/>
+          <a:p>
+            <a:pPr lvl="0">
+              <a:defRPr/>
+            </a:pPr>
+            <a:r>
+              <a:rPr lang="zh-CN" altLang="zh-CN" sz="1600" dirty="0" smtClean="0"/>
+              <a:t>更</a:t>
+            </a:r>
+            <a:r>
+              <a:rPr lang="zh-CN" altLang="zh-CN" sz="1600" dirty="0" smtClean="0"/>
+              <a:t>全面的获取其它数据</a:t>
+            </a:r>
+            <a:r>
+              <a:rPr lang="zh-CN" altLang="zh-CN" sz="1600" dirty="0" smtClean="0"/>
+              <a:t>集，</a:t>
+            </a:r>
+            <a:r>
+              <a:rPr lang="zh-CN" altLang="zh-CN" sz="1600" dirty="0" smtClean="0"/>
+              <a:t>在更多的数据集上进行分析、实验和研究。</a:t>
+            </a:r>
+            <a:endParaRPr lang="zh-CN" altLang="en-US" sz="1600" dirty="0">
+              <a:latin typeface="微软雅黑" panose="020B0503020204020204" pitchFamily="34" charset="-122"/>
+              <a:ea typeface="微软雅黑" panose="020B0503020204020204" pitchFamily="34" charset="-122"/>
+            </a:endParaRPr>
+          </a:p>
+        </p:txBody>
+      </p:sp>
+      <p:sp>
+        <p:nvSpPr>
+          <p:cNvPr id="43" name="TextBox 47"/>
+          <p:cNvSpPr txBox="1"/>
+          <p:nvPr/>
+        </p:nvSpPr>
+        <p:spPr bwMode="auto">
+          <a:xfrm>
+            <a:off x="3062393" y="2985444"/>
+            <a:ext cx="8027765" cy="830997"/>
+          </a:xfrm>
+          <a:prstGeom prst="rect">
+            <a:avLst/>
+          </a:prstGeom>
+          <a:noFill/>
+        </p:spPr>
+        <p:txBody>
+          <a:bodyPr wrap="square">
+            <a:spAutoFit/>
+          </a:bodyPr>
+          <a:lstStyle/>
+          <a:p>
+            <a:pPr lvl="0"/>
+            <a:r>
+              <a:rPr lang="zh-CN" altLang="zh-CN" sz="1600" dirty="0" smtClean="0"/>
+              <a:t>采用</a:t>
+            </a:r>
+            <a:r>
+              <a:rPr lang="zh-CN" altLang="zh-CN" sz="1600" dirty="0"/>
+              <a:t>机器学习的方法来对文本进行情感分析</a:t>
+            </a:r>
+            <a:r>
+              <a:rPr lang="zh-CN" altLang="zh-CN" sz="1600" dirty="0" smtClean="0"/>
+              <a:t>，并</a:t>
+            </a:r>
+            <a:r>
+              <a:rPr lang="zh-CN" altLang="zh-CN" sz="1600" dirty="0"/>
+              <a:t>可以结合深度学习的方法，来学习和挖掘出用户的特征，预测用户的行为，对用户进行精准的推荐。</a:t>
+            </a:r>
+          </a:p>
+          <a:p>
+            <a:pPr lvl="0">
+              <a:defRPr/>
+            </a:pPr>
+            <a:endParaRPr lang="zh-CN" altLang="en-US" sz="1600" dirty="0">
+              <a:latin typeface="微软雅黑" panose="020B0503020204020204" pitchFamily="34" charset="-122"/>
+              <a:ea typeface="微软雅黑" panose="020B0503020204020204" pitchFamily="34" charset="-122"/>
+            </a:endParaRPr>
+          </a:p>
+        </p:txBody>
+      </p:sp>
+      <p:sp>
+        <p:nvSpPr>
+          <p:cNvPr id="44" name="TextBox 47"/>
+          <p:cNvSpPr txBox="1"/>
+          <p:nvPr/>
+        </p:nvSpPr>
+        <p:spPr bwMode="auto">
+          <a:xfrm>
+            <a:off x="3065689" y="4326861"/>
+            <a:ext cx="8027765" cy="830997"/>
+          </a:xfrm>
+          <a:prstGeom prst="rect">
+            <a:avLst/>
+          </a:prstGeom>
+          <a:noFill/>
+        </p:spPr>
+        <p:txBody>
+          <a:bodyPr wrap="square">
+            <a:spAutoFit/>
+          </a:bodyPr>
+          <a:lstStyle/>
+          <a:p>
+            <a:pPr lvl="0"/>
+            <a:r>
+              <a:rPr lang="zh-CN" altLang="zh-CN" sz="1600" dirty="0" smtClean="0"/>
+              <a:t>随着</a:t>
+            </a:r>
+            <a:r>
+              <a:rPr lang="zh-CN" altLang="zh-CN" sz="1600" dirty="0"/>
+              <a:t>技术的发展，云计算和大数据技术的普及</a:t>
+            </a:r>
+            <a:r>
+              <a:rPr lang="zh-CN" altLang="zh-CN" sz="1600" dirty="0" smtClean="0"/>
+              <a:t>，我</a:t>
+            </a:r>
+            <a:r>
+              <a:rPr lang="zh-CN" altLang="zh-CN" sz="1600" dirty="0"/>
+              <a:t>将考虑结合大数据和并行计算技术对现有算法进行改进，提高计算的效率和推荐的性能。</a:t>
+            </a:r>
+          </a:p>
+          <a:p>
+            <a:pPr lvl="0">
+              <a:defRPr/>
+            </a:pPr>
+            <a:endParaRPr lang="zh-CN" altLang="en-US" sz="1600" dirty="0">
+              <a:latin typeface="微软雅黑" panose="020B0503020204020204" pitchFamily="34" charset="-122"/>
+              <a:ea typeface="微软雅黑" panose="020B0503020204020204" pitchFamily="34" charset="-122"/>
+            </a:endParaRPr>
+          </a:p>
+        </p:txBody>
+      </p:sp>
+    </p:spTree>
+    <p:extLst>
+      <p:ext uri="{BB962C8B-B14F-4D97-AF65-F5344CB8AC3E}">
+        <p14:creationId xmlns:p14="http://schemas.microsoft.com/office/powerpoint/2010/main" val="1864265246"/>
+      </p:ext>
+    </p:extLst>
+  </p:cSld>
+  <p:clrMapOvr>
+    <a:masterClrMapping/>
+  </p:clrMapOvr>
+  <p:transition spd="slow">
+    <p:randomBar dir="vert"/>
+  </p:transition>
+  <p:timing>
+    <p:tnLst>
+      <p:par>
+        <p:cTn id="1" dur="indefinite" restart="never" nodeType="tmRoot"/>
+      </p:par>
+    </p:tnLst>
+  </p:timing>
+</p:sld>
+</file>
+
+<file path=ppt/slides/slide28.xml><?xml version="1.0" encoding="utf-8"?>
+<p:sld xmlns:a="http://schemas.openxmlformats.org/drawingml/2006/main" xmlns:r="http://schemas.openxmlformats.org/officeDocument/2006/relationships" xmlns:p="http://schemas.openxmlformats.org/presentationml/2006/main">
+  <p:cSld>
+    <p:spTree>
+      <p:nvGrpSpPr>
+        <p:cNvPr id="1" name=""/>
+        <p:cNvGrpSpPr/>
+        <p:nvPr/>
+      </p:nvGrpSpPr>
+      <p:grpSpPr>
+        <a:xfrm>
+          <a:off x="0" y="0"/>
+          <a:ext cx="0" cy="0"/>
+          <a:chOff x="0" y="0"/>
+          <a:chExt cx="0" cy="0"/>
+        </a:xfrm>
+      </p:grpSpPr>
+      <p:graphicFrame>
+        <p:nvGraphicFramePr>
+          <p:cNvPr id="5" name="表格 4"/>
+          <p:cNvGraphicFramePr>
+            <a:graphicFrameLocks noGrp="1"/>
+          </p:cNvGraphicFramePr>
+          <p:nvPr>
+            <p:extLst>
+              <p:ext uri="{D42A27DB-BD31-4B8C-83A1-F6EECF244321}">
+                <p14:modId xmlns:p14="http://schemas.microsoft.com/office/powerpoint/2010/main" val="183614713"/>
+              </p:ext>
+            </p:extLst>
+          </p:nvPr>
+        </p:nvGraphicFramePr>
+        <p:xfrm>
+          <a:off x="1447799" y="892629"/>
+          <a:ext cx="9100457" cy="5349750"/>
+        </p:xfrm>
+        <a:graphic>
+          <a:graphicData uri="http://schemas.openxmlformats.org/drawingml/2006/table">
+            <a:tbl>
+              <a:tblPr firstRow="1" bandRow="1">
+                <a:tableStyleId>{5C22544A-7EE6-4342-B048-85BDC9FD1C3A}</a:tableStyleId>
+              </a:tblPr>
+              <a:tblGrid>
+                <a:gridCol w="9100457"/>
+              </a:tblGrid>
+              <a:tr h="979277">
+                <a:tc>
+                  <a:txBody>
+                    <a:bodyPr/>
+                    <a:lstStyle/>
+                    <a:p>
+                      <a:pPr algn="ctr">
+                        <a:spcBef>
+                          <a:spcPct val="0"/>
+                        </a:spcBef>
+                      </a:pPr>
+                      <a:r>
+                        <a:rPr lang="zh-CN" altLang="en-US" sz="3200" b="1" dirty="0" smtClean="0">
+                          <a:latin typeface="+mj-lt"/>
+                          <a:ea typeface="宋体" panose="02010600030101010101" pitchFamily="2" charset="-122"/>
+                          <a:cs typeface="仿宋_GB2312"/>
+                        </a:rPr>
+                        <a:t>从事的科研工作及成果</a:t>
+                      </a:r>
+                      <a:endParaRPr lang="zh-CN" altLang="en-US" sz="3200" b="1" dirty="0">
+                        <a:latin typeface="+mj-lt"/>
+                        <a:ea typeface="宋体" panose="02010600030101010101" pitchFamily="2" charset="-122"/>
+                        <a:cs typeface="仿宋_GB2312"/>
+                      </a:endParaRPr>
+                    </a:p>
+                  </a:txBody>
+                  <a:tcPr anchor="ctr">
+                    <a:lnL w="12700" cmpd="sng">
+                      <a:noFill/>
+                    </a:lnL>
+                    <a:lnR w="12700" cap="flat" cmpd="sng" algn="ctr">
+                      <a:noFill/>
+                      <a:prstDash val="solid"/>
+                      <a:round/>
+                      <a:headEnd type="none" w="med" len="med"/>
+                      <a:tailEnd type="none" w="med" len="med"/>
+                    </a:lnR>
+                    <a:lnT w="12700" cmpd="sng">
+                      <a:noFill/>
+                    </a:lnT>
+                    <a:lnB w="38100" cmpd="sng">
+                      <a:noFill/>
+                    </a:lnB>
+                    <a:lnTlToBr w="12700" cmpd="sng">
+                      <a:noFill/>
+                      <a:prstDash val="solid"/>
+                    </a:lnTlToBr>
+                    <a:lnBlToTr w="12700" cmpd="sng">
+                      <a:noFill/>
+                      <a:prstDash val="solid"/>
+                    </a:lnBlToTr>
+                    <a:solidFill>
+                      <a:schemeClr val="accent6">
+                        <a:lumMod val="50000"/>
+                      </a:schemeClr>
+                    </a:solidFill>
+                  </a:tcPr>
+                </a:tc>
+              </a:tr>
+              <a:tr h="164233">
+                <a:tc>
+                  <a:txBody>
+                    <a:bodyPr/>
+                    <a:lstStyle/>
+                    <a:p>
+                      <a:endParaRPr lang="zh-CN" altLang="en-US" sz="300" dirty="0">
+                        <a:latin typeface="+mj-lt"/>
+                        <a:ea typeface="宋体" panose="02010600030101010101" pitchFamily="2" charset="-122"/>
+                      </a:endParaRPr>
+                    </a:p>
+                  </a:txBody>
+                  <a:tcPr>
+                    <a:lnL w="12700" cmpd="sng">
+                      <a:noFill/>
+                    </a:lnL>
+                    <a:lnR w="12700" cap="flat" cmpd="sng" algn="ctr">
+                      <a:noFill/>
+                      <a:prstDash val="solid"/>
+                      <a:round/>
+                      <a:headEnd type="none" w="med" len="med"/>
+                      <a:tailEnd type="none" w="med" len="med"/>
+                    </a:lnR>
+                    <a:lnT w="38100" cmpd="sng">
+                      <a:noFill/>
+                    </a:lnT>
+                    <a:lnB w="12700" cap="flat" cmpd="sng" algn="ctr">
+                      <a:solidFill>
+                        <a:schemeClr val="bg1"/>
+                      </a:solidFill>
+                      <a:prstDash val="solid"/>
+                      <a:round/>
+                      <a:headEnd type="none" w="med" len="med"/>
+                      <a:tailEnd type="none" w="med" len="med"/>
+                    </a:lnB>
+                    <a:lnTlToBr w="12700" cmpd="sng">
+                      <a:noFill/>
+                      <a:prstDash val="solid"/>
+                    </a:lnTlToBr>
+                    <a:lnBlToTr w="12700" cmpd="sng">
+                      <a:noFill/>
+                      <a:prstDash val="solid"/>
+                    </a:lnBlToTr>
+                    <a:solidFill>
+                      <a:srgbClr val="000000"/>
+                    </a:solidFill>
+                  </a:tcPr>
+                </a:tc>
+              </a:tr>
+              <a:tr h="3961890">
+                <a:tc>
+                  <a:txBody>
+                    <a:bodyPr/>
+                    <a:lstStyle/>
+                    <a:p>
+                      <a:r>
+                        <a:rPr lang="zh-CN" altLang="zh-CN" sz="1800" b="1" kern="1200" dirty="0" smtClean="0">
+                          <a:solidFill>
+                            <a:schemeClr val="dk1"/>
+                          </a:solidFill>
+                          <a:effectLst/>
+                          <a:latin typeface="+mj-lt"/>
+                          <a:ea typeface="宋体" panose="02010600030101010101" pitchFamily="2" charset="-122"/>
+                          <a:cs typeface="+mn-cs"/>
+                        </a:rPr>
+                        <a:t>参与科研项目：</a:t>
+                      </a:r>
+                      <a:endParaRPr lang="zh-CN" altLang="zh-CN" sz="1800" kern="1200" dirty="0" smtClean="0">
+                        <a:solidFill>
+                          <a:schemeClr val="dk1"/>
+                        </a:solidFill>
+                        <a:effectLst/>
+                        <a:latin typeface="+mj-lt"/>
+                        <a:ea typeface="宋体" panose="02010600030101010101" pitchFamily="2" charset="-122"/>
+                        <a:cs typeface="+mn-cs"/>
+                      </a:endParaRPr>
+                    </a:p>
+                    <a:p>
+                      <a:pPr lvl="0" fontAlgn="base"/>
+                      <a:r>
+                        <a:rPr lang="zh-CN" altLang="zh-CN" sz="1800" kern="1200" dirty="0" smtClean="0">
+                          <a:solidFill>
+                            <a:schemeClr val="dk1"/>
+                          </a:solidFill>
+                          <a:effectLst/>
+                          <a:latin typeface="+mj-lt"/>
+                          <a:ea typeface="宋体" panose="02010600030101010101" pitchFamily="2" charset="-122"/>
+                          <a:cs typeface="+mn-cs"/>
+                        </a:rPr>
+                        <a:t>国家自然科学基金项目</a:t>
+                      </a:r>
+                      <a:r>
+                        <a:rPr lang="en-US" altLang="zh-CN" sz="1800" kern="1200" dirty="0" smtClean="0">
+                          <a:solidFill>
+                            <a:schemeClr val="dk1"/>
+                          </a:solidFill>
+                          <a:effectLst/>
+                          <a:latin typeface="+mj-lt"/>
+                          <a:ea typeface="宋体" panose="02010600030101010101" pitchFamily="2" charset="-122"/>
+                          <a:cs typeface="+mn-cs"/>
+                        </a:rPr>
+                        <a:t>(61075019)</a:t>
+                      </a:r>
+                      <a:r>
+                        <a:rPr lang="zh-CN" altLang="zh-CN" sz="1800" kern="1200" dirty="0" smtClean="0">
+                          <a:solidFill>
+                            <a:schemeClr val="dk1"/>
+                          </a:solidFill>
+                          <a:effectLst/>
+                          <a:latin typeface="+mj-lt"/>
+                          <a:ea typeface="宋体" panose="02010600030101010101" pitchFamily="2" charset="-122"/>
+                          <a:cs typeface="+mn-cs"/>
+                        </a:rPr>
+                        <a:t>，项目名称：三支决策聚类理论与方法研究，项目参与年限：</a:t>
+                      </a:r>
+                      <a:r>
+                        <a:rPr lang="en-US" altLang="zh-CN" sz="1800" kern="1200" dirty="0" smtClean="0">
+                          <a:solidFill>
+                            <a:schemeClr val="dk1"/>
+                          </a:solidFill>
+                          <a:effectLst/>
+                          <a:latin typeface="+mj-lt"/>
+                          <a:ea typeface="宋体" panose="02010600030101010101" pitchFamily="2" charset="-122"/>
+                          <a:cs typeface="+mn-cs"/>
+                        </a:rPr>
+                        <a:t>2014.1-2017.12</a:t>
+                      </a:r>
+                      <a:endParaRPr lang="zh-CN" altLang="zh-CN" sz="1800" kern="1200" dirty="0" smtClean="0">
+                        <a:solidFill>
+                          <a:schemeClr val="dk1"/>
+                        </a:solidFill>
+                        <a:effectLst/>
+                        <a:latin typeface="+mj-lt"/>
+                        <a:ea typeface="宋体" panose="02010600030101010101" pitchFamily="2" charset="-122"/>
+                        <a:cs typeface="+mn-cs"/>
+                      </a:endParaRPr>
+                    </a:p>
+                    <a:p>
+                      <a:pPr lvl="0" fontAlgn="base"/>
+                      <a:r>
+                        <a:rPr lang="zh-CN" altLang="zh-CN" sz="1800" kern="1200" dirty="0" smtClean="0">
+                          <a:solidFill>
+                            <a:schemeClr val="dk1"/>
+                          </a:solidFill>
+                          <a:effectLst/>
+                          <a:latin typeface="+mj-lt"/>
+                          <a:ea typeface="宋体" panose="02010600030101010101" pitchFamily="2" charset="-122"/>
+                          <a:cs typeface="+mn-cs"/>
+                        </a:rPr>
+                        <a:t>重庆市自然科学基金项目</a:t>
+                      </a:r>
+                      <a:r>
+                        <a:rPr lang="en-US" altLang="zh-CN" sz="1800" kern="1200" dirty="0" smtClean="0">
+                          <a:solidFill>
+                            <a:schemeClr val="dk1"/>
+                          </a:solidFill>
+                          <a:effectLst/>
+                          <a:latin typeface="+mj-lt"/>
+                          <a:ea typeface="宋体" panose="02010600030101010101" pitchFamily="2" charset="-122"/>
+                          <a:cs typeface="+mn-cs"/>
+                        </a:rPr>
+                        <a:t>(</a:t>
+                      </a:r>
+                      <a:r>
+                        <a:rPr lang="en-US" altLang="zh-CN" sz="1800" kern="1200" dirty="0" err="1" smtClean="0">
+                          <a:solidFill>
+                            <a:schemeClr val="dk1"/>
+                          </a:solidFill>
+                          <a:effectLst/>
+                          <a:latin typeface="+mj-lt"/>
+                          <a:ea typeface="宋体" panose="02010600030101010101" pitchFamily="2" charset="-122"/>
+                          <a:cs typeface="+mn-cs"/>
+                        </a:rPr>
+                        <a:t>CSTC2014jcyjA40047</a:t>
+                      </a:r>
+                      <a:r>
+                        <a:rPr lang="en-US" altLang="zh-CN" sz="1800" kern="1200" dirty="0" smtClean="0">
+                          <a:solidFill>
+                            <a:schemeClr val="dk1"/>
+                          </a:solidFill>
+                          <a:effectLst/>
+                          <a:latin typeface="+mj-lt"/>
+                          <a:ea typeface="宋体" panose="02010600030101010101" pitchFamily="2" charset="-122"/>
+                          <a:cs typeface="+mn-cs"/>
+                        </a:rPr>
+                        <a:t>)</a:t>
+                      </a:r>
+                      <a:r>
+                        <a:rPr lang="zh-CN" altLang="zh-CN" sz="1800" kern="1200" dirty="0" smtClean="0">
+                          <a:solidFill>
+                            <a:schemeClr val="dk1"/>
+                          </a:solidFill>
+                          <a:effectLst/>
+                          <a:latin typeface="+mj-lt"/>
+                          <a:ea typeface="宋体" panose="02010600030101010101" pitchFamily="2" charset="-122"/>
+                          <a:cs typeface="+mn-cs"/>
+                        </a:rPr>
+                        <a:t>；项目名称：多智能体网络分组一致动力学行为分析与研究，项目参与年限：</a:t>
+                      </a:r>
+                      <a:r>
+                        <a:rPr lang="en-US" altLang="zh-CN" sz="1800" kern="1200" dirty="0" smtClean="0">
+                          <a:solidFill>
+                            <a:schemeClr val="dk1"/>
+                          </a:solidFill>
+                          <a:effectLst/>
+                          <a:latin typeface="+mj-lt"/>
+                          <a:ea typeface="宋体" panose="02010600030101010101" pitchFamily="2" charset="-122"/>
+                          <a:cs typeface="+mn-cs"/>
+                        </a:rPr>
+                        <a:t>2014.07-2017.06</a:t>
+                      </a:r>
+                      <a:endParaRPr lang="zh-CN" altLang="zh-CN" sz="1800" kern="1200" dirty="0" smtClean="0">
+                        <a:solidFill>
+                          <a:schemeClr val="dk1"/>
+                        </a:solidFill>
+                        <a:effectLst/>
+                        <a:latin typeface="+mj-lt"/>
+                        <a:ea typeface="宋体" panose="02010600030101010101" pitchFamily="2" charset="-122"/>
+                        <a:cs typeface="+mn-cs"/>
+                      </a:endParaRPr>
+                    </a:p>
+                    <a:p>
+                      <a:pPr lvl="0" fontAlgn="base"/>
+                      <a:r>
+                        <a:rPr lang="zh-CN" altLang="zh-CN" sz="1800" kern="1200" dirty="0" smtClean="0">
+                          <a:solidFill>
+                            <a:schemeClr val="dk1"/>
+                          </a:solidFill>
+                          <a:effectLst/>
+                          <a:latin typeface="+mj-lt"/>
+                          <a:ea typeface="宋体" panose="02010600030101010101" pitchFamily="2" charset="-122"/>
+                          <a:cs typeface="+mn-cs"/>
+                        </a:rPr>
+                        <a:t>重庆市教委研究项目</a:t>
+                      </a:r>
+                      <a:r>
+                        <a:rPr lang="en-US" altLang="zh-CN" sz="1800" kern="1200" dirty="0" smtClean="0">
+                          <a:solidFill>
+                            <a:schemeClr val="dk1"/>
+                          </a:solidFill>
+                          <a:effectLst/>
+                          <a:latin typeface="+mj-lt"/>
+                          <a:ea typeface="宋体" panose="02010600030101010101" pitchFamily="2" charset="-122"/>
+                          <a:cs typeface="+mn-cs"/>
+                        </a:rPr>
+                        <a:t>(</a:t>
+                      </a:r>
+                      <a:r>
+                        <a:rPr lang="en-US" altLang="zh-CN" sz="1800" kern="1200" dirty="0" err="1" smtClean="0">
+                          <a:solidFill>
+                            <a:schemeClr val="dk1"/>
+                          </a:solidFill>
+                          <a:effectLst/>
+                          <a:latin typeface="+mj-lt"/>
+                          <a:ea typeface="宋体" panose="02010600030101010101" pitchFamily="2" charset="-122"/>
+                          <a:cs typeface="+mn-cs"/>
+                        </a:rPr>
+                        <a:t>KJ1400403</a:t>
+                      </a:r>
+                      <a:r>
+                        <a:rPr lang="en-US" altLang="zh-CN" sz="1800" kern="1200" dirty="0" smtClean="0">
+                          <a:solidFill>
+                            <a:schemeClr val="dk1"/>
+                          </a:solidFill>
+                          <a:effectLst/>
+                          <a:latin typeface="+mj-lt"/>
+                          <a:ea typeface="宋体" panose="02010600030101010101" pitchFamily="2" charset="-122"/>
+                          <a:cs typeface="+mn-cs"/>
+                        </a:rPr>
+                        <a:t>)</a:t>
+                      </a:r>
+                      <a:r>
+                        <a:rPr lang="zh-CN" altLang="zh-CN" sz="1800" kern="1200" dirty="0" smtClean="0">
+                          <a:solidFill>
+                            <a:schemeClr val="dk1"/>
+                          </a:solidFill>
+                          <a:effectLst/>
+                          <a:latin typeface="+mj-lt"/>
+                          <a:ea typeface="宋体" panose="02010600030101010101" pitchFamily="2" charset="-122"/>
+                          <a:cs typeface="+mn-cs"/>
+                        </a:rPr>
+                        <a:t>；项目名称：多智能体复杂网络的牵制一致性研究；项目参与年限：</a:t>
+                      </a:r>
+                      <a:r>
+                        <a:rPr lang="en-US" altLang="zh-CN" sz="1800" kern="1200" dirty="0" smtClean="0">
+                          <a:solidFill>
+                            <a:schemeClr val="dk1"/>
+                          </a:solidFill>
+                          <a:effectLst/>
+                          <a:latin typeface="+mj-lt"/>
+                          <a:ea typeface="宋体" panose="02010600030101010101" pitchFamily="2" charset="-122"/>
+                          <a:cs typeface="+mn-cs"/>
+                        </a:rPr>
+                        <a:t>2014.1-2015.12</a:t>
+                      </a:r>
+                      <a:endParaRPr lang="zh-CN" altLang="zh-CN" sz="1800" kern="1200" dirty="0" smtClean="0">
+                        <a:solidFill>
+                          <a:schemeClr val="dk1"/>
+                        </a:solidFill>
+                        <a:effectLst/>
+                        <a:latin typeface="+mj-lt"/>
+                        <a:ea typeface="宋体" panose="02010600030101010101" pitchFamily="2" charset="-122"/>
+                        <a:cs typeface="+mn-cs"/>
+                      </a:endParaRPr>
+                    </a:p>
+                    <a:p>
+                      <a:pPr lvl="0" fontAlgn="base"/>
+                      <a:r>
+                        <a:rPr lang="zh-CN" altLang="zh-CN" sz="1800" kern="1200" dirty="0" smtClean="0">
+                          <a:solidFill>
+                            <a:schemeClr val="dk1"/>
+                          </a:solidFill>
+                          <a:effectLst/>
+                          <a:latin typeface="+mj-lt"/>
+                          <a:ea typeface="宋体" panose="02010600030101010101" pitchFamily="2" charset="-122"/>
+                          <a:cs typeface="+mn-cs"/>
+                        </a:rPr>
+                        <a:t>重庆邮电大学博士启动项目</a:t>
+                      </a:r>
+                      <a:r>
+                        <a:rPr lang="en-US" altLang="zh-CN" sz="1800" kern="1200" dirty="0" smtClean="0">
+                          <a:solidFill>
+                            <a:schemeClr val="dk1"/>
+                          </a:solidFill>
+                          <a:effectLst/>
+                          <a:latin typeface="+mj-lt"/>
+                          <a:ea typeface="宋体" panose="02010600030101010101" pitchFamily="2" charset="-122"/>
+                          <a:cs typeface="+mn-cs"/>
+                        </a:rPr>
+                        <a:t>(</a:t>
+                      </a:r>
+                      <a:r>
+                        <a:rPr lang="en-US" altLang="zh-CN" sz="1800" kern="1200" dirty="0" err="1" smtClean="0">
+                          <a:solidFill>
+                            <a:schemeClr val="dk1"/>
+                          </a:solidFill>
+                          <a:effectLst/>
+                          <a:latin typeface="+mj-lt"/>
+                          <a:ea typeface="宋体" panose="02010600030101010101" pitchFamily="2" charset="-122"/>
+                          <a:cs typeface="+mn-cs"/>
+                        </a:rPr>
+                        <a:t>A2014</a:t>
+                      </a:r>
+                      <a:r>
+                        <a:rPr lang="en-US" altLang="zh-CN" sz="1800" kern="1200" dirty="0" smtClean="0">
+                          <a:solidFill>
+                            <a:schemeClr val="dk1"/>
+                          </a:solidFill>
+                          <a:effectLst/>
+                          <a:latin typeface="+mj-lt"/>
+                          <a:ea typeface="宋体" panose="02010600030101010101" pitchFamily="2" charset="-122"/>
+                          <a:cs typeface="+mn-cs"/>
+                        </a:rPr>
+                        <a:t>-20)</a:t>
+                      </a:r>
+                      <a:r>
+                        <a:rPr lang="zh-CN" altLang="zh-CN" sz="1800" kern="1200" dirty="0" smtClean="0">
+                          <a:solidFill>
+                            <a:schemeClr val="dk1"/>
+                          </a:solidFill>
+                          <a:effectLst/>
+                          <a:latin typeface="+mj-lt"/>
+                          <a:ea typeface="宋体" panose="02010600030101010101" pitchFamily="2" charset="-122"/>
+                          <a:cs typeface="+mn-cs"/>
+                        </a:rPr>
+                        <a:t>；项目名称：多智能体网络分组一致性问题研究；项目参与年限：</a:t>
+                      </a:r>
+                      <a:r>
+                        <a:rPr lang="en-US" altLang="zh-CN" sz="1800" kern="1200" dirty="0" smtClean="0">
+                          <a:solidFill>
+                            <a:schemeClr val="dk1"/>
+                          </a:solidFill>
+                          <a:effectLst/>
+                          <a:latin typeface="+mj-lt"/>
+                          <a:ea typeface="宋体" panose="02010600030101010101" pitchFamily="2" charset="-122"/>
+                          <a:cs typeface="+mn-cs"/>
+                        </a:rPr>
+                        <a:t>2014.1-2017.9</a:t>
+                      </a:r>
+                      <a:endParaRPr lang="zh-CN" altLang="zh-CN" sz="1800" kern="1200" dirty="0" smtClean="0">
+                        <a:solidFill>
+                          <a:schemeClr val="dk1"/>
+                        </a:solidFill>
+                        <a:effectLst/>
+                        <a:latin typeface="+mj-lt"/>
+                        <a:ea typeface="宋体" panose="02010600030101010101" pitchFamily="2" charset="-122"/>
+                        <a:cs typeface="+mn-cs"/>
+                      </a:endParaRPr>
+                    </a:p>
+                    <a:p>
+                      <a:pPr fontAlgn="base"/>
+                      <a:r>
+                        <a:rPr lang="en-US" altLang="zh-CN" sz="1800" kern="1200" dirty="0" smtClean="0">
+                          <a:solidFill>
+                            <a:schemeClr val="dk1"/>
+                          </a:solidFill>
+                          <a:effectLst/>
+                          <a:latin typeface="+mj-lt"/>
+                          <a:ea typeface="宋体" panose="02010600030101010101" pitchFamily="2" charset="-122"/>
+                          <a:cs typeface="+mn-cs"/>
+                        </a:rPr>
+                        <a:t> </a:t>
+                      </a:r>
+                      <a:endParaRPr lang="zh-CN" altLang="zh-CN" sz="1800" kern="1200" dirty="0" smtClean="0">
+                        <a:solidFill>
+                          <a:schemeClr val="dk1"/>
+                        </a:solidFill>
+                        <a:effectLst/>
+                        <a:latin typeface="+mj-lt"/>
+                        <a:ea typeface="宋体" panose="02010600030101010101" pitchFamily="2" charset="-122"/>
+                        <a:cs typeface="+mn-cs"/>
+                      </a:endParaRPr>
+                    </a:p>
+                    <a:p>
+                      <a:r>
+                        <a:rPr lang="zh-CN" altLang="zh-CN" sz="1800" b="1" kern="1200" dirty="0" smtClean="0">
+                          <a:solidFill>
+                            <a:schemeClr val="dk1"/>
+                          </a:solidFill>
+                          <a:effectLst/>
+                          <a:latin typeface="+mj-lt"/>
+                          <a:ea typeface="宋体" panose="02010600030101010101" pitchFamily="2" charset="-122"/>
+                          <a:cs typeface="+mn-cs"/>
+                        </a:rPr>
+                        <a:t>发表及完成论文：</a:t>
+                      </a:r>
+                      <a:endParaRPr lang="zh-CN" altLang="zh-CN" sz="1800" kern="1200" dirty="0" smtClean="0">
+                        <a:solidFill>
+                          <a:schemeClr val="dk1"/>
+                        </a:solidFill>
+                        <a:effectLst/>
+                        <a:latin typeface="+mj-lt"/>
+                        <a:ea typeface="宋体" panose="02010600030101010101" pitchFamily="2" charset="-122"/>
+                        <a:cs typeface="+mn-cs"/>
+                      </a:endParaRPr>
+                    </a:p>
+                    <a:p>
+                      <a:pPr lvl="0"/>
+                      <a:r>
+                        <a:rPr lang="zh-CN" altLang="zh-CN" sz="1800" kern="1200" dirty="0" smtClean="0">
+                          <a:solidFill>
+                            <a:schemeClr val="dk1"/>
+                          </a:solidFill>
+                          <a:effectLst/>
+                          <a:latin typeface="+mj-lt"/>
+                          <a:ea typeface="宋体" panose="02010600030101010101" pitchFamily="2" charset="-122"/>
+                          <a:cs typeface="+mn-cs"/>
+                        </a:rPr>
+                        <a:t>刘群，</a:t>
+                      </a:r>
+                      <a:r>
+                        <a:rPr lang="zh-CN" altLang="zh-CN" sz="1800" b="1" kern="1200" dirty="0" smtClean="0">
+                          <a:solidFill>
+                            <a:schemeClr val="dk1"/>
+                          </a:solidFill>
+                          <a:effectLst/>
+                          <a:latin typeface="+mj-lt"/>
+                          <a:ea typeface="宋体" panose="02010600030101010101" pitchFamily="2" charset="-122"/>
+                          <a:cs typeface="+mn-cs"/>
+                        </a:rPr>
+                        <a:t>孙红涛</a:t>
+                      </a:r>
+                      <a:r>
+                        <a:rPr lang="zh-CN" altLang="zh-CN" sz="1800" kern="1200" dirty="0" smtClean="0">
+                          <a:solidFill>
+                            <a:schemeClr val="dk1"/>
+                          </a:solidFill>
+                          <a:effectLst/>
+                          <a:latin typeface="+mj-lt"/>
+                          <a:ea typeface="宋体" panose="02010600030101010101" pitchFamily="2" charset="-122"/>
+                          <a:cs typeface="+mn-cs"/>
+                        </a:rPr>
+                        <a:t>，纪良浩</a:t>
+                      </a:r>
+                      <a:r>
+                        <a:rPr lang="en-US" altLang="zh-CN" sz="1800" kern="1200" dirty="0" smtClean="0">
+                          <a:solidFill>
+                            <a:schemeClr val="dk1"/>
+                          </a:solidFill>
+                          <a:effectLst/>
+                          <a:latin typeface="+mj-lt"/>
+                          <a:ea typeface="宋体" panose="02010600030101010101" pitchFamily="2" charset="-122"/>
+                          <a:cs typeface="+mn-cs"/>
+                        </a:rPr>
+                        <a:t>.</a:t>
+                      </a:r>
+                      <a:r>
+                        <a:rPr lang="zh-CN" altLang="zh-CN" sz="1800" kern="1200" dirty="0" smtClean="0">
+                          <a:solidFill>
+                            <a:schemeClr val="dk1"/>
+                          </a:solidFill>
+                          <a:effectLst/>
+                          <a:latin typeface="+mj-lt"/>
+                          <a:ea typeface="宋体" panose="02010600030101010101" pitchFamily="2" charset="-122"/>
+                          <a:cs typeface="+mn-cs"/>
+                        </a:rPr>
+                        <a:t>一种融合文本语义和情感分析的好友推荐方法研究</a:t>
+                      </a:r>
+                      <a:r>
+                        <a:rPr lang="en-US" altLang="zh-CN" sz="1800" kern="1200" dirty="0" smtClean="0">
+                          <a:solidFill>
+                            <a:schemeClr val="dk1"/>
+                          </a:solidFill>
+                          <a:effectLst/>
+                          <a:latin typeface="+mj-lt"/>
+                          <a:ea typeface="宋体" panose="02010600030101010101" pitchFamily="2" charset="-122"/>
+                          <a:cs typeface="+mn-cs"/>
+                        </a:rPr>
+                        <a:t>[J].(</a:t>
+                      </a:r>
+                      <a:r>
+                        <a:rPr lang="zh-CN" altLang="zh-CN" sz="1800" kern="1200" dirty="0" smtClean="0">
+                          <a:solidFill>
+                            <a:schemeClr val="dk1"/>
+                          </a:solidFill>
+                          <a:effectLst/>
+                          <a:latin typeface="+mj-lt"/>
+                          <a:ea typeface="宋体" panose="02010600030101010101" pitchFamily="2" charset="-122"/>
+                          <a:cs typeface="+mn-cs"/>
+                        </a:rPr>
+                        <a:t>二类期刊，已录用</a:t>
+                      </a:r>
+                      <a:r>
+                        <a:rPr lang="en-US" altLang="zh-CN" sz="1800" kern="1200" dirty="0" smtClean="0">
+                          <a:solidFill>
+                            <a:schemeClr val="dk1"/>
+                          </a:solidFill>
+                          <a:effectLst/>
+                          <a:latin typeface="+mj-lt"/>
+                          <a:ea typeface="宋体" panose="02010600030101010101" pitchFamily="2" charset="-122"/>
+                          <a:cs typeface="+mn-cs"/>
+                        </a:rPr>
+                        <a:t>)</a:t>
+                      </a:r>
+                      <a:endParaRPr lang="zh-CN" altLang="zh-CN" sz="1800" kern="1200" dirty="0" smtClean="0">
+                        <a:solidFill>
+                          <a:schemeClr val="dk1"/>
+                        </a:solidFill>
+                        <a:effectLst/>
+                        <a:latin typeface="+mj-lt"/>
+                        <a:ea typeface="宋体" panose="02010600030101010101" pitchFamily="2" charset="-122"/>
+                        <a:cs typeface="+mn-cs"/>
+                      </a:endParaRPr>
+                    </a:p>
+                    <a:p>
+                      <a:pPr lvl="0"/>
+                      <a:r>
+                        <a:rPr lang="zh-CN" altLang="zh-CN" sz="1800" kern="1200" dirty="0" smtClean="0">
+                          <a:solidFill>
+                            <a:schemeClr val="dk1"/>
+                          </a:solidFill>
+                          <a:effectLst/>
+                          <a:latin typeface="+mj-lt"/>
+                          <a:ea typeface="宋体" panose="02010600030101010101" pitchFamily="2" charset="-122"/>
+                          <a:cs typeface="+mn-cs"/>
+                        </a:rPr>
+                        <a:t>刘荣鑫，</a:t>
+                      </a:r>
+                      <a:r>
+                        <a:rPr lang="zh-CN" altLang="zh-CN" sz="1800" b="1" kern="1200" dirty="0" smtClean="0">
+                          <a:solidFill>
+                            <a:schemeClr val="dk1"/>
+                          </a:solidFill>
+                          <a:effectLst/>
+                          <a:latin typeface="+mj-lt"/>
+                          <a:ea typeface="宋体" panose="02010600030101010101" pitchFamily="2" charset="-122"/>
+                          <a:cs typeface="+mn-cs"/>
+                        </a:rPr>
+                        <a:t>孙红涛</a:t>
+                      </a:r>
+                      <a:r>
+                        <a:rPr lang="zh-CN" altLang="zh-CN" sz="1800" kern="1200" dirty="0" smtClean="0">
+                          <a:solidFill>
+                            <a:schemeClr val="dk1"/>
+                          </a:solidFill>
+                          <a:effectLst/>
+                          <a:latin typeface="+mj-lt"/>
+                          <a:ea typeface="宋体" panose="02010600030101010101" pitchFamily="2" charset="-122"/>
+                          <a:cs typeface="+mn-cs"/>
+                        </a:rPr>
+                        <a:t>，李晓冰，杨鸿滟，刘群，一种基于</a:t>
+                      </a:r>
+                      <a:r>
+                        <a:rPr lang="en-US" altLang="zh-CN" sz="1800" kern="1200" dirty="0" err="1" smtClean="0">
+                          <a:solidFill>
+                            <a:schemeClr val="dk1"/>
+                          </a:solidFill>
+                          <a:effectLst/>
+                          <a:latin typeface="+mj-lt"/>
+                          <a:ea typeface="宋体" panose="02010600030101010101" pitchFamily="2" charset="-122"/>
+                          <a:cs typeface="+mn-cs"/>
+                        </a:rPr>
+                        <a:t>LBS</a:t>
+                      </a:r>
+                      <a:r>
+                        <a:rPr lang="zh-CN" altLang="zh-CN" sz="1800" kern="1200" dirty="0" smtClean="0">
+                          <a:solidFill>
+                            <a:schemeClr val="dk1"/>
+                          </a:solidFill>
+                          <a:effectLst/>
+                          <a:latin typeface="+mj-lt"/>
+                          <a:ea typeface="宋体" panose="02010600030101010101" pitchFamily="2" charset="-122"/>
+                          <a:cs typeface="+mn-cs"/>
+                        </a:rPr>
+                        <a:t>的微信用户行为的交友方式</a:t>
+                      </a:r>
+                      <a:r>
+                        <a:rPr lang="en-US" altLang="zh-CN" sz="1800" kern="1200" dirty="0" smtClean="0">
+                          <a:solidFill>
+                            <a:schemeClr val="dk1"/>
+                          </a:solidFill>
+                          <a:effectLst/>
+                          <a:latin typeface="+mj-lt"/>
+                          <a:ea typeface="宋体" panose="02010600030101010101" pitchFamily="2" charset="-122"/>
+                          <a:cs typeface="+mn-cs"/>
+                        </a:rPr>
+                        <a:t>[P].(</a:t>
+                      </a:r>
+                      <a:r>
+                        <a:rPr lang="zh-CN" altLang="zh-CN" sz="1800" kern="1200" dirty="0" smtClean="0">
+                          <a:solidFill>
+                            <a:schemeClr val="dk1"/>
+                          </a:solidFill>
+                          <a:effectLst/>
+                          <a:latin typeface="+mj-lt"/>
+                          <a:ea typeface="宋体" panose="02010600030101010101" pitchFamily="2" charset="-122"/>
+                          <a:cs typeface="+mn-cs"/>
+                        </a:rPr>
+                        <a:t>已申请</a:t>
+                      </a:r>
+                      <a:r>
+                        <a:rPr lang="en-US" altLang="zh-CN" sz="1800" kern="1200" dirty="0" smtClean="0">
+                          <a:solidFill>
+                            <a:schemeClr val="dk1"/>
+                          </a:solidFill>
+                          <a:effectLst/>
+                          <a:latin typeface="+mj-lt"/>
+                          <a:ea typeface="宋体" panose="02010600030101010101" pitchFamily="2" charset="-122"/>
+                          <a:cs typeface="+mn-cs"/>
+                        </a:rPr>
+                        <a:t>)</a:t>
+                      </a:r>
+                      <a:endParaRPr lang="zh-CN" altLang="zh-CN" sz="1800" kern="1200" dirty="0" smtClean="0">
+                        <a:solidFill>
+                          <a:schemeClr val="dk1"/>
+                        </a:solidFill>
+                        <a:effectLst/>
+                        <a:latin typeface="+mj-lt"/>
+                        <a:ea typeface="宋体" panose="02010600030101010101" pitchFamily="2" charset="-122"/>
+                        <a:cs typeface="+mn-cs"/>
+                      </a:endParaRPr>
+                    </a:p>
+                  </a:txBody>
+                  <a:tcPr anchor="ctr">
+                    <a:lnL w="12700" cap="flat" cmpd="sng" algn="ctr">
+                      <a:noFill/>
+                      <a:prstDash val="solid"/>
+                      <a:round/>
+                      <a:headEnd type="none" w="med" len="med"/>
+                      <a:tailEnd type="none" w="med" len="med"/>
+                    </a:lnL>
+                    <a:lnR w="12700" cap="flat" cmpd="sng" algn="ctr">
+                      <a:noFill/>
+                      <a:prstDash val="solid"/>
+                      <a:round/>
+                      <a:headEnd type="none" w="med" len="med"/>
+                      <a:tailEnd type="none" w="med" len="med"/>
+                    </a:lnR>
+                    <a:lnT w="12700" cap="flat" cmpd="sng" algn="ctr">
+                      <a:solidFill>
+                        <a:schemeClr val="bg1"/>
+                      </a:solidFill>
+                      <a:prstDash val="solid"/>
+                      <a:round/>
+                      <a:headEnd type="none" w="med" len="med"/>
+                      <a:tailEnd type="none" w="med" len="med"/>
+                    </a:lnT>
+                    <a:lnB w="19050" cap="flat" cmpd="sng" algn="ctr">
+                      <a:solidFill>
+                        <a:schemeClr val="bg1">
+                          <a:lumMod val="85000"/>
+                        </a:schemeClr>
+                      </a:solidFill>
+                      <a:prstDash val="solid"/>
+                      <a:round/>
+                      <a:headEnd type="none" w="med" len="med"/>
+                      <a:tailEnd type="none" w="med" len="med"/>
+                    </a:lnB>
+                    <a:lnTlToBr w="12700" cap="flat" cmpd="sng" algn="ctr">
+                      <a:noFill/>
+                      <a:prstDash val="solid"/>
+                      <a:round/>
+                      <a:headEnd type="none" w="med" len="med"/>
+                      <a:tailEnd type="none" w="med" len="med"/>
+                    </a:lnTlToBr>
+                    <a:lnBlToTr w="12700" cmpd="sng">
+                      <a:noFill/>
+                      <a:prstDash val="solid"/>
+                    </a:lnBlToTr>
+                    <a:solidFill>
+                      <a:schemeClr val="bg1">
+                        <a:lumMod val="95000"/>
+                      </a:schemeClr>
+                    </a:solidFill>
+                  </a:tcPr>
+                </a:tc>
+              </a:tr>
+            </a:tbl>
+          </a:graphicData>
+        </a:graphic>
+      </p:graphicFrame>
+    </p:spTree>
+    <p:extLst>
+      <p:ext uri="{BB962C8B-B14F-4D97-AF65-F5344CB8AC3E}">
+        <p14:creationId xmlns:p14="http://schemas.microsoft.com/office/powerpoint/2010/main" val="2035214771"/>
+      </p:ext>
+    </p:extLst>
+  </p:cSld>
+  <p:clrMapOvr>
+    <a:masterClrMapping/>
+  </p:clrMapOvr>
+  <p:timing>
+    <p:tnLst>
+      <p:par>
+        <p:cTn id="1" dur="indefinite" restart="never" nodeType="tmRoot"/>
+      </p:par>
+    </p:tnLst>
+  </p:timing>
+</p:sld>
+</file>
+
+<file path=ppt/slides/slide29.xml><?xml version="1.0" encoding="utf-8"?>
+<p:sld xmlns:a="http://schemas.openxmlformats.org/drawingml/2006/main" xmlns:r="http://schemas.openxmlformats.org/officeDocument/2006/relationships" xmlns:p="http://schemas.openxmlformats.org/presentationml/2006/main">
+  <p:cSld>
+    <p:spTree>
+      <p:nvGrpSpPr>
+        <p:cNvPr id="1" name=""/>
+        <p:cNvGrpSpPr/>
+        <p:nvPr/>
+      </p:nvGrpSpPr>
+      <p:grpSpPr>
+        <a:xfrm>
+          <a:off x="0" y="0"/>
+          <a:ext cx="0" cy="0"/>
+          <a:chOff x="0" y="0"/>
+          <a:chExt cx="0" cy="0"/>
+        </a:xfrm>
+      </p:grpSpPr>
+      <p:graphicFrame>
+        <p:nvGraphicFramePr>
+          <p:cNvPr id="3" name="表格 2"/>
+          <p:cNvGraphicFramePr>
+            <a:graphicFrameLocks noGrp="1"/>
+          </p:cNvGraphicFramePr>
+          <p:nvPr>
+            <p:extLst>
+              <p:ext uri="{D42A27DB-BD31-4B8C-83A1-F6EECF244321}">
+                <p14:modId xmlns:p14="http://schemas.microsoft.com/office/powerpoint/2010/main" val="892136516"/>
+              </p:ext>
+            </p:extLst>
+          </p:nvPr>
+        </p:nvGraphicFramePr>
+        <p:xfrm>
+          <a:off x="1447799" y="892629"/>
+          <a:ext cx="9100457" cy="5105400"/>
+        </p:xfrm>
+        <a:graphic>
+          <a:graphicData uri="http://schemas.openxmlformats.org/drawingml/2006/table">
+            <a:tbl>
+              <a:tblPr firstRow="1" bandRow="1">
+                <a:tableStyleId>{5C22544A-7EE6-4342-B048-85BDC9FD1C3A}</a:tableStyleId>
+              </a:tblPr>
+              <a:tblGrid>
+                <a:gridCol w="9100457"/>
+              </a:tblGrid>
+              <a:tr h="979277">
+                <a:tc>
+                  <a:txBody>
+                    <a:bodyPr/>
+                    <a:lstStyle/>
+                    <a:p>
+                      <a:pPr algn="ctr" eaLnBrk="1" hangingPunct="1">
+                        <a:spcBef>
+                          <a:spcPct val="0"/>
+                        </a:spcBef>
+                        <a:buFont typeface="Arial" panose="020B0604020202020204" pitchFamily="34" charset="0"/>
+                        <a:buNone/>
+                      </a:pPr>
+                      <a:r>
+                        <a:rPr lang="zh-CN" altLang="en-US" sz="3200" b="1" dirty="0" smtClean="0">
+                          <a:solidFill>
+                            <a:schemeClr val="bg1"/>
+                          </a:solidFill>
+                          <a:latin typeface="微软雅黑" panose="020B0503020204020204" pitchFamily="34" charset="-122"/>
+                          <a:ea typeface="微软雅黑" panose="020B0503020204020204" pitchFamily="34" charset="-122"/>
+                          <a:sym typeface="微软雅黑" panose="020B0503020204020204" pitchFamily="34" charset="-122"/>
+                        </a:rPr>
+                        <a:t>致谢</a:t>
+                      </a:r>
+                      <a:endParaRPr lang="zh-CN" altLang="zh-CN" sz="3200" b="1" dirty="0">
+                        <a:solidFill>
+                          <a:schemeClr val="bg1"/>
+                        </a:solidFill>
+                        <a:latin typeface="微软雅黑" panose="020B0503020204020204" pitchFamily="34" charset="-122"/>
+                        <a:ea typeface="微软雅黑" panose="020B0503020204020204" pitchFamily="34" charset="-122"/>
+                        <a:sym typeface="微软雅黑" panose="020B0503020204020204" pitchFamily="34" charset="-122"/>
+                      </a:endParaRPr>
+                    </a:p>
+                  </a:txBody>
+                  <a:tcPr anchor="ctr">
+                    <a:lnL w="12700" cmpd="sng">
+                      <a:noFill/>
+                    </a:lnL>
+                    <a:lnR w="12700" cap="flat" cmpd="sng" algn="ctr">
+                      <a:noFill/>
+                      <a:prstDash val="solid"/>
+                      <a:round/>
+                      <a:headEnd type="none" w="med" len="med"/>
+                      <a:tailEnd type="none" w="med" len="med"/>
+                    </a:lnR>
+                    <a:lnT w="12700" cmpd="sng">
+                      <a:noFill/>
+                    </a:lnT>
+                    <a:lnB w="38100" cmpd="sng">
+                      <a:noFill/>
+                    </a:lnB>
+                    <a:lnTlToBr w="12700" cmpd="sng">
+                      <a:noFill/>
+                      <a:prstDash val="solid"/>
+                    </a:lnTlToBr>
+                    <a:lnBlToTr w="12700" cmpd="sng">
+                      <a:noFill/>
+                      <a:prstDash val="solid"/>
+                    </a:lnBlToTr>
+                    <a:solidFill>
+                      <a:schemeClr val="accent6">
+                        <a:lumMod val="50000"/>
+                      </a:schemeClr>
+                    </a:solidFill>
+                  </a:tcPr>
+                </a:tc>
+              </a:tr>
+              <a:tr h="164233">
+                <a:tc>
+                  <a:txBody>
+                    <a:bodyPr/>
+                    <a:lstStyle/>
+                    <a:p>
+                      <a:endParaRPr lang="zh-CN" altLang="en-US" sz="300" dirty="0">
+                        <a:latin typeface="宋体" panose="02010600030101010101" pitchFamily="2" charset="-122"/>
+                        <a:ea typeface="宋体" panose="02010600030101010101" pitchFamily="2" charset="-122"/>
+                      </a:endParaRPr>
+                    </a:p>
+                  </a:txBody>
+                  <a:tcPr>
+                    <a:lnL w="12700" cmpd="sng">
+                      <a:noFill/>
+                    </a:lnL>
+                    <a:lnR w="12700" cap="flat" cmpd="sng" algn="ctr">
+                      <a:noFill/>
+                      <a:prstDash val="solid"/>
+                      <a:round/>
+                      <a:headEnd type="none" w="med" len="med"/>
+                      <a:tailEnd type="none" w="med" len="med"/>
+                    </a:lnR>
+                    <a:lnT w="38100" cmpd="sng">
+                      <a:noFill/>
+                    </a:lnT>
+                    <a:lnB w="12700" cap="flat" cmpd="sng" algn="ctr">
+                      <a:solidFill>
+                        <a:schemeClr val="bg1"/>
+                      </a:solidFill>
+                      <a:prstDash val="solid"/>
+                      <a:round/>
+                      <a:headEnd type="none" w="med" len="med"/>
+                      <a:tailEnd type="none" w="med" len="med"/>
+                    </a:lnB>
+                    <a:lnTlToBr w="12700" cmpd="sng">
+                      <a:noFill/>
+                      <a:prstDash val="solid"/>
+                    </a:lnTlToBr>
+                    <a:lnBlToTr w="12700" cmpd="sng">
+                      <a:noFill/>
+                      <a:prstDash val="solid"/>
+                    </a:lnBlToTr>
+                    <a:solidFill>
+                      <a:srgbClr val="000000"/>
+                    </a:solidFill>
+                  </a:tcPr>
+                </a:tc>
+              </a:tr>
+              <a:tr h="3961890">
+                <a:tc>
+                  <a:txBody>
+                    <a:bodyPr/>
+                    <a:lstStyle/>
+                    <a:p>
+                      <a:pPr eaLnBrk="1" hangingPunct="1">
+                        <a:lnSpc>
+                          <a:spcPct val="200000"/>
+                        </a:lnSpc>
+                        <a:buFont typeface="Wingdings" panose="05000000000000000000" pitchFamily="2" charset="2"/>
+                        <a:buChar char="Ø"/>
+                      </a:pPr>
+                      <a:r>
+                        <a:rPr lang="zh-CN" altLang="en-US" sz="2000" b="1" dirty="0" smtClean="0">
+                          <a:latin typeface="宋体" panose="02010600030101010101" pitchFamily="2" charset="-122"/>
+                          <a:ea typeface="宋体" panose="02010600030101010101" pitchFamily="2" charset="-122"/>
+                          <a:cs typeface="Levenim MT" panose="02010502060101010101" pitchFamily="2" charset="-79"/>
+                        </a:rPr>
+                        <a:t>衷心感谢导师</a:t>
+                      </a:r>
+                      <a:r>
+                        <a:rPr lang="zh-CN" altLang="en-US" sz="2000" b="1" dirty="0" smtClean="0">
+                          <a:solidFill>
+                            <a:srgbClr val="FF0000"/>
+                          </a:solidFill>
+                          <a:latin typeface="宋体" panose="02010600030101010101" pitchFamily="2" charset="-122"/>
+                          <a:ea typeface="宋体" panose="02010600030101010101" pitchFamily="2" charset="-122"/>
+                          <a:cs typeface="Levenim MT" panose="02010502060101010101" pitchFamily="2" charset="-79"/>
+                        </a:rPr>
+                        <a:t>刘群教授</a:t>
+                      </a:r>
+                      <a:r>
+                        <a:rPr lang="zh-CN" altLang="en-US" sz="2000" b="1" dirty="0" smtClean="0">
+                          <a:latin typeface="宋体" panose="02010600030101010101" pitchFamily="2" charset="-122"/>
+                          <a:ea typeface="宋体" panose="02010600030101010101" pitchFamily="2" charset="-122"/>
+                          <a:cs typeface="Levenim MT" panose="02010502060101010101" pitchFamily="2" charset="-79"/>
+                        </a:rPr>
+                        <a:t>三年的谆谆教导。</a:t>
+                      </a:r>
+                      <a:endParaRPr lang="en-US" altLang="zh-CN" sz="2000" b="1" dirty="0" smtClean="0">
+                        <a:latin typeface="宋体" panose="02010600030101010101" pitchFamily="2" charset="-122"/>
+                        <a:ea typeface="宋体" panose="02010600030101010101" pitchFamily="2" charset="-122"/>
+                        <a:cs typeface="Levenim MT" panose="02010502060101010101" pitchFamily="2" charset="-79"/>
+                      </a:endParaRPr>
+                    </a:p>
+                    <a:p>
+                      <a:pPr eaLnBrk="1" hangingPunct="1">
+                        <a:lnSpc>
+                          <a:spcPct val="200000"/>
+                        </a:lnSpc>
+                        <a:spcBef>
+                          <a:spcPct val="0"/>
+                        </a:spcBef>
+                        <a:buFont typeface="Wingdings" panose="05000000000000000000" pitchFamily="2" charset="2"/>
+                        <a:buChar char="Ø"/>
+                      </a:pPr>
+                      <a:r>
+                        <a:rPr lang="zh-CN" altLang="en-US" sz="2000" b="1" dirty="0" smtClean="0">
+                          <a:latin typeface="宋体" panose="02010600030101010101" pitchFamily="2" charset="-122"/>
+                          <a:ea typeface="宋体" panose="02010600030101010101" pitchFamily="2" charset="-122"/>
+                          <a:cs typeface="Levenim MT" panose="02010502060101010101" pitchFamily="2" charset="-79"/>
+                        </a:rPr>
+                        <a:t>衷心感谢计算机学院的</a:t>
+                      </a:r>
+                      <a:r>
+                        <a:rPr lang="zh-CN" altLang="en-US" sz="2000" b="1" kern="1200" dirty="0" smtClean="0">
+                          <a:solidFill>
+                            <a:srgbClr val="FF0000"/>
+                          </a:solidFill>
+                          <a:latin typeface="宋体" panose="02010600030101010101" pitchFamily="2" charset="-122"/>
+                          <a:ea typeface="宋体" panose="02010600030101010101" pitchFamily="2" charset="-122"/>
+                          <a:cs typeface="Levenim MT" panose="02010502060101010101" pitchFamily="2" charset="-79"/>
+                        </a:rPr>
+                        <a:t>各位老师</a:t>
+                      </a:r>
+                      <a:r>
+                        <a:rPr lang="zh-CN" altLang="en-US" sz="2000" b="1" dirty="0" smtClean="0">
+                          <a:latin typeface="宋体" panose="02010600030101010101" pitchFamily="2" charset="-122"/>
+                          <a:ea typeface="宋体" panose="02010600030101010101" pitchFamily="2" charset="-122"/>
+                          <a:cs typeface="Levenim MT" panose="02010502060101010101" pitchFamily="2" charset="-79"/>
+                        </a:rPr>
+                        <a:t>。</a:t>
+                      </a:r>
+                      <a:endParaRPr lang="en-US" altLang="zh-CN" sz="2000" b="1" dirty="0" smtClean="0">
+                        <a:latin typeface="宋体" panose="02010600030101010101" pitchFamily="2" charset="-122"/>
+                        <a:ea typeface="宋体" panose="02010600030101010101" pitchFamily="2" charset="-122"/>
+                        <a:cs typeface="Levenim MT" panose="02010502060101010101" pitchFamily="2" charset="-79"/>
+                      </a:endParaRPr>
+                    </a:p>
+                    <a:p>
+                      <a:pPr eaLnBrk="1" hangingPunct="1">
+                        <a:lnSpc>
+                          <a:spcPct val="200000"/>
+                        </a:lnSpc>
+                        <a:spcBef>
+                          <a:spcPct val="0"/>
+                        </a:spcBef>
+                        <a:buFont typeface="Wingdings" panose="05000000000000000000" pitchFamily="2" charset="2"/>
+                        <a:buChar char="Ø"/>
+                      </a:pPr>
+                      <a:r>
+                        <a:rPr lang="zh-CN" altLang="en-US" sz="2000" b="1" dirty="0" smtClean="0">
+                          <a:latin typeface="宋体" panose="02010600030101010101" pitchFamily="2" charset="-122"/>
+                          <a:ea typeface="宋体" panose="02010600030101010101" pitchFamily="2" charset="-122"/>
+                          <a:cs typeface="Levenim MT" panose="02010502060101010101" pitchFamily="2" charset="-79"/>
+                        </a:rPr>
+                        <a:t>衷心感谢我的</a:t>
+                      </a:r>
+                      <a:r>
+                        <a:rPr lang="zh-CN" altLang="en-US" sz="2000" b="1" kern="1200" dirty="0" smtClean="0">
+                          <a:solidFill>
+                            <a:srgbClr val="FF0000"/>
+                          </a:solidFill>
+                          <a:latin typeface="宋体" panose="02010600030101010101" pitchFamily="2" charset="-122"/>
+                          <a:ea typeface="宋体" panose="02010600030101010101" pitchFamily="2" charset="-122"/>
+                          <a:cs typeface="Levenim MT" panose="02010502060101010101" pitchFamily="2" charset="-79"/>
+                        </a:rPr>
+                        <a:t>家人</a:t>
+                      </a:r>
+                      <a:r>
+                        <a:rPr lang="zh-CN" altLang="en-US" sz="2000" b="1" dirty="0" smtClean="0">
+                          <a:latin typeface="宋体" panose="02010600030101010101" pitchFamily="2" charset="-122"/>
+                          <a:ea typeface="宋体" panose="02010600030101010101" pitchFamily="2" charset="-122"/>
+                          <a:cs typeface="Levenim MT" panose="02010502060101010101" pitchFamily="2" charset="-79"/>
+                        </a:rPr>
+                        <a:t>一直以来的支持。</a:t>
+                      </a:r>
+                      <a:endParaRPr lang="en-US" altLang="zh-CN" sz="2000" b="1" dirty="0" smtClean="0">
+                        <a:latin typeface="宋体" panose="02010600030101010101" pitchFamily="2" charset="-122"/>
+                        <a:ea typeface="宋体" panose="02010600030101010101" pitchFamily="2" charset="-122"/>
+                        <a:cs typeface="Levenim MT" panose="02010502060101010101" pitchFamily="2" charset="-79"/>
+                      </a:endParaRPr>
+                    </a:p>
+                    <a:p>
+                      <a:pPr eaLnBrk="1" hangingPunct="1">
+                        <a:lnSpc>
+                          <a:spcPct val="200000"/>
+                        </a:lnSpc>
+                        <a:spcBef>
+                          <a:spcPct val="0"/>
+                        </a:spcBef>
+                        <a:buFont typeface="Wingdings" panose="05000000000000000000" pitchFamily="2" charset="2"/>
+                        <a:buChar char="Ø"/>
+                      </a:pPr>
+                      <a:r>
+                        <a:rPr lang="zh-CN" altLang="en-US" sz="2000" b="1" dirty="0" smtClean="0">
+                          <a:latin typeface="宋体" panose="02010600030101010101" pitchFamily="2" charset="-122"/>
+                          <a:ea typeface="宋体" panose="02010600030101010101" pitchFamily="2" charset="-122"/>
+                          <a:cs typeface="Levenim MT" panose="02010502060101010101" pitchFamily="2" charset="-79"/>
+                        </a:rPr>
+                        <a:t>衷心感谢所有帮助我的实验室</a:t>
+                      </a:r>
+                      <a:r>
+                        <a:rPr lang="zh-CN" altLang="en-US" sz="2000" b="1" kern="1200" dirty="0" smtClean="0">
+                          <a:solidFill>
+                            <a:srgbClr val="FF0000"/>
+                          </a:solidFill>
+                          <a:latin typeface="宋体" panose="02010600030101010101" pitchFamily="2" charset="-122"/>
+                          <a:ea typeface="宋体" panose="02010600030101010101" pitchFamily="2" charset="-122"/>
+                          <a:cs typeface="Levenim MT" panose="02010502060101010101" pitchFamily="2" charset="-79"/>
+                        </a:rPr>
+                        <a:t>同门和同学</a:t>
+                      </a:r>
+                      <a:r>
+                        <a:rPr lang="zh-CN" altLang="en-US" sz="2000" b="1" dirty="0" smtClean="0">
+                          <a:latin typeface="宋体" panose="02010600030101010101" pitchFamily="2" charset="-122"/>
+                          <a:ea typeface="宋体" panose="02010600030101010101" pitchFamily="2" charset="-122"/>
+                          <a:cs typeface="Levenim MT" panose="02010502060101010101" pitchFamily="2" charset="-79"/>
+                        </a:rPr>
+                        <a:t>。</a:t>
+                      </a:r>
+                      <a:endParaRPr lang="en-US" altLang="zh-CN" sz="2000" b="1" dirty="0" smtClean="0">
+                        <a:latin typeface="宋体" panose="02010600030101010101" pitchFamily="2" charset="-122"/>
+                        <a:ea typeface="宋体" panose="02010600030101010101" pitchFamily="2" charset="-122"/>
+                        <a:cs typeface="Levenim MT" panose="02010502060101010101" pitchFamily="2" charset="-79"/>
+                      </a:endParaRPr>
+                    </a:p>
+                    <a:p>
+                      <a:pPr eaLnBrk="1" hangingPunct="1">
+                        <a:lnSpc>
+                          <a:spcPct val="200000"/>
+                        </a:lnSpc>
+                        <a:spcBef>
+                          <a:spcPct val="0"/>
+                        </a:spcBef>
+                        <a:buFont typeface="Wingdings" panose="05000000000000000000" pitchFamily="2" charset="2"/>
+                        <a:buChar char="Ø"/>
+                      </a:pPr>
+                      <a:r>
+                        <a:rPr lang="zh-CN" altLang="en-US" sz="2000" b="1" dirty="0" smtClean="0">
+                          <a:latin typeface="宋体" panose="02010600030101010101" pitchFamily="2" charset="-122"/>
+                          <a:ea typeface="宋体" panose="02010600030101010101" pitchFamily="2" charset="-122"/>
+                          <a:cs typeface="Levenim MT" panose="02010502060101010101" pitchFamily="2" charset="-79"/>
+                        </a:rPr>
+                        <a:t>衷心感谢辛苦参加论文评阅和答辩的</a:t>
+                      </a:r>
+                      <a:r>
+                        <a:rPr lang="zh-CN" altLang="en-US" sz="2000" b="1" kern="1200" dirty="0" smtClean="0">
+                          <a:solidFill>
+                            <a:srgbClr val="FF0000"/>
+                          </a:solidFill>
+                          <a:latin typeface="宋体" panose="02010600030101010101" pitchFamily="2" charset="-122"/>
+                          <a:ea typeface="宋体" panose="02010600030101010101" pitchFamily="2" charset="-122"/>
+                          <a:cs typeface="Levenim MT" panose="02010502060101010101" pitchFamily="2" charset="-79"/>
+                        </a:rPr>
+                        <a:t>各位专家</a:t>
+                      </a:r>
+                      <a:r>
+                        <a:rPr lang="zh-CN" altLang="en-US" sz="2000" b="1" dirty="0" smtClean="0">
+                          <a:latin typeface="宋体" panose="02010600030101010101" pitchFamily="2" charset="-122"/>
+                          <a:ea typeface="宋体" panose="02010600030101010101" pitchFamily="2" charset="-122"/>
+                          <a:cs typeface="Levenim MT" panose="02010502060101010101" pitchFamily="2" charset="-79"/>
+                        </a:rPr>
+                        <a:t>。</a:t>
+                      </a:r>
+                      <a:endParaRPr lang="zh-CN" altLang="en-US" sz="2000" b="1" dirty="0">
+                        <a:latin typeface="宋体" panose="02010600030101010101" pitchFamily="2" charset="-122"/>
+                        <a:ea typeface="宋体" panose="02010600030101010101" pitchFamily="2" charset="-122"/>
+                        <a:cs typeface="Levenim MT" panose="02010502060101010101" pitchFamily="2" charset="-79"/>
+                      </a:endParaRPr>
+                    </a:p>
+                  </a:txBody>
+                  <a:tcPr anchor="ctr">
+                    <a:lnL w="12700" cap="flat" cmpd="sng" algn="ctr">
+                      <a:noFill/>
+                      <a:prstDash val="solid"/>
+                      <a:round/>
+                      <a:headEnd type="none" w="med" len="med"/>
+                      <a:tailEnd type="none" w="med" len="med"/>
+                    </a:lnL>
+                    <a:lnR w="12700" cap="flat" cmpd="sng" algn="ctr">
+                      <a:noFill/>
+                      <a:prstDash val="solid"/>
+                      <a:round/>
+                      <a:headEnd type="none" w="med" len="med"/>
+                      <a:tailEnd type="none" w="med" len="med"/>
+                    </a:lnR>
+                    <a:lnT w="12700" cap="flat" cmpd="sng" algn="ctr">
+                      <a:solidFill>
+                        <a:schemeClr val="bg1"/>
+                      </a:solidFill>
+                      <a:prstDash val="solid"/>
+                      <a:round/>
+                      <a:headEnd type="none" w="med" len="med"/>
+                      <a:tailEnd type="none" w="med" len="med"/>
+                    </a:lnT>
+                    <a:lnB w="19050" cap="flat" cmpd="sng" algn="ctr">
+                      <a:solidFill>
+                        <a:schemeClr val="bg1">
+                          <a:lumMod val="85000"/>
+                        </a:schemeClr>
+                      </a:solidFill>
+                      <a:prstDash val="solid"/>
+                      <a:round/>
+                      <a:headEnd type="none" w="med" len="med"/>
+                      <a:tailEnd type="none" w="med" len="med"/>
+                    </a:lnB>
+                    <a:lnTlToBr w="12700" cap="flat" cmpd="sng" algn="ctr">
+                      <a:noFill/>
+                      <a:prstDash val="solid"/>
+                      <a:round/>
+                      <a:headEnd type="none" w="med" len="med"/>
+                      <a:tailEnd type="none" w="med" len="med"/>
+                    </a:lnTlToBr>
+                    <a:lnBlToTr w="12700" cmpd="sng">
+                      <a:noFill/>
+                      <a:prstDash val="solid"/>
+                    </a:lnBlToTr>
+                    <a:solidFill>
+                      <a:schemeClr val="bg1">
+                        <a:lumMod val="95000"/>
+                      </a:schemeClr>
+                    </a:solidFill>
+                  </a:tcPr>
+                </a:tc>
+              </a:tr>
+            </a:tbl>
+          </a:graphicData>
+        </a:graphic>
+      </p:graphicFrame>
+    </p:spTree>
+    <p:extLst>
+      <p:ext uri="{BB962C8B-B14F-4D97-AF65-F5344CB8AC3E}">
+        <p14:creationId xmlns:p14="http://schemas.microsoft.com/office/powerpoint/2010/main" val="832680660"/>
+      </p:ext>
+    </p:extLst>
+  </p:cSld>
+  <p:clrMapOvr>
+    <a:masterClrMapping/>
+  </p:clrMapOvr>
   <p:timing>
     <p:tnLst>
       <p:par>
@@ -38149,6 +43216,49 @@
   <p:clrMapOvr>
     <a:masterClrMapping/>
   </p:clrMapOvr>
+  <p:transition spd="slow">
+    <p:randomBar dir="vert"/>
+  </p:transition>
+  <p:timing>
+    <p:tnLst>
+      <p:par>
+        <p:cTn id="1" dur="indefinite" restart="never" nodeType="tmRoot"/>
+      </p:par>
+    </p:tnLst>
+  </p:timing>
+</p:sld>
+</file>
+
+<file path=ppt/slides/slide30.xml><?xml version="1.0" encoding="utf-8"?>
+<p:sld xmlns:a="http://schemas.openxmlformats.org/drawingml/2006/main" xmlns:r="http://schemas.openxmlformats.org/officeDocument/2006/relationships" xmlns:p="http://schemas.openxmlformats.org/presentationml/2006/main">
+  <p:cSld>
+    <p:spTree>
+      <p:nvGrpSpPr>
+        <p:cNvPr id="1" name=""/>
+        <p:cNvGrpSpPr/>
+        <p:nvPr/>
+      </p:nvGrpSpPr>
+      <p:grpSpPr>
+        <a:xfrm>
+          <a:off x="0" y="0"/>
+          <a:ext cx="0" cy="0"/>
+          <a:chOff x="0" y="0"/>
+          <a:chExt cx="0" cy="0"/>
+        </a:xfrm>
+      </p:grpSpPr>
+    </p:spTree>
+    <p:extLst>
+      <p:ext uri="{BB962C8B-B14F-4D97-AF65-F5344CB8AC3E}">
+        <p14:creationId xmlns:p14="http://schemas.microsoft.com/office/powerpoint/2010/main" val="2150359311"/>
+      </p:ext>
+    </p:extLst>
+  </p:cSld>
+  <p:clrMapOvr>
+    <a:masterClrMapping/>
+  </p:clrMapOvr>
+  <p:transition spd="slow">
+    <p:randomBar dir="vert"/>
+  </p:transition>
   <p:timing>
     <p:tnLst>
       <p:par>
@@ -38186,6 +43296,9 @@
   <p:clrMapOvr>
     <a:masterClrMapping/>
   </p:clrMapOvr>
+  <p:transition spd="slow">
+    <p:randomBar dir="vert"/>
+  </p:transition>
   <p:timing>
     <p:tnLst>
       <p:par>
@@ -38363,7 +43476,7 @@
         <p:spPr>
           <a:xfrm>
             <a:off x="1231641" y="749042"/>
-            <a:ext cx="10655559" cy="2221762"/>
+            <a:ext cx="10655559" cy="2308324"/>
           </a:xfrm>
           <a:prstGeom prst="rect">
             <a:avLst/>
@@ -38397,7 +43510,7 @@
             </a:r>
             <a:r>
               <a:rPr lang="en-US" altLang="zh-CN" sz="2400" dirty="0" err="1">
-                <a:latin typeface="宋体" panose="02010600030101010101" pitchFamily="2" charset="-122"/>
+                <a:latin typeface="+mj-lt"/>
                 <a:ea typeface="宋体" panose="02010600030101010101" pitchFamily="2" charset="-122"/>
               </a:rPr>
               <a:t>SNS</a:t>
@@ -38433,6 +43546,9 @@
   <p:clrMapOvr>
     <a:masterClrMapping/>
   </p:clrMapOvr>
+  <p:transition spd="slow">
+    <p:randomBar dir="vert"/>
+  </p:transition>
   <p:timing>
     <p:tnLst>
       <p:par>
@@ -38532,8 +43648,8 @@
         </p:nvSpPr>
         <p:spPr>
           <a:xfrm>
-            <a:off x="536223" y="917579"/>
-            <a:ext cx="10329333" cy="2523768"/>
+            <a:off x="1022573" y="917579"/>
+            <a:ext cx="9842983" cy="2523768"/>
           </a:xfrm>
           <a:prstGeom prst="rect">
             <a:avLst/>
@@ -38673,8 +43789,8 @@
         </p:nvSpPr>
         <p:spPr bwMode="auto">
           <a:xfrm>
-            <a:off x="674931" y="6097503"/>
-            <a:ext cx="8109840" cy="646113"/>
+            <a:off x="1022573" y="6097503"/>
+            <a:ext cx="7975588" cy="646113"/>
           </a:xfrm>
           <a:prstGeom prst="rect">
             <a:avLst/>
@@ -38905,7 +44021,7 @@
     <a:masterClrMapping/>
   </p:clrMapOvr>
   <p:transition spd="slow" advTm="17">
-    <p:push dir="u"/>
+    <p:randomBar dir="vert"/>
   </p:transition>
   <p:timing>
     <p:tnLst>
@@ -42880,7 +47996,8 @@
               <a:t>信息的特点，对文本进行语义分析并提取文本中含有的情感程度副词进行两步考虑，构建</a:t>
             </a:r>
             <a:r>
-              <a:rPr lang="en-US" altLang="zh-CN" sz="1600" dirty="0" smtClean="0">
+              <a:rPr lang="en-US" altLang="zh-CN" sz="1600" b="1" dirty="0" smtClean="0">
+                <a:latin typeface="+mj-lt"/>
                 <a:sym typeface="Arial" panose="020B0604020202020204" pitchFamily="34" charset="0"/>
               </a:rPr>
               <a:t>SEM</a:t>
@@ -43079,7 +48196,7 @@
               <a:t>信息的特点，采用交叉的相似度计算方法，并根据情感词词典，并综合考虑时间因素，提出了</a:t>
             </a:r>
             <a:r>
-              <a:rPr lang="en-US" altLang="zh-CN" sz="1600" dirty="0" err="1" smtClean="0">
+              <a:rPr lang="en-US" altLang="zh-CN" sz="1600" b="1" dirty="0" err="1" smtClean="0">
                 <a:latin typeface="宋体" panose="02010600030101010101" pitchFamily="2" charset="-122"/>
               </a:rPr>
               <a:t>ESEM</a:t>
@@ -43425,6 +48542,9 @@
   <p:clrMapOvr>
     <a:masterClrMapping/>
   </p:clrMapOvr>
+  <p:transition spd="slow">
+    <p:randomBar dir="vert"/>
+  </p:transition>
   <p:timing>
     <p:tnLst>
       <p:par>
@@ -44616,14 +49736,9 @@
   <p:clrMapOvr>
     <a:masterClrMapping/>
   </p:clrMapOvr>
-  <mc:AlternateContent xmlns:mc="http://schemas.openxmlformats.org/markup-compatibility/2006" xmlns:p14="http://schemas.microsoft.com/office/powerpoint/2010/main">
-    <mc:Choice Requires="p14">
-      <p:transition spd="slow" p14:dur="2000" advTm="9"/>
-    </mc:Choice>
-    <mc:Fallback xmlns="">
-      <p:transition spd="slow" advTm="9"/>
-    </mc:Fallback>
-  </mc:AlternateContent>
+  <p:transition spd="slow" advTm="9">
+    <p:randomBar dir="vert"/>
+  </p:transition>
   <p:timing>
     <p:tnLst>
       <p:par>
@@ -44671,18 +49786,9 @@
   <p:clrMapOvr>
     <a:overrideClrMapping bg1="lt1" tx1="dk1" bg2="lt2" tx2="dk2" accent1="accent1" accent2="accent2" accent3="accent3" accent4="accent4" accent5="accent5" accent6="accent6" hlink="hlink" folHlink="folHlink"/>
   </p:clrMapOvr>
-  <mc:AlternateContent xmlns:mc="http://schemas.openxmlformats.org/markup-compatibility/2006" xmlns:p14="http://schemas.microsoft.com/office/powerpoint/2010/main">
-    <mc:Choice Requires="p14">
-      <p:transition spd="med" p14:dur="700" advTm="612">
-        <p:fade/>
-      </p:transition>
-    </mc:Choice>
-    <mc:Fallback xmlns="">
-      <p:transition spd="med" advTm="612">
-        <p:fade/>
-      </p:transition>
-    </mc:Fallback>
-  </mc:AlternateContent>
+  <p:transition spd="slow" advTm="612">
+    <p:randomBar dir="vert"/>
+  </p:transition>
   <p:timing>
     <p:tnLst>
       <p:par>
